--- a/slides/slides_day3.pptx
+++ b/slides/slides_day3.pptx
@@ -29,13 +29,13 @@
     <p:sldId id="450" r:id="rId20"/>
     <p:sldId id="451" r:id="rId21"/>
     <p:sldId id="405" r:id="rId22"/>
-    <p:sldId id="418" r:id="rId23"/>
-    <p:sldId id="417" r:id="rId24"/>
-    <p:sldId id="419" r:id="rId25"/>
-    <p:sldId id="420" r:id="rId26"/>
-    <p:sldId id="421" r:id="rId27"/>
-    <p:sldId id="422" r:id="rId28"/>
-    <p:sldId id="424" r:id="rId29"/>
+    <p:sldId id="420" r:id="rId23"/>
+    <p:sldId id="421" r:id="rId24"/>
+    <p:sldId id="422" r:id="rId25"/>
+    <p:sldId id="424" r:id="rId26"/>
+    <p:sldId id="418" r:id="rId27"/>
+    <p:sldId id="417" r:id="rId28"/>
+    <p:sldId id="419" r:id="rId29"/>
     <p:sldId id="383" r:id="rId30"/>
     <p:sldId id="426" r:id="rId31"/>
     <p:sldId id="427" r:id="rId32"/>
@@ -240,7 +240,7 @@
           <a:p>
             <a:fld id="{F833E4A7-8C8F-0444-B05A-6DE0ED7B35B0}" type="datetimeFigureOut">
               <a:rPr lang="en-US" smtClean="0"/>
-              <a:t>5/21/15</a:t>
+              <a:t>5/28/15</a:t>
             </a:fld>
             <a:endParaRPr lang="en-US"/>
           </a:p>
@@ -701,7 +701,7 @@
           <a:p>
             <a:fld id="{CAF647BD-C221-1844-9ED2-A7F7759EF665}" type="datetimeFigureOut">
               <a:rPr lang="en-US" smtClean="0"/>
-              <a:t>5/21/15</a:t>
+              <a:t>5/28/15</a:t>
             </a:fld>
             <a:endParaRPr lang="en-US"/>
           </a:p>
@@ -966,7 +966,7 @@
           <a:p>
             <a:fld id="{CAF647BD-C221-1844-9ED2-A7F7759EF665}" type="datetimeFigureOut">
               <a:rPr lang="en-US" smtClean="0"/>
-              <a:t>5/21/15</a:t>
+              <a:t>5/28/15</a:t>
             </a:fld>
             <a:endParaRPr lang="en-US"/>
           </a:p>
@@ -1141,7 +1141,7 @@
           <a:p>
             <a:fld id="{CAF647BD-C221-1844-9ED2-A7F7759EF665}" type="datetimeFigureOut">
               <a:rPr lang="en-US" smtClean="0"/>
-              <a:t>5/21/15</a:t>
+              <a:t>5/28/15</a:t>
             </a:fld>
             <a:endParaRPr lang="en-US"/>
           </a:p>
@@ -1306,7 +1306,7 @@
           <a:p>
             <a:fld id="{CAF647BD-C221-1844-9ED2-A7F7759EF665}" type="datetimeFigureOut">
               <a:rPr lang="en-US" smtClean="0"/>
-              <a:t>5/21/15</a:t>
+              <a:t>5/28/15</a:t>
             </a:fld>
             <a:endParaRPr lang="en-US"/>
           </a:p>
@@ -1555,7 +1555,7 @@
           <a:p>
             <a:fld id="{CAF647BD-C221-1844-9ED2-A7F7759EF665}" type="datetimeFigureOut">
               <a:rPr lang="en-US" smtClean="0"/>
-              <a:t>5/21/15</a:t>
+              <a:t>5/28/15</a:t>
             </a:fld>
             <a:endParaRPr lang="en-US"/>
           </a:p>
@@ -1838,7 +1838,7 @@
           <a:p>
             <a:fld id="{CAF647BD-C221-1844-9ED2-A7F7759EF665}" type="datetimeFigureOut">
               <a:rPr lang="en-US" smtClean="0"/>
-              <a:t>5/21/15</a:t>
+              <a:t>5/28/15</a:t>
             </a:fld>
             <a:endParaRPr lang="en-US"/>
           </a:p>
@@ -2277,7 +2277,7 @@
           <a:p>
             <a:fld id="{CAF647BD-C221-1844-9ED2-A7F7759EF665}" type="datetimeFigureOut">
               <a:rPr lang="en-US" smtClean="0"/>
-              <a:t>5/21/15</a:t>
+              <a:t>5/28/15</a:t>
             </a:fld>
             <a:endParaRPr lang="en-US"/>
           </a:p>
@@ -2390,7 +2390,7 @@
           <a:p>
             <a:fld id="{CAF647BD-C221-1844-9ED2-A7F7759EF665}" type="datetimeFigureOut">
               <a:rPr lang="en-US" smtClean="0"/>
-              <a:t>5/21/15</a:t>
+              <a:t>5/28/15</a:t>
             </a:fld>
             <a:endParaRPr lang="en-US"/>
           </a:p>
@@ -2480,7 +2480,7 @@
           <a:p>
             <a:fld id="{CAF647BD-C221-1844-9ED2-A7F7759EF665}" type="datetimeFigureOut">
               <a:rPr lang="en-US" smtClean="0"/>
-              <a:t>5/21/15</a:t>
+              <a:t>5/28/15</a:t>
             </a:fld>
             <a:endParaRPr lang="en-US"/>
           </a:p>
@@ -2722,7 +2722,7 @@
           <a:p>
             <a:fld id="{CAF647BD-C221-1844-9ED2-A7F7759EF665}" type="datetimeFigureOut">
               <a:rPr lang="en-US" smtClean="0"/>
-              <a:t>5/21/15</a:t>
+              <a:t>5/28/15</a:t>
             </a:fld>
             <a:endParaRPr lang="en-US"/>
           </a:p>
@@ -3016,7 +3016,7 @@
           <a:p>
             <a:fld id="{CAF647BD-C221-1844-9ED2-A7F7759EF665}" type="datetimeFigureOut">
               <a:rPr lang="en-US" smtClean="0"/>
-              <a:t>5/21/15</a:t>
+              <a:t>5/28/15</a:t>
             </a:fld>
             <a:endParaRPr lang="en-US"/>
           </a:p>
@@ -3310,7 +3310,7 @@
           <a:p>
             <a:fld id="{CAF647BD-C221-1844-9ED2-A7F7759EF665}" type="datetimeFigureOut">
               <a:rPr lang="en-US" smtClean="0"/>
-              <a:t>5/21/15</a:t>
+              <a:t>5/28/15</a:t>
             </a:fld>
             <a:endParaRPr lang="en-US"/>
           </a:p>
@@ -7231,7 +7231,7 @@
           <a:p>
             <a:r>
               <a:rPr lang="en-US" dirty="0" smtClean="0"/>
-              <a:t>returning multiple values</a:t>
+              <a:t>functions don't need to return anything!</a:t>
             </a:r>
             <a:endParaRPr lang="en-US" dirty="0"/>
           </a:p>
@@ -7246,7 +7246,7 @@
         <p:spPr>
           <a:xfrm>
             <a:off x="457199" y="1727554"/>
-            <a:ext cx="8338444" cy="1200329"/>
+            <a:ext cx="8338444" cy="1477328"/>
           </a:xfrm>
           <a:prstGeom prst="rect">
             <a:avLst/>
@@ -7293,19 +7293,69 @@
             </a:r>
           </a:p>
           <a:p>
-            <a:r>
-              <a:rPr lang="en-US" dirty="0">
-                <a:latin typeface="Monaco"/>
-                <a:cs typeface="Monaco"/>
-              </a:rPr>
-              <a:t>	</a:t>
-            </a:r>
-            <a:r>
-              <a:rPr lang="en-US" dirty="0" smtClean="0">
-                <a:latin typeface="Monaco"/>
-                <a:cs typeface="Monaco"/>
-              </a:rPr>
-              <a:t>return square, cube    # separate values with a comma</a:t>
+            <a:pPr lvl="1"/>
+            <a:r>
+              <a:rPr lang="en-US" dirty="0" smtClean="0">
+                <a:latin typeface="Monaco"/>
+                <a:cs typeface="Monaco"/>
+              </a:rPr>
+              <a:t>print </a:t>
+            </a:r>
+            <a:r>
+              <a:rPr lang="en-US" dirty="0" err="1" smtClean="0">
+                <a:latin typeface="Monaco"/>
+                <a:cs typeface="Monaco"/>
+              </a:rPr>
+              <a:t>str</a:t>
+            </a:r>
+            <a:r>
+              <a:rPr lang="en-US" dirty="0" smtClean="0">
+                <a:latin typeface="Monaco"/>
+                <a:cs typeface="Monaco"/>
+              </a:rPr>
+              <a:t>(x) + " squared is " + </a:t>
+            </a:r>
+            <a:r>
+              <a:rPr lang="en-US" dirty="0" err="1" smtClean="0">
+                <a:latin typeface="Monaco"/>
+                <a:cs typeface="Monaco"/>
+              </a:rPr>
+              <a:t>str</a:t>
+            </a:r>
+            <a:r>
+              <a:rPr lang="en-US" dirty="0" smtClean="0">
+                <a:latin typeface="Monaco"/>
+                <a:cs typeface="Monaco"/>
+              </a:rPr>
+              <a:t>(square) + ", and " + </a:t>
+            </a:r>
+            <a:r>
+              <a:rPr lang="en-US" dirty="0" err="1" smtClean="0">
+                <a:latin typeface="Monaco"/>
+                <a:cs typeface="Monaco"/>
+              </a:rPr>
+              <a:t>str</a:t>
+            </a:r>
+            <a:r>
+              <a:rPr lang="en-US" dirty="0" smtClean="0">
+                <a:latin typeface="Monaco"/>
+                <a:cs typeface="Monaco"/>
+              </a:rPr>
+              <a:t>(x) + " cubed is " + </a:t>
+            </a:r>
+            <a:r>
+              <a:rPr lang="en-US" dirty="0" err="1" smtClean="0">
+                <a:latin typeface="Monaco"/>
+                <a:cs typeface="Monaco"/>
+              </a:rPr>
+              <a:t>str</a:t>
+            </a:r>
+            <a:r>
+              <a:rPr lang="en-US" dirty="0" smtClean="0">
+                <a:latin typeface="Monaco"/>
+                <a:cs typeface="Monaco"/>
+              </a:rPr>
+              <a:t>(cube)</a:t>
             </a:r>
           </a:p>
         </p:txBody>
@@ -7313,7 +7363,7 @@
     </p:spTree>
     <p:extLst>
       <p:ext uri="{BB962C8B-B14F-4D97-AF65-F5344CB8AC3E}">
-        <p14:creationId xmlns:p14="http://schemas.microsoft.com/office/powerpoint/2010/main" val="1411696820"/>
+        <p14:creationId xmlns:p14="http://schemas.microsoft.com/office/powerpoint/2010/main" val="4277511070"/>
       </p:ext>
     </p:extLst>
   </p:cSld>
@@ -7357,7 +7407,7 @@
           <a:p>
             <a:r>
               <a:rPr lang="en-US" dirty="0" smtClean="0"/>
-              <a:t>returning multiple values</a:t>
+              <a:t>functions don't need to return anything!</a:t>
             </a:r>
             <a:endParaRPr lang="en-US" dirty="0"/>
           </a:p>
@@ -7371,8 +7421,8 @@
         </p:nvSpPr>
         <p:spPr>
           <a:xfrm>
-            <a:off x="457200" y="1727554"/>
-            <a:ext cx="8338444" cy="2862323"/>
+            <a:off x="457199" y="1727554"/>
+            <a:ext cx="8338444" cy="3416320"/>
           </a:xfrm>
           <a:prstGeom prst="rect">
             <a:avLst/>
@@ -7419,107 +7469,91 @@
             </a:r>
           </a:p>
           <a:p>
-            <a:r>
-              <a:rPr lang="en-US" dirty="0">
-                <a:latin typeface="Monaco"/>
-                <a:cs typeface="Monaco"/>
-              </a:rPr>
-              <a:t>	</a:t>
-            </a:r>
-            <a:r>
-              <a:rPr lang="en-US" dirty="0" smtClean="0">
-                <a:latin typeface="Monaco"/>
-                <a:cs typeface="Monaco"/>
-              </a:rPr>
-              <a:t>return square</a:t>
-            </a:r>
-            <a:r>
-              <a:rPr lang="en-US" dirty="0">
-                <a:latin typeface="Monaco"/>
-                <a:cs typeface="Monaco"/>
-              </a:rPr>
-              <a:t>, cube </a:t>
-            </a:r>
-            <a:r>
-              <a:rPr lang="en-US" dirty="0" smtClean="0">
-                <a:latin typeface="Monaco"/>
-                <a:cs typeface="Monaco"/>
-              </a:rPr>
-              <a:t>   # </a:t>
-            </a:r>
-            <a:r>
-              <a:rPr lang="en-US" dirty="0">
-                <a:latin typeface="Monaco"/>
-                <a:cs typeface="Monaco"/>
-              </a:rPr>
-              <a:t>separate values with a </a:t>
-            </a:r>
-            <a:r>
-              <a:rPr lang="en-US" dirty="0" smtClean="0">
-                <a:latin typeface="Monaco"/>
-                <a:cs typeface="Monaco"/>
-              </a:rPr>
-              <a:t>comma</a:t>
-            </a:r>
-          </a:p>
-          <a:p>
+            <a:pPr lvl="1"/>
+            <a:r>
+              <a:rPr lang="en-US" dirty="0" smtClean="0">
+                <a:latin typeface="Monaco"/>
+                <a:cs typeface="Monaco"/>
+              </a:rPr>
+              <a:t>print </a:t>
+            </a:r>
+            <a:r>
+              <a:rPr lang="en-US" dirty="0" err="1" smtClean="0">
+                <a:latin typeface="Monaco"/>
+                <a:cs typeface="Monaco"/>
+              </a:rPr>
+              <a:t>str</a:t>
+            </a:r>
+            <a:r>
+              <a:rPr lang="en-US" dirty="0" smtClean="0">
+                <a:latin typeface="Monaco"/>
+                <a:cs typeface="Monaco"/>
+              </a:rPr>
+              <a:t>(x) + " squared is " + </a:t>
+            </a:r>
+            <a:r>
+              <a:rPr lang="en-US" dirty="0" err="1" smtClean="0">
+                <a:latin typeface="Monaco"/>
+                <a:cs typeface="Monaco"/>
+              </a:rPr>
+              <a:t>str</a:t>
+            </a:r>
+            <a:r>
+              <a:rPr lang="en-US" dirty="0" smtClean="0">
+                <a:latin typeface="Monaco"/>
+                <a:cs typeface="Monaco"/>
+              </a:rPr>
+              <a:t>(square) + ", and " + </a:t>
+            </a:r>
+            <a:r>
+              <a:rPr lang="en-US" dirty="0" err="1" smtClean="0">
+                <a:latin typeface="Monaco"/>
+                <a:cs typeface="Monaco"/>
+              </a:rPr>
+              <a:t>str</a:t>
+            </a:r>
+            <a:r>
+              <a:rPr lang="en-US" dirty="0" smtClean="0">
+                <a:latin typeface="Monaco"/>
+                <a:cs typeface="Monaco"/>
+              </a:rPr>
+              <a:t>(x) + " cubed is " + </a:t>
+            </a:r>
+            <a:r>
+              <a:rPr lang="en-US" dirty="0" err="1" smtClean="0">
+                <a:latin typeface="Monaco"/>
+                <a:cs typeface="Monaco"/>
+              </a:rPr>
+              <a:t>str</a:t>
+            </a:r>
+            <a:r>
+              <a:rPr lang="en-US" dirty="0" smtClean="0">
+                <a:latin typeface="Monaco"/>
+                <a:cs typeface="Monaco"/>
+              </a:rPr>
+              <a:t>(cube)</a:t>
+            </a:r>
+          </a:p>
+          <a:p>
+            <a:pPr lvl="1"/>
             <a:endParaRPr lang="en-US" dirty="0">
               <a:latin typeface="Monaco"/>
               <a:cs typeface="Monaco"/>
             </a:endParaRPr>
           </a:p>
           <a:p>
-            <a:r>
-              <a:rPr lang="en-US" dirty="0" smtClean="0">
-                <a:latin typeface="Monaco"/>
-                <a:cs typeface="Monaco"/>
-              </a:rPr>
-              <a:t>s, c = square_cube(5)</a:t>
-            </a:r>
-          </a:p>
-          <a:p>
-            <a:r>
-              <a:rPr lang="en-US" dirty="0" smtClean="0">
-                <a:latin typeface="Monaco"/>
-                <a:cs typeface="Monaco"/>
-              </a:rPr>
-              <a:t>print s</a:t>
-            </a:r>
-          </a:p>
-          <a:p>
-            <a:r>
-              <a:rPr lang="en-US" dirty="0" smtClean="0">
-                <a:latin typeface="Monaco"/>
-                <a:cs typeface="Monaco"/>
-              </a:rPr>
-              <a:t>	</a:t>
-            </a:r>
-            <a:r>
-              <a:rPr lang="en-US" dirty="0" smtClean="0">
-                <a:solidFill>
-                  <a:srgbClr val="A6A6A6"/>
-                </a:solidFill>
-                <a:latin typeface="Monaco"/>
-                <a:cs typeface="Monaco"/>
-              </a:rPr>
-              <a:t>25</a:t>
-            </a:r>
+            <a:pPr lvl="1"/>
             <a:endParaRPr lang="en-US" dirty="0">
-              <a:solidFill>
-                <a:srgbClr val="A6A6A6"/>
-              </a:solidFill>
               <a:latin typeface="Monaco"/>
               <a:cs typeface="Monaco"/>
             </a:endParaRPr>
           </a:p>
           <a:p>
-            <a:r>
-              <a:rPr lang="en-US" dirty="0" smtClean="0">
-                <a:latin typeface="Monaco"/>
-                <a:cs typeface="Monaco"/>
-              </a:rPr>
-              <a:t>print c</a:t>
-            </a:r>
+            <a:pPr lvl="1"/>
+            <a:endParaRPr lang="en-US" dirty="0" smtClean="0">
+              <a:latin typeface="Monaco"/>
+              <a:cs typeface="Monaco"/>
+            </a:endParaRPr>
           </a:p>
           <a:p>
             <a:r>
@@ -7527,25 +7561,45 @@
                 <a:latin typeface="Monaco"/>
                 <a:cs typeface="Monaco"/>
               </a:rPr>
-              <a:t>	</a:t>
-            </a:r>
-            <a:r>
-              <a:rPr lang="en-US" dirty="0" smtClean="0">
-                <a:solidFill>
-                  <a:srgbClr val="A6A6A6"/>
-                </a:solidFill>
-                <a:latin typeface="Monaco"/>
-                <a:cs typeface="Monaco"/>
-              </a:rPr>
-              <a:t>125</a:t>
-            </a:r>
+              <a:t># Simply call the function</a:t>
+            </a:r>
+          </a:p>
+          <a:p>
+            <a:r>
+              <a:rPr lang="en-US" dirty="0">
+                <a:latin typeface="Monaco"/>
+                <a:cs typeface="Monaco"/>
+              </a:rPr>
+              <a:t>square_cube(3)</a:t>
+            </a:r>
+          </a:p>
+          <a:p>
+            <a:r>
+              <a:rPr lang="en-US" dirty="0">
+                <a:solidFill>
+                  <a:schemeClr val="bg1">
+                    <a:lumMod val="65000"/>
+                  </a:schemeClr>
+                </a:solidFill>
+                <a:latin typeface="Monaco"/>
+                <a:cs typeface="Monaco"/>
+              </a:rPr>
+              <a:t>	3 squared is 9, and 3 cubed is 27</a:t>
+            </a:r>
+          </a:p>
+          <a:p>
+            <a:pPr lvl="1"/>
+            <a:endParaRPr lang="en-US" dirty="0" smtClean="0">
+              <a:latin typeface="Monaco"/>
+              <a:cs typeface="Monaco"/>
+            </a:endParaRPr>
           </a:p>
         </p:txBody>
       </p:sp>
     </p:spTree>
     <p:extLst>
       <p:ext uri="{BB962C8B-B14F-4D97-AF65-F5344CB8AC3E}">
-        <p14:creationId xmlns:p14="http://schemas.microsoft.com/office/powerpoint/2010/main" val="4000329539"/>
+        <p14:creationId xmlns:p14="http://schemas.microsoft.com/office/powerpoint/2010/main" val="1672031983"/>
       </p:ext>
     </p:extLst>
   </p:cSld>
@@ -7589,7 +7643,7 @@
           <a:p>
             <a:r>
               <a:rPr lang="en-US" dirty="0" smtClean="0"/>
-              <a:t>returning multiple values</a:t>
+              <a:t>functions don't need to return anything!</a:t>
             </a:r>
             <a:endParaRPr lang="en-US" dirty="0"/>
           </a:p>
@@ -7603,7 +7657,7 @@
         </p:nvSpPr>
         <p:spPr>
           <a:xfrm>
-            <a:off x="457200" y="1727554"/>
+            <a:off x="457199" y="1727554"/>
             <a:ext cx="8338444" cy="4801315"/>
           </a:xfrm>
           <a:prstGeom prst="rect">
@@ -7651,237 +7705,193 @@
             </a:r>
           </a:p>
           <a:p>
-            <a:r>
-              <a:rPr lang="en-US" dirty="0">
-                <a:latin typeface="Monaco"/>
-                <a:cs typeface="Monaco"/>
-              </a:rPr>
-              <a:t>	</a:t>
-            </a:r>
-            <a:r>
-              <a:rPr lang="en-US" dirty="0" smtClean="0">
-                <a:latin typeface="Monaco"/>
-                <a:cs typeface="Monaco"/>
-              </a:rPr>
-              <a:t>return square</a:t>
-            </a:r>
-            <a:r>
-              <a:rPr lang="en-US" dirty="0">
-                <a:latin typeface="Monaco"/>
-                <a:cs typeface="Monaco"/>
-              </a:rPr>
-              <a:t>, cube </a:t>
-            </a:r>
-            <a:r>
-              <a:rPr lang="en-US" dirty="0" smtClean="0">
-                <a:latin typeface="Monaco"/>
-                <a:cs typeface="Monaco"/>
-              </a:rPr>
-              <a:t>   # </a:t>
-            </a:r>
-            <a:r>
-              <a:rPr lang="en-US" dirty="0">
-                <a:latin typeface="Monaco"/>
-                <a:cs typeface="Monaco"/>
-              </a:rPr>
-              <a:t>separate values with a </a:t>
-            </a:r>
-            <a:r>
-              <a:rPr lang="en-US" dirty="0" smtClean="0">
-                <a:latin typeface="Monaco"/>
-                <a:cs typeface="Monaco"/>
-              </a:rPr>
-              <a:t>comma</a:t>
-            </a:r>
-          </a:p>
-          <a:p>
+            <a:pPr lvl="1"/>
+            <a:r>
+              <a:rPr lang="en-US" dirty="0" smtClean="0">
+                <a:latin typeface="Monaco"/>
+                <a:cs typeface="Monaco"/>
+              </a:rPr>
+              <a:t>print </a:t>
+            </a:r>
+            <a:r>
+              <a:rPr lang="en-US" dirty="0" err="1" smtClean="0">
+                <a:latin typeface="Monaco"/>
+                <a:cs typeface="Monaco"/>
+              </a:rPr>
+              <a:t>str</a:t>
+            </a:r>
+            <a:r>
+              <a:rPr lang="en-US" dirty="0" smtClean="0">
+                <a:latin typeface="Monaco"/>
+                <a:cs typeface="Monaco"/>
+              </a:rPr>
+              <a:t>(x) + " squared is " + </a:t>
+            </a:r>
+            <a:r>
+              <a:rPr lang="en-US" dirty="0" err="1" smtClean="0">
+                <a:latin typeface="Monaco"/>
+                <a:cs typeface="Monaco"/>
+              </a:rPr>
+              <a:t>str</a:t>
+            </a:r>
+            <a:r>
+              <a:rPr lang="en-US" dirty="0" smtClean="0">
+                <a:latin typeface="Monaco"/>
+                <a:cs typeface="Monaco"/>
+              </a:rPr>
+              <a:t>(square) + ", and " + </a:t>
+            </a:r>
+            <a:r>
+              <a:rPr lang="en-US" dirty="0" err="1" smtClean="0">
+                <a:latin typeface="Monaco"/>
+                <a:cs typeface="Monaco"/>
+              </a:rPr>
+              <a:t>str</a:t>
+            </a:r>
+            <a:r>
+              <a:rPr lang="en-US" dirty="0" smtClean="0">
+                <a:latin typeface="Monaco"/>
+                <a:cs typeface="Monaco"/>
+              </a:rPr>
+              <a:t>(x) + " cubed is " + </a:t>
+            </a:r>
+            <a:r>
+              <a:rPr lang="en-US" dirty="0" err="1" smtClean="0">
+                <a:latin typeface="Monaco"/>
+                <a:cs typeface="Monaco"/>
+              </a:rPr>
+              <a:t>str</a:t>
+            </a:r>
+            <a:r>
+              <a:rPr lang="en-US" dirty="0" smtClean="0">
+                <a:latin typeface="Monaco"/>
+                <a:cs typeface="Monaco"/>
+              </a:rPr>
+              <a:t>(cube)</a:t>
+            </a:r>
+          </a:p>
+          <a:p>
+            <a:pPr lvl="1"/>
             <a:endParaRPr lang="en-US" dirty="0">
               <a:latin typeface="Monaco"/>
               <a:cs typeface="Monaco"/>
             </a:endParaRPr>
           </a:p>
           <a:p>
-            <a:r>
-              <a:rPr lang="en-US" dirty="0" smtClean="0">
-                <a:latin typeface="Monaco"/>
-                <a:cs typeface="Monaco"/>
-              </a:rPr>
-              <a:t>s, c = square_cube(5)</a:t>
-            </a:r>
-          </a:p>
-          <a:p>
-            <a:r>
-              <a:rPr lang="en-US" dirty="0" smtClean="0">
-                <a:latin typeface="Monaco"/>
-                <a:cs typeface="Monaco"/>
-              </a:rPr>
-              <a:t>print s</a:t>
-            </a:r>
-          </a:p>
-          <a:p>
-            <a:r>
-              <a:rPr lang="en-US" dirty="0" smtClean="0">
-                <a:latin typeface="Monaco"/>
-                <a:cs typeface="Monaco"/>
-              </a:rPr>
-              <a:t>	</a:t>
-            </a:r>
-            <a:r>
-              <a:rPr lang="en-US" dirty="0" smtClean="0">
-                <a:solidFill>
-                  <a:srgbClr val="A6A6A6"/>
-                </a:solidFill>
-                <a:latin typeface="Monaco"/>
-                <a:cs typeface="Monaco"/>
-              </a:rPr>
-              <a:t>25</a:t>
-            </a:r>
-            <a:endParaRPr lang="en-US" dirty="0">
-              <a:solidFill>
-                <a:srgbClr val="A6A6A6"/>
-              </a:solidFill>
-              <a:latin typeface="Monaco"/>
-              <a:cs typeface="Monaco"/>
-            </a:endParaRPr>
-          </a:p>
-          <a:p>
-            <a:r>
-              <a:rPr lang="en-US" dirty="0" smtClean="0">
-                <a:latin typeface="Monaco"/>
-                <a:cs typeface="Monaco"/>
-              </a:rPr>
-              <a:t>print c</a:t>
-            </a:r>
-          </a:p>
-          <a:p>
-            <a:r>
-              <a:rPr lang="en-US" dirty="0">
-                <a:latin typeface="Monaco"/>
-                <a:cs typeface="Monaco"/>
-              </a:rPr>
-              <a:t>	</a:t>
-            </a:r>
-            <a:r>
-              <a:rPr lang="en-US" dirty="0" smtClean="0">
-                <a:solidFill>
-                  <a:srgbClr val="A6A6A6"/>
-                </a:solidFill>
-                <a:latin typeface="Monaco"/>
-                <a:cs typeface="Monaco"/>
-              </a:rPr>
-              <a:t>125</a:t>
-            </a:r>
-          </a:p>
-          <a:p>
-            <a:endParaRPr lang="en-US" dirty="0" smtClean="0">
-              <a:solidFill>
-                <a:srgbClr val="A6A6A6"/>
-              </a:solidFill>
-              <a:latin typeface="Monaco"/>
-              <a:cs typeface="Monaco"/>
-            </a:endParaRPr>
-          </a:p>
-          <a:p>
-            <a:r>
-              <a:rPr lang="en-US" dirty="0" smtClean="0">
-                <a:solidFill>
-                  <a:srgbClr val="000000"/>
-                </a:solidFill>
-                <a:latin typeface="Monaco"/>
-                <a:cs typeface="Monaco"/>
-              </a:rPr>
-              <a:t># Equivalent usage</a:t>
-            </a:r>
-            <a:endParaRPr lang="en-US" dirty="0">
-              <a:solidFill>
-                <a:srgbClr val="000000"/>
-              </a:solidFill>
-              <a:latin typeface="Monaco"/>
-              <a:cs typeface="Monaco"/>
-            </a:endParaRPr>
-          </a:p>
-          <a:p>
-            <a:r>
-              <a:rPr lang="en-US" dirty="0" smtClean="0">
-                <a:latin typeface="Monaco"/>
-                <a:cs typeface="Monaco"/>
-              </a:rPr>
-              <a:t>answer = square_cube(5)</a:t>
-            </a:r>
-          </a:p>
-          <a:p>
-            <a:r>
-              <a:rPr lang="en-US" dirty="0" smtClean="0">
-                <a:latin typeface="Monaco"/>
-                <a:cs typeface="Monaco"/>
-              </a:rPr>
-              <a:t>print answer[0]</a:t>
-            </a:r>
-          </a:p>
-          <a:p>
-            <a:r>
-              <a:rPr lang="en-US" dirty="0">
-                <a:latin typeface="Monaco"/>
-                <a:cs typeface="Monaco"/>
-              </a:rPr>
-              <a:t>	</a:t>
-            </a:r>
-            <a:r>
-              <a:rPr lang="en-US" dirty="0" smtClean="0">
-                <a:solidFill>
-                  <a:srgbClr val="A6A6A6"/>
-                </a:solidFill>
-                <a:latin typeface="Monaco"/>
-                <a:cs typeface="Monaco"/>
-              </a:rPr>
-              <a:t>25</a:t>
-            </a:r>
+            <a:pPr lvl="1"/>
             <a:endParaRPr lang="en-US" dirty="0">
               <a:latin typeface="Monaco"/>
               <a:cs typeface="Monaco"/>
             </a:endParaRPr>
           </a:p>
           <a:p>
-            <a:r>
-              <a:rPr lang="en-US" dirty="0" smtClean="0">
-                <a:latin typeface="Monaco"/>
-                <a:cs typeface="Monaco"/>
-              </a:rPr>
-              <a:t>print answer[1]</a:t>
-            </a:r>
-          </a:p>
-          <a:p>
-            <a:r>
-              <a:rPr lang="en-US" dirty="0">
-                <a:latin typeface="Monaco"/>
-                <a:cs typeface="Monaco"/>
-              </a:rPr>
-              <a:t>	</a:t>
-            </a:r>
-            <a:r>
-              <a:rPr lang="en-US" dirty="0" smtClean="0">
-                <a:solidFill>
-                  <a:srgbClr val="A6A6A6"/>
-                </a:solidFill>
-                <a:latin typeface="Monaco"/>
-                <a:cs typeface="Monaco"/>
-              </a:rPr>
-              <a:t>125</a:t>
-            </a:r>
-            <a:endParaRPr lang="en-US" dirty="0">
-              <a:solidFill>
-                <a:srgbClr val="A6A6A6"/>
-              </a:solidFill>
+            <a:pPr lvl="1"/>
+            <a:endParaRPr lang="en-US" dirty="0" smtClean="0">
               <a:latin typeface="Monaco"/>
               <a:cs typeface="Monaco"/>
             </a:endParaRPr>
           </a:p>
+          <a:p>
+            <a:r>
+              <a:rPr lang="en-US" dirty="0">
+                <a:latin typeface="Monaco"/>
+                <a:cs typeface="Monaco"/>
+              </a:rPr>
+              <a:t># Simply call the function</a:t>
+            </a:r>
+          </a:p>
+          <a:p>
+            <a:r>
+              <a:rPr lang="en-US" dirty="0">
+                <a:latin typeface="Monaco"/>
+                <a:cs typeface="Monaco"/>
+              </a:rPr>
+              <a:t>square_cube(3)</a:t>
+            </a:r>
+          </a:p>
+          <a:p>
+            <a:r>
+              <a:rPr lang="en-US" dirty="0">
+                <a:solidFill>
+                  <a:schemeClr val="bg1">
+                    <a:lumMod val="65000"/>
+                  </a:schemeClr>
+                </a:solidFill>
+                <a:latin typeface="Monaco"/>
+                <a:cs typeface="Monaco"/>
+              </a:rPr>
+              <a:t>	3 squared is 9, and 3 cubed is 27</a:t>
+            </a:r>
+          </a:p>
+          <a:p>
+            <a:pPr lvl="1"/>
+            <a:r>
+              <a:rPr lang="en-US" dirty="0" smtClean="0">
+                <a:latin typeface="Monaco"/>
+                <a:cs typeface="Monaco"/>
+              </a:rPr>
+              <a:t/>
+            </a:r>
+            <a:br>
+              <a:rPr lang="en-US" dirty="0" smtClean="0">
+                <a:latin typeface="Monaco"/>
+                <a:cs typeface="Monaco"/>
+              </a:rPr>
+            </a:br>
+            <a:endParaRPr lang="en-US" dirty="0" smtClean="0">
+              <a:latin typeface="Monaco"/>
+              <a:cs typeface="Monaco"/>
+            </a:endParaRPr>
+          </a:p>
+          <a:p>
+            <a:r>
+              <a:rPr lang="en-US" dirty="0" smtClean="0">
+                <a:latin typeface="Monaco"/>
+                <a:cs typeface="Monaco"/>
+              </a:rPr>
+              <a:t># What if you try to save a returned value?</a:t>
+            </a:r>
+            <a:endParaRPr lang="en-US" dirty="0">
+              <a:latin typeface="Monaco"/>
+              <a:cs typeface="Monaco"/>
+            </a:endParaRPr>
+          </a:p>
+          <a:p>
+            <a:r>
+              <a:rPr lang="en-US" dirty="0" smtClean="0">
+                <a:latin typeface="Monaco"/>
+                <a:cs typeface="Monaco"/>
+              </a:rPr>
+              <a:t>a = square_cube</a:t>
+            </a:r>
+            <a:r>
+              <a:rPr lang="en-US" dirty="0">
+                <a:latin typeface="Monaco"/>
+                <a:cs typeface="Monaco"/>
+              </a:rPr>
+              <a:t>(3)</a:t>
+            </a:r>
+          </a:p>
+          <a:p>
+            <a:pPr lvl="1"/>
+            <a:endParaRPr lang="en-US" dirty="0" smtClean="0">
+              <a:latin typeface="Monaco"/>
+              <a:cs typeface="Monaco"/>
+            </a:endParaRPr>
+          </a:p>
+          <a:p>
+            <a:pPr lvl="1"/>
+            <a:endParaRPr lang="en-US" dirty="0" smtClean="0">
+              <a:latin typeface="Monaco"/>
+              <a:cs typeface="Monaco"/>
+            </a:endParaRPr>
+          </a:p>
         </p:txBody>
       </p:sp>
     </p:spTree>
     <p:extLst>
       <p:ext uri="{BB962C8B-B14F-4D97-AF65-F5344CB8AC3E}">
-        <p14:creationId xmlns:p14="http://schemas.microsoft.com/office/powerpoint/2010/main" val="1600491119"/>
+        <p14:creationId xmlns:p14="http://schemas.microsoft.com/office/powerpoint/2010/main" val="2542319200"/>
       </p:ext>
     </p:extLst>
   </p:cSld>
@@ -7940,7 +7950,7 @@
         <p:spPr>
           <a:xfrm>
             <a:off x="457199" y="1727554"/>
-            <a:ext cx="8338444" cy="1477328"/>
+            <a:ext cx="8338444" cy="5355313"/>
           </a:xfrm>
           <a:prstGeom prst="rect">
             <a:avLst/>
@@ -8052,12 +8062,170 @@
               <a:t>(cube)</a:t>
             </a:r>
           </a:p>
+          <a:p>
+            <a:pPr lvl="1"/>
+            <a:endParaRPr lang="en-US" dirty="0">
+              <a:latin typeface="Monaco"/>
+              <a:cs typeface="Monaco"/>
+            </a:endParaRPr>
+          </a:p>
+          <a:p>
+            <a:pPr lvl="1"/>
+            <a:endParaRPr lang="en-US" dirty="0">
+              <a:latin typeface="Monaco"/>
+              <a:cs typeface="Monaco"/>
+            </a:endParaRPr>
+          </a:p>
+          <a:p>
+            <a:pPr lvl="1"/>
+            <a:endParaRPr lang="en-US" dirty="0" smtClean="0">
+              <a:latin typeface="Monaco"/>
+              <a:cs typeface="Monaco"/>
+            </a:endParaRPr>
+          </a:p>
+          <a:p>
+            <a:r>
+              <a:rPr lang="en-US" dirty="0">
+                <a:latin typeface="Monaco"/>
+                <a:cs typeface="Monaco"/>
+              </a:rPr>
+              <a:t># Simply call the function</a:t>
+            </a:r>
+          </a:p>
+          <a:p>
+            <a:r>
+              <a:rPr lang="en-US" dirty="0">
+                <a:latin typeface="Monaco"/>
+                <a:cs typeface="Monaco"/>
+              </a:rPr>
+              <a:t>square_cube(3)</a:t>
+            </a:r>
+          </a:p>
+          <a:p>
+            <a:r>
+              <a:rPr lang="en-US" dirty="0">
+                <a:solidFill>
+                  <a:schemeClr val="bg1">
+                    <a:lumMod val="65000"/>
+                  </a:schemeClr>
+                </a:solidFill>
+                <a:latin typeface="Monaco"/>
+                <a:cs typeface="Monaco"/>
+              </a:rPr>
+              <a:t>	3 squared is 9, and 3 cubed is 27</a:t>
+            </a:r>
+          </a:p>
+          <a:p>
+            <a:pPr lvl="1"/>
+            <a:r>
+              <a:rPr lang="en-US" dirty="0" smtClean="0">
+                <a:latin typeface="Monaco"/>
+                <a:cs typeface="Monaco"/>
+              </a:rPr>
+              <a:t/>
+            </a:r>
+            <a:br>
+              <a:rPr lang="en-US" dirty="0" smtClean="0">
+                <a:latin typeface="Monaco"/>
+                <a:cs typeface="Monaco"/>
+              </a:rPr>
+            </a:br>
+            <a:endParaRPr lang="en-US" dirty="0" smtClean="0">
+              <a:latin typeface="Monaco"/>
+              <a:cs typeface="Monaco"/>
+            </a:endParaRPr>
+          </a:p>
+          <a:p>
+            <a:r>
+              <a:rPr lang="en-US" dirty="0" smtClean="0">
+                <a:latin typeface="Monaco"/>
+                <a:cs typeface="Monaco"/>
+              </a:rPr>
+              <a:t># What if you try to save a returned value?</a:t>
+            </a:r>
+            <a:endParaRPr lang="en-US" dirty="0">
+              <a:latin typeface="Monaco"/>
+              <a:cs typeface="Monaco"/>
+            </a:endParaRPr>
+          </a:p>
+          <a:p>
+            <a:r>
+              <a:rPr lang="en-US" dirty="0" smtClean="0">
+                <a:latin typeface="Monaco"/>
+                <a:cs typeface="Monaco"/>
+              </a:rPr>
+              <a:t>a = square_cube</a:t>
+            </a:r>
+            <a:r>
+              <a:rPr lang="en-US" dirty="0">
+                <a:latin typeface="Monaco"/>
+                <a:cs typeface="Monaco"/>
+              </a:rPr>
+              <a:t>(3</a:t>
+            </a:r>
+            <a:r>
+              <a:rPr lang="en-US" dirty="0" smtClean="0">
+                <a:latin typeface="Monaco"/>
+                <a:cs typeface="Monaco"/>
+              </a:rPr>
+              <a:t>)</a:t>
+            </a:r>
+          </a:p>
+          <a:p>
+            <a:r>
+              <a:rPr lang="en-US" dirty="0" smtClean="0">
+                <a:latin typeface="Monaco"/>
+                <a:cs typeface="Monaco"/>
+              </a:rPr>
+              <a:t>print a</a:t>
+            </a:r>
+          </a:p>
+          <a:p>
+            <a:r>
+              <a:rPr lang="en-US" dirty="0">
+                <a:latin typeface="Monaco"/>
+                <a:cs typeface="Monaco"/>
+              </a:rPr>
+              <a:t>	</a:t>
+            </a:r>
+            <a:r>
+              <a:rPr lang="en-US" dirty="0" smtClean="0">
+                <a:solidFill>
+                  <a:srgbClr val="A6A6A6"/>
+                </a:solidFill>
+                <a:latin typeface="Monaco"/>
+                <a:cs typeface="Monaco"/>
+              </a:rPr>
+              <a:t>None</a:t>
+            </a:r>
+            <a:endParaRPr lang="en-US" dirty="0">
+              <a:solidFill>
+                <a:srgbClr val="A6A6A6"/>
+              </a:solidFill>
+              <a:latin typeface="Monaco"/>
+              <a:cs typeface="Monaco"/>
+            </a:endParaRPr>
+          </a:p>
+          <a:p>
+            <a:pPr lvl="1"/>
+            <a:endParaRPr lang="en-US" dirty="0" smtClean="0">
+              <a:latin typeface="Monaco"/>
+              <a:cs typeface="Monaco"/>
+            </a:endParaRPr>
+          </a:p>
+          <a:p>
+            <a:pPr lvl="1"/>
+            <a:endParaRPr lang="en-US" dirty="0" smtClean="0">
+              <a:latin typeface="Monaco"/>
+              <a:cs typeface="Monaco"/>
+            </a:endParaRPr>
+          </a:p>
         </p:txBody>
       </p:sp>
     </p:spTree>
     <p:extLst>
       <p:ext uri="{BB962C8B-B14F-4D97-AF65-F5344CB8AC3E}">
-        <p14:creationId xmlns:p14="http://schemas.microsoft.com/office/powerpoint/2010/main" val="4277511070"/>
+        <p14:creationId xmlns:p14="http://schemas.microsoft.com/office/powerpoint/2010/main" val="2395982051"/>
       </p:ext>
     </p:extLst>
   </p:cSld>
@@ -8101,7 +8269,7 @@
           <a:p>
             <a:r>
               <a:rPr lang="en-US" dirty="0" smtClean="0"/>
-              <a:t>functions don't need to return anything!</a:t>
+              <a:t>returning multiple values</a:t>
             </a:r>
             <a:endParaRPr lang="en-US" dirty="0"/>
           </a:p>
@@ -8116,7 +8284,7 @@
         <p:spPr>
           <a:xfrm>
             <a:off x="457199" y="1727554"/>
-            <a:ext cx="8338444" cy="3416320"/>
+            <a:ext cx="8338444" cy="1200329"/>
           </a:xfrm>
           <a:prstGeom prst="rect">
             <a:avLst/>
@@ -8163,137 +8331,27 @@
             </a:r>
           </a:p>
           <a:p>
-            <a:pPr lvl="1"/>
-            <a:r>
-              <a:rPr lang="en-US" dirty="0" smtClean="0">
-                <a:latin typeface="Monaco"/>
-                <a:cs typeface="Monaco"/>
-              </a:rPr>
-              <a:t>print </a:t>
-            </a:r>
-            <a:r>
-              <a:rPr lang="en-US" dirty="0" err="1" smtClean="0">
-                <a:latin typeface="Monaco"/>
-                <a:cs typeface="Monaco"/>
-              </a:rPr>
-              <a:t>str</a:t>
-            </a:r>
-            <a:r>
-              <a:rPr lang="en-US" dirty="0" smtClean="0">
-                <a:latin typeface="Monaco"/>
-                <a:cs typeface="Monaco"/>
-              </a:rPr>
-              <a:t>(x) + " squared is " + </a:t>
-            </a:r>
-            <a:r>
-              <a:rPr lang="en-US" dirty="0" err="1" smtClean="0">
-                <a:latin typeface="Monaco"/>
-                <a:cs typeface="Monaco"/>
-              </a:rPr>
-              <a:t>str</a:t>
-            </a:r>
-            <a:r>
-              <a:rPr lang="en-US" dirty="0" smtClean="0">
-                <a:latin typeface="Monaco"/>
-                <a:cs typeface="Monaco"/>
-              </a:rPr>
-              <a:t>(square) + ", and " + </a:t>
-            </a:r>
-            <a:r>
-              <a:rPr lang="en-US" dirty="0" err="1" smtClean="0">
-                <a:latin typeface="Monaco"/>
-                <a:cs typeface="Monaco"/>
-              </a:rPr>
-              <a:t>str</a:t>
-            </a:r>
-            <a:r>
-              <a:rPr lang="en-US" dirty="0" smtClean="0">
-                <a:latin typeface="Monaco"/>
-                <a:cs typeface="Monaco"/>
-              </a:rPr>
-              <a:t>(x) + " cubed is " + </a:t>
-            </a:r>
-            <a:r>
-              <a:rPr lang="en-US" dirty="0" err="1" smtClean="0">
-                <a:latin typeface="Monaco"/>
-                <a:cs typeface="Monaco"/>
-              </a:rPr>
-              <a:t>str</a:t>
-            </a:r>
-            <a:r>
-              <a:rPr lang="en-US" dirty="0" smtClean="0">
-                <a:latin typeface="Monaco"/>
-                <a:cs typeface="Monaco"/>
-              </a:rPr>
-              <a:t>(cube)</a:t>
-            </a:r>
-          </a:p>
-          <a:p>
-            <a:pPr lvl="1"/>
-            <a:endParaRPr lang="en-US" dirty="0">
-              <a:latin typeface="Monaco"/>
-              <a:cs typeface="Monaco"/>
-            </a:endParaRPr>
-          </a:p>
-          <a:p>
-            <a:pPr lvl="1"/>
-            <a:endParaRPr lang="en-US" dirty="0">
-              <a:latin typeface="Monaco"/>
-              <a:cs typeface="Monaco"/>
-            </a:endParaRPr>
-          </a:p>
-          <a:p>
-            <a:pPr lvl="1"/>
-            <a:endParaRPr lang="en-US" dirty="0" smtClean="0">
-              <a:latin typeface="Monaco"/>
-              <a:cs typeface="Monaco"/>
-            </a:endParaRPr>
-          </a:p>
-          <a:p>
             <a:r>
               <a:rPr lang="en-US" dirty="0">
                 <a:latin typeface="Monaco"/>
                 <a:cs typeface="Monaco"/>
               </a:rPr>
-              <a:t># Simply call the function</a:t>
-            </a:r>
-          </a:p>
-          <a:p>
-            <a:r>
-              <a:rPr lang="en-US" dirty="0">
-                <a:latin typeface="Monaco"/>
-                <a:cs typeface="Monaco"/>
-              </a:rPr>
-              <a:t>square_cube(3)</a:t>
-            </a:r>
-          </a:p>
-          <a:p>
-            <a:r>
-              <a:rPr lang="en-US" dirty="0">
-                <a:solidFill>
-                  <a:schemeClr val="bg1">
-                    <a:lumMod val="65000"/>
-                  </a:schemeClr>
-                </a:solidFill>
-                <a:latin typeface="Monaco"/>
-                <a:cs typeface="Monaco"/>
-              </a:rPr>
-              <a:t>	3 squared is 9, and 3 cubed is 27</a:t>
-            </a:r>
-          </a:p>
-          <a:p>
-            <a:pPr lvl="1"/>
-            <a:endParaRPr lang="en-US" dirty="0" smtClean="0">
-              <a:latin typeface="Monaco"/>
-              <a:cs typeface="Monaco"/>
-            </a:endParaRPr>
+              <a:t>	</a:t>
+            </a:r>
+            <a:r>
+              <a:rPr lang="en-US" dirty="0" smtClean="0">
+                <a:latin typeface="Monaco"/>
+                <a:cs typeface="Monaco"/>
+              </a:rPr>
+              <a:t>return square, cube    # separate values with a comma</a:t>
+            </a:r>
           </a:p>
         </p:txBody>
       </p:sp>
     </p:spTree>
     <p:extLst>
       <p:ext uri="{BB962C8B-B14F-4D97-AF65-F5344CB8AC3E}">
-        <p14:creationId xmlns:p14="http://schemas.microsoft.com/office/powerpoint/2010/main" val="1672031983"/>
+        <p14:creationId xmlns:p14="http://schemas.microsoft.com/office/powerpoint/2010/main" val="1411696820"/>
       </p:ext>
     </p:extLst>
   </p:cSld>
@@ -8337,7 +8395,7 @@
           <a:p>
             <a:r>
               <a:rPr lang="en-US" dirty="0" smtClean="0"/>
-              <a:t>functions don't need to return anything!</a:t>
+              <a:t>returning multiple values</a:t>
             </a:r>
             <a:endParaRPr lang="en-US" dirty="0"/>
           </a:p>
@@ -8351,8 +8409,8 @@
         </p:nvSpPr>
         <p:spPr>
           <a:xfrm>
-            <a:off x="457199" y="1727554"/>
-            <a:ext cx="8338444" cy="4801315"/>
+            <a:off x="457200" y="1727554"/>
+            <a:ext cx="8338444" cy="2862323"/>
           </a:xfrm>
           <a:prstGeom prst="rect">
             <a:avLst/>
@@ -8399,91 +8457,107 @@
             </a:r>
           </a:p>
           <a:p>
-            <a:pPr lvl="1"/>
-            <a:r>
-              <a:rPr lang="en-US" dirty="0" smtClean="0">
-                <a:latin typeface="Monaco"/>
-                <a:cs typeface="Monaco"/>
-              </a:rPr>
-              <a:t>print </a:t>
-            </a:r>
-            <a:r>
-              <a:rPr lang="en-US" dirty="0" err="1" smtClean="0">
-                <a:latin typeface="Monaco"/>
-                <a:cs typeface="Monaco"/>
-              </a:rPr>
-              <a:t>str</a:t>
-            </a:r>
-            <a:r>
-              <a:rPr lang="en-US" dirty="0" smtClean="0">
-                <a:latin typeface="Monaco"/>
-                <a:cs typeface="Monaco"/>
-              </a:rPr>
-              <a:t>(x) + " squared is " + </a:t>
-            </a:r>
-            <a:r>
-              <a:rPr lang="en-US" dirty="0" err="1" smtClean="0">
-                <a:latin typeface="Monaco"/>
-                <a:cs typeface="Monaco"/>
-              </a:rPr>
-              <a:t>str</a:t>
-            </a:r>
-            <a:r>
-              <a:rPr lang="en-US" dirty="0" smtClean="0">
-                <a:latin typeface="Monaco"/>
-                <a:cs typeface="Monaco"/>
-              </a:rPr>
-              <a:t>(square) + ", and " + </a:t>
-            </a:r>
-            <a:r>
-              <a:rPr lang="en-US" dirty="0" err="1" smtClean="0">
-                <a:latin typeface="Monaco"/>
-                <a:cs typeface="Monaco"/>
-              </a:rPr>
-              <a:t>str</a:t>
-            </a:r>
-            <a:r>
-              <a:rPr lang="en-US" dirty="0" smtClean="0">
-                <a:latin typeface="Monaco"/>
-                <a:cs typeface="Monaco"/>
-              </a:rPr>
-              <a:t>(x) + " cubed is " + </a:t>
-            </a:r>
-            <a:r>
-              <a:rPr lang="en-US" dirty="0" err="1" smtClean="0">
-                <a:latin typeface="Monaco"/>
-                <a:cs typeface="Monaco"/>
-              </a:rPr>
-              <a:t>str</a:t>
-            </a:r>
-            <a:r>
-              <a:rPr lang="en-US" dirty="0" smtClean="0">
-                <a:latin typeface="Monaco"/>
-                <a:cs typeface="Monaco"/>
-              </a:rPr>
-              <a:t>(cube)</a:t>
-            </a:r>
-          </a:p>
-          <a:p>
-            <a:pPr lvl="1"/>
+            <a:r>
+              <a:rPr lang="en-US" dirty="0">
+                <a:latin typeface="Monaco"/>
+                <a:cs typeface="Monaco"/>
+              </a:rPr>
+              <a:t>	</a:t>
+            </a:r>
+            <a:r>
+              <a:rPr lang="en-US" dirty="0" smtClean="0">
+                <a:latin typeface="Monaco"/>
+                <a:cs typeface="Monaco"/>
+              </a:rPr>
+              <a:t>return square</a:t>
+            </a:r>
+            <a:r>
+              <a:rPr lang="en-US" dirty="0">
+                <a:latin typeface="Monaco"/>
+                <a:cs typeface="Monaco"/>
+              </a:rPr>
+              <a:t>, cube </a:t>
+            </a:r>
+            <a:r>
+              <a:rPr lang="en-US" dirty="0" smtClean="0">
+                <a:latin typeface="Monaco"/>
+                <a:cs typeface="Monaco"/>
+              </a:rPr>
+              <a:t>   # </a:t>
+            </a:r>
+            <a:r>
+              <a:rPr lang="en-US" dirty="0">
+                <a:latin typeface="Monaco"/>
+                <a:cs typeface="Monaco"/>
+              </a:rPr>
+              <a:t>separate values with a </a:t>
+            </a:r>
+            <a:r>
+              <a:rPr lang="en-US" dirty="0" smtClean="0">
+                <a:latin typeface="Monaco"/>
+                <a:cs typeface="Monaco"/>
+              </a:rPr>
+              <a:t>comma</a:t>
+            </a:r>
+          </a:p>
+          <a:p>
             <a:endParaRPr lang="en-US" dirty="0">
               <a:latin typeface="Monaco"/>
               <a:cs typeface="Monaco"/>
             </a:endParaRPr>
           </a:p>
           <a:p>
-            <a:pPr lvl="1"/>
+            <a:r>
+              <a:rPr lang="en-US" dirty="0" smtClean="0">
+                <a:latin typeface="Monaco"/>
+                <a:cs typeface="Monaco"/>
+              </a:rPr>
+              <a:t>s, c = square_cube(5)</a:t>
+            </a:r>
+          </a:p>
+          <a:p>
+            <a:r>
+              <a:rPr lang="en-US" dirty="0" smtClean="0">
+                <a:latin typeface="Monaco"/>
+                <a:cs typeface="Monaco"/>
+              </a:rPr>
+              <a:t>print s</a:t>
+            </a:r>
+          </a:p>
+          <a:p>
+            <a:r>
+              <a:rPr lang="en-US" dirty="0" smtClean="0">
+                <a:latin typeface="Monaco"/>
+                <a:cs typeface="Monaco"/>
+              </a:rPr>
+              <a:t>	</a:t>
+            </a:r>
+            <a:r>
+              <a:rPr lang="en-US" dirty="0" smtClean="0">
+                <a:solidFill>
+                  <a:srgbClr val="A6A6A6"/>
+                </a:solidFill>
+                <a:latin typeface="Monaco"/>
+                <a:cs typeface="Monaco"/>
+              </a:rPr>
+              <a:t>25</a:t>
+            </a:r>
             <a:endParaRPr lang="en-US" dirty="0">
+              <a:solidFill>
+                <a:srgbClr val="A6A6A6"/>
+              </a:solidFill>
               <a:latin typeface="Monaco"/>
               <a:cs typeface="Monaco"/>
             </a:endParaRPr>
           </a:p>
           <a:p>
-            <a:pPr lvl="1"/>
-            <a:endParaRPr lang="en-US" dirty="0" smtClean="0">
-              <a:latin typeface="Monaco"/>
-              <a:cs typeface="Monaco"/>
-            </a:endParaRPr>
+            <a:r>
+              <a:rPr lang="en-US" dirty="0" smtClean="0">
+                <a:latin typeface="Monaco"/>
+                <a:cs typeface="Monaco"/>
+              </a:rPr>
+              <a:t>print c</a:t>
+            </a:r>
           </a:p>
           <a:p>
             <a:r>
@@ -8491,101 +8565,25 @@
                 <a:latin typeface="Monaco"/>
                 <a:cs typeface="Monaco"/>
               </a:rPr>
-              <a:t># Simply call the function</a:t>
-            </a:r>
-          </a:p>
-          <a:p>
-            <a:r>
-              <a:rPr lang="en-US" dirty="0">
-                <a:latin typeface="Monaco"/>
-                <a:cs typeface="Monaco"/>
-              </a:rPr>
-              <a:t>square_cube(3)</a:t>
-            </a:r>
-          </a:p>
-          <a:p>
-            <a:r>
-              <a:rPr lang="en-US" dirty="0">
-                <a:solidFill>
-                  <a:schemeClr val="bg1">
-                    <a:lumMod val="65000"/>
-                  </a:schemeClr>
-                </a:solidFill>
-                <a:latin typeface="Monaco"/>
-                <a:cs typeface="Monaco"/>
-              </a:rPr>
-              <a:t>	3 squared is 9, and 3 cubed is 27</a:t>
-            </a:r>
-          </a:p>
-          <a:p>
-            <a:pPr lvl="1"/>
-            <a:r>
-              <a:rPr lang="en-US" dirty="0" smtClean="0">
-                <a:latin typeface="Monaco"/>
-                <a:cs typeface="Monaco"/>
-              </a:rPr>
-              <a:t/>
-            </a:r>
-            <a:br>
-              <a:rPr lang="en-US" dirty="0" smtClean="0">
-                <a:latin typeface="Monaco"/>
-                <a:cs typeface="Monaco"/>
-              </a:rPr>
-            </a:br>
-            <a:endParaRPr lang="en-US" dirty="0" smtClean="0">
-              <a:latin typeface="Monaco"/>
-              <a:cs typeface="Monaco"/>
-            </a:endParaRPr>
-          </a:p>
-          <a:p>
-            <a:r>
-              <a:rPr lang="en-US" dirty="0" smtClean="0">
-                <a:latin typeface="Monaco"/>
-                <a:cs typeface="Monaco"/>
-              </a:rPr>
-              <a:t># What if you try to save a returned value?</a:t>
-            </a:r>
-            <a:endParaRPr lang="en-US" dirty="0">
-              <a:latin typeface="Monaco"/>
-              <a:cs typeface="Monaco"/>
-            </a:endParaRPr>
-          </a:p>
-          <a:p>
-            <a:r>
-              <a:rPr lang="en-US" dirty="0" smtClean="0">
-                <a:latin typeface="Monaco"/>
-                <a:cs typeface="Monaco"/>
-              </a:rPr>
-              <a:t>a = square_cube</a:t>
-            </a:r>
-            <a:r>
-              <a:rPr lang="en-US" dirty="0">
-                <a:latin typeface="Monaco"/>
-                <a:cs typeface="Monaco"/>
-              </a:rPr>
-              <a:t>(3)</a:t>
-            </a:r>
-          </a:p>
-          <a:p>
-            <a:pPr lvl="1"/>
-            <a:endParaRPr lang="en-US" dirty="0" smtClean="0">
-              <a:latin typeface="Monaco"/>
-              <a:cs typeface="Monaco"/>
-            </a:endParaRPr>
-          </a:p>
-          <a:p>
-            <a:pPr lvl="1"/>
-            <a:endParaRPr lang="en-US" dirty="0" smtClean="0">
-              <a:latin typeface="Monaco"/>
-              <a:cs typeface="Monaco"/>
-            </a:endParaRPr>
+              <a:t>	</a:t>
+            </a:r>
+            <a:r>
+              <a:rPr lang="en-US" dirty="0" smtClean="0">
+                <a:solidFill>
+                  <a:srgbClr val="A6A6A6"/>
+                </a:solidFill>
+                <a:latin typeface="Monaco"/>
+                <a:cs typeface="Monaco"/>
+              </a:rPr>
+              <a:t>125</a:t>
+            </a:r>
           </a:p>
         </p:txBody>
       </p:sp>
     </p:spTree>
     <p:extLst>
       <p:ext uri="{BB962C8B-B14F-4D97-AF65-F5344CB8AC3E}">
-        <p14:creationId xmlns:p14="http://schemas.microsoft.com/office/powerpoint/2010/main" val="2542319200"/>
+        <p14:creationId xmlns:p14="http://schemas.microsoft.com/office/powerpoint/2010/main" val="4000329539"/>
       </p:ext>
     </p:extLst>
   </p:cSld>
@@ -8629,7 +8627,7 @@
           <a:p>
             <a:r>
               <a:rPr lang="en-US" dirty="0" smtClean="0"/>
-              <a:t>functions don't need to return anything!</a:t>
+              <a:t>returning multiple values</a:t>
             </a:r>
             <a:endParaRPr lang="en-US" dirty="0"/>
           </a:p>
@@ -8643,8 +8641,8 @@
         </p:nvSpPr>
         <p:spPr>
           <a:xfrm>
-            <a:off x="457199" y="1727554"/>
-            <a:ext cx="8338444" cy="5355313"/>
+            <a:off x="457200" y="1727554"/>
+            <a:ext cx="8338444" cy="4801315"/>
           </a:xfrm>
           <a:prstGeom prst="rect">
             <a:avLst/>
@@ -8691,192 +8689,76 @@
             </a:r>
           </a:p>
           <a:p>
-            <a:pPr lvl="1"/>
-            <a:r>
-              <a:rPr lang="en-US" dirty="0" smtClean="0">
-                <a:latin typeface="Monaco"/>
-                <a:cs typeface="Monaco"/>
-              </a:rPr>
-              <a:t>print </a:t>
-            </a:r>
-            <a:r>
-              <a:rPr lang="en-US" dirty="0" err="1" smtClean="0">
-                <a:latin typeface="Monaco"/>
-                <a:cs typeface="Monaco"/>
-              </a:rPr>
-              <a:t>str</a:t>
-            </a:r>
-            <a:r>
-              <a:rPr lang="en-US" dirty="0" smtClean="0">
-                <a:latin typeface="Monaco"/>
-                <a:cs typeface="Monaco"/>
-              </a:rPr>
-              <a:t>(x) + " squared is " + </a:t>
-            </a:r>
-            <a:r>
-              <a:rPr lang="en-US" dirty="0" err="1" smtClean="0">
-                <a:latin typeface="Monaco"/>
-                <a:cs typeface="Monaco"/>
-              </a:rPr>
-              <a:t>str</a:t>
-            </a:r>
-            <a:r>
-              <a:rPr lang="en-US" dirty="0" smtClean="0">
-                <a:latin typeface="Monaco"/>
-                <a:cs typeface="Monaco"/>
-              </a:rPr>
-              <a:t>(square) + ", and " + </a:t>
-            </a:r>
-            <a:r>
-              <a:rPr lang="en-US" dirty="0" err="1" smtClean="0">
-                <a:latin typeface="Monaco"/>
-                <a:cs typeface="Monaco"/>
-              </a:rPr>
-              <a:t>str</a:t>
-            </a:r>
-            <a:r>
-              <a:rPr lang="en-US" dirty="0" smtClean="0">
-                <a:latin typeface="Monaco"/>
-                <a:cs typeface="Monaco"/>
-              </a:rPr>
-              <a:t>(x) + " cubed is " + </a:t>
-            </a:r>
-            <a:r>
-              <a:rPr lang="en-US" dirty="0" err="1" smtClean="0">
-                <a:latin typeface="Monaco"/>
-                <a:cs typeface="Monaco"/>
-              </a:rPr>
-              <a:t>str</a:t>
-            </a:r>
-            <a:r>
-              <a:rPr lang="en-US" dirty="0" smtClean="0">
-                <a:latin typeface="Monaco"/>
-                <a:cs typeface="Monaco"/>
-              </a:rPr>
-              <a:t>(cube)</a:t>
-            </a:r>
-          </a:p>
-          <a:p>
-            <a:pPr lvl="1"/>
+            <a:r>
+              <a:rPr lang="en-US" dirty="0">
+                <a:latin typeface="Monaco"/>
+                <a:cs typeface="Monaco"/>
+              </a:rPr>
+              <a:t>	</a:t>
+            </a:r>
+            <a:r>
+              <a:rPr lang="en-US" dirty="0" smtClean="0">
+                <a:latin typeface="Monaco"/>
+                <a:cs typeface="Monaco"/>
+              </a:rPr>
+              <a:t>return square</a:t>
+            </a:r>
+            <a:r>
+              <a:rPr lang="en-US" dirty="0">
+                <a:latin typeface="Monaco"/>
+                <a:cs typeface="Monaco"/>
+              </a:rPr>
+              <a:t>, cube </a:t>
+            </a:r>
+            <a:r>
+              <a:rPr lang="en-US" dirty="0" smtClean="0">
+                <a:latin typeface="Monaco"/>
+                <a:cs typeface="Monaco"/>
+              </a:rPr>
+              <a:t>   # </a:t>
+            </a:r>
+            <a:r>
+              <a:rPr lang="en-US" dirty="0">
+                <a:latin typeface="Monaco"/>
+                <a:cs typeface="Monaco"/>
+              </a:rPr>
+              <a:t>separate values with a </a:t>
+            </a:r>
+            <a:r>
+              <a:rPr lang="en-US" dirty="0" smtClean="0">
+                <a:latin typeface="Monaco"/>
+                <a:cs typeface="Monaco"/>
+              </a:rPr>
+              <a:t>comma</a:t>
+            </a:r>
+          </a:p>
+          <a:p>
             <a:endParaRPr lang="en-US" dirty="0">
               <a:latin typeface="Monaco"/>
               <a:cs typeface="Monaco"/>
             </a:endParaRPr>
           </a:p>
           <a:p>
-            <a:pPr lvl="1"/>
-            <a:endParaRPr lang="en-US" dirty="0">
-              <a:latin typeface="Monaco"/>
-              <a:cs typeface="Monaco"/>
-            </a:endParaRPr>
-          </a:p>
-          <a:p>
-            <a:pPr lvl="1"/>
-            <a:endParaRPr lang="en-US" dirty="0" smtClean="0">
-              <a:latin typeface="Monaco"/>
-              <a:cs typeface="Monaco"/>
-            </a:endParaRPr>
-          </a:p>
-          <a:p>
-            <a:r>
-              <a:rPr lang="en-US" dirty="0">
-                <a:latin typeface="Monaco"/>
-                <a:cs typeface="Monaco"/>
-              </a:rPr>
-              <a:t># Simply call the function</a:t>
-            </a:r>
-          </a:p>
-          <a:p>
-            <a:r>
-              <a:rPr lang="en-US" dirty="0">
-                <a:latin typeface="Monaco"/>
-                <a:cs typeface="Monaco"/>
-              </a:rPr>
-              <a:t>square_cube(3)</a:t>
-            </a:r>
-          </a:p>
-          <a:p>
-            <a:r>
-              <a:rPr lang="en-US" dirty="0">
-                <a:solidFill>
-                  <a:schemeClr val="bg1">
-                    <a:lumMod val="65000"/>
-                  </a:schemeClr>
-                </a:solidFill>
-                <a:latin typeface="Monaco"/>
-                <a:cs typeface="Monaco"/>
-              </a:rPr>
-              <a:t>	3 squared is 9, and 3 cubed is 27</a:t>
-            </a:r>
-          </a:p>
-          <a:p>
-            <a:pPr lvl="1"/>
-            <a:r>
-              <a:rPr lang="en-US" dirty="0" smtClean="0">
-                <a:latin typeface="Monaco"/>
-                <a:cs typeface="Monaco"/>
-              </a:rPr>
-              <a:t/>
-            </a:r>
-            <a:br>
-              <a:rPr lang="en-US" dirty="0" smtClean="0">
-                <a:latin typeface="Monaco"/>
-                <a:cs typeface="Monaco"/>
-              </a:rPr>
-            </a:br>
-            <a:endParaRPr lang="en-US" dirty="0" smtClean="0">
-              <a:latin typeface="Monaco"/>
-              <a:cs typeface="Monaco"/>
-            </a:endParaRPr>
-          </a:p>
-          <a:p>
-            <a:r>
-              <a:rPr lang="en-US" dirty="0" smtClean="0">
-                <a:latin typeface="Monaco"/>
-                <a:cs typeface="Monaco"/>
-              </a:rPr>
-              <a:t># What if you try to save a returned value?</a:t>
-            </a:r>
-            <a:endParaRPr lang="en-US" dirty="0">
-              <a:latin typeface="Monaco"/>
-              <a:cs typeface="Monaco"/>
-            </a:endParaRPr>
-          </a:p>
-          <a:p>
-            <a:r>
-              <a:rPr lang="en-US" dirty="0" smtClean="0">
-                <a:latin typeface="Monaco"/>
-                <a:cs typeface="Monaco"/>
-              </a:rPr>
-              <a:t>a = square_cube</a:t>
-            </a:r>
-            <a:r>
-              <a:rPr lang="en-US" dirty="0">
-                <a:latin typeface="Monaco"/>
-                <a:cs typeface="Monaco"/>
-              </a:rPr>
-              <a:t>(3</a:t>
-            </a:r>
-            <a:r>
-              <a:rPr lang="en-US" dirty="0" smtClean="0">
-                <a:latin typeface="Monaco"/>
-                <a:cs typeface="Monaco"/>
-              </a:rPr>
-              <a:t>)</a:t>
-            </a:r>
-          </a:p>
-          <a:p>
-            <a:r>
-              <a:rPr lang="en-US" dirty="0" smtClean="0">
-                <a:latin typeface="Monaco"/>
-                <a:cs typeface="Monaco"/>
-              </a:rPr>
-              <a:t>print a</a:t>
-            </a:r>
-          </a:p>
-          <a:p>
-            <a:r>
-              <a:rPr lang="en-US" dirty="0">
+            <a:r>
+              <a:rPr lang="en-US" dirty="0" smtClean="0">
+                <a:latin typeface="Monaco"/>
+                <a:cs typeface="Monaco"/>
+              </a:rPr>
+              <a:t>s, c = square_cube(5)</a:t>
+            </a:r>
+          </a:p>
+          <a:p>
+            <a:r>
+              <a:rPr lang="en-US" dirty="0" smtClean="0">
+                <a:latin typeface="Monaco"/>
+                <a:cs typeface="Monaco"/>
+              </a:rPr>
+              <a:t>print s</a:t>
+            </a:r>
+          </a:p>
+          <a:p>
+            <a:r>
+              <a:rPr lang="en-US" dirty="0" smtClean="0">
                 <a:latin typeface="Monaco"/>
                 <a:cs typeface="Monaco"/>
               </a:rPr>
@@ -8890,7 +8772,7 @@
                 <a:latin typeface="Monaco"/>
                 <a:cs typeface="Monaco"/>
               </a:rPr>
-              <a:t>None</a:t>
+              <a:t>25</a:t>
             </a:r>
             <a:endParaRPr lang="en-US" dirty="0">
               <a:solidFill>
@@ -8901,25 +8783,143 @@
             </a:endParaRPr>
           </a:p>
           <a:p>
-            <a:pPr lvl="1"/>
+            <a:r>
+              <a:rPr lang="en-US" dirty="0" smtClean="0">
+                <a:latin typeface="Monaco"/>
+                <a:cs typeface="Monaco"/>
+              </a:rPr>
+              <a:t>print c</a:t>
+            </a:r>
+          </a:p>
+          <a:p>
+            <a:r>
+              <a:rPr lang="en-US" dirty="0">
+                <a:latin typeface="Monaco"/>
+                <a:cs typeface="Monaco"/>
+              </a:rPr>
+              <a:t>	</a:t>
+            </a:r>
+            <a:r>
+              <a:rPr lang="en-US" dirty="0" smtClean="0">
+                <a:solidFill>
+                  <a:srgbClr val="A6A6A6"/>
+                </a:solidFill>
+                <a:latin typeface="Monaco"/>
+                <a:cs typeface="Monaco"/>
+              </a:rPr>
+              <a:t>125</a:t>
+            </a:r>
+          </a:p>
+          <a:p>
             <a:endParaRPr lang="en-US" dirty="0" smtClean="0">
+              <a:solidFill>
+                <a:srgbClr val="A6A6A6"/>
+              </a:solidFill>
               <a:latin typeface="Monaco"/>
               <a:cs typeface="Monaco"/>
             </a:endParaRPr>
           </a:p>
           <a:p>
-            <a:pPr lvl="1"/>
-            <a:endParaRPr lang="en-US" dirty="0" smtClean="0">
+            <a:r>
+              <a:rPr lang="en-US" dirty="0" smtClean="0">
+                <a:solidFill>
+                  <a:srgbClr val="000000"/>
+                </a:solidFill>
+                <a:latin typeface="Monaco"/>
+                <a:cs typeface="Monaco"/>
+              </a:rPr>
+              <a:t># Equivalent usage</a:t>
+            </a:r>
+            <a:endParaRPr lang="en-US" dirty="0">
+              <a:solidFill>
+                <a:srgbClr val="000000"/>
+              </a:solidFill>
               <a:latin typeface="Monaco"/>
               <a:cs typeface="Monaco"/>
             </a:endParaRPr>
           </a:p>
+          <a:p>
+            <a:r>
+              <a:rPr lang="en-US" dirty="0" smtClean="0">
+                <a:latin typeface="Monaco"/>
+                <a:cs typeface="Monaco"/>
+              </a:rPr>
+              <a:t>answer = square_cube(5)</a:t>
+            </a:r>
+          </a:p>
+          <a:p>
+            <a:r>
+              <a:rPr lang="en-US" dirty="0" smtClean="0">
+                <a:latin typeface="Monaco"/>
+                <a:cs typeface="Monaco"/>
+              </a:rPr>
+              <a:t>print answer[0]</a:t>
+            </a:r>
+          </a:p>
+          <a:p>
+            <a:r>
+              <a:rPr lang="en-US" dirty="0">
+                <a:latin typeface="Monaco"/>
+                <a:cs typeface="Monaco"/>
+              </a:rPr>
+              <a:t>	</a:t>
+            </a:r>
+            <a:r>
+              <a:rPr lang="en-US" dirty="0" smtClean="0">
+                <a:solidFill>
+                  <a:srgbClr val="A6A6A6"/>
+                </a:solidFill>
+                <a:latin typeface="Monaco"/>
+                <a:cs typeface="Monaco"/>
+              </a:rPr>
+              <a:t>25</a:t>
+            </a:r>
+            <a:endParaRPr lang="en-US" dirty="0">
+              <a:latin typeface="Monaco"/>
+              <a:cs typeface="Monaco"/>
+            </a:endParaRPr>
+          </a:p>
+          <a:p>
+            <a:r>
+              <a:rPr lang="en-US" dirty="0" smtClean="0">
+                <a:latin typeface="Monaco"/>
+                <a:cs typeface="Monaco"/>
+              </a:rPr>
+              <a:t>print answer[1]</a:t>
+            </a:r>
+          </a:p>
+          <a:p>
+            <a:r>
+              <a:rPr lang="en-US" dirty="0">
+                <a:latin typeface="Monaco"/>
+                <a:cs typeface="Monaco"/>
+              </a:rPr>
+              <a:t>	</a:t>
+            </a:r>
+            <a:r>
+              <a:rPr lang="en-US" dirty="0" smtClean="0">
+                <a:solidFill>
+                  <a:srgbClr val="A6A6A6"/>
+                </a:solidFill>
+                <a:latin typeface="Monaco"/>
+                <a:cs typeface="Monaco"/>
+              </a:rPr>
+              <a:t>125</a:t>
+            </a:r>
+            <a:endParaRPr lang="en-US" dirty="0">
+              <a:solidFill>
+                <a:srgbClr val="A6A6A6"/>
+              </a:solidFill>
+              <a:latin typeface="Monaco"/>
+              <a:cs typeface="Monaco"/>
+            </a:endParaRPr>
+          </a:p>
         </p:txBody>
       </p:sp>
     </p:spTree>
     <p:extLst>
       <p:ext uri="{BB962C8B-B14F-4D97-AF65-F5344CB8AC3E}">
-        <p14:creationId xmlns:p14="http://schemas.microsoft.com/office/powerpoint/2010/main" val="2395982051"/>
+        <p14:creationId xmlns:p14="http://schemas.microsoft.com/office/powerpoint/2010/main" val="1600491119"/>
       </p:ext>
     </p:extLst>
   </p:cSld>
@@ -13740,19 +13740,8 @@
                 <a:latin typeface="Monaco"/>
                 <a:cs typeface="Monaco"/>
               </a:rPr>
-              <a:t>file_handle = open(path + filename, "r"</a:t>
-            </a:r>
-            <a:r>
-              <a:rPr lang="en-US" dirty="0">
-                <a:latin typeface="Monaco"/>
-                <a:cs typeface="Monaco"/>
-              </a:rPr>
-              <a:t>)</a:t>
-            </a:r>
-            <a:endParaRPr lang="en-US" dirty="0">
-              <a:latin typeface="Monaco"/>
-              <a:cs typeface="Monaco"/>
-            </a:endParaRPr>
+              <a:t>file_handle = open(path + filename, "r")</a:t>
+            </a:r>
           </a:p>
           <a:p>
             <a:endParaRPr lang="en-US" dirty="0">

--- a/slides/slides_day3.pptx
+++ b/slides/slides_day3.pptx
@@ -5,7 +5,7 @@
     <p:sldMasterId id="2147483660" r:id="rId1"/>
   </p:sldMasterIdLst>
   <p:notesMasterIdLst>
-    <p:notesMasterId r:id="rId51"/>
+    <p:notesMasterId r:id="rId31"/>
   </p:notesMasterIdLst>
   <p:sldIdLst>
     <p:sldId id="256" r:id="rId2"/>
@@ -37,26 +37,6 @@
     <p:sldId id="417" r:id="rId28"/>
     <p:sldId id="419" r:id="rId29"/>
     <p:sldId id="383" r:id="rId30"/>
-    <p:sldId id="426" r:id="rId31"/>
-    <p:sldId id="427" r:id="rId32"/>
-    <p:sldId id="428" r:id="rId33"/>
-    <p:sldId id="452" r:id="rId34"/>
-    <p:sldId id="436" r:id="rId35"/>
-    <p:sldId id="437" r:id="rId36"/>
-    <p:sldId id="438" r:id="rId37"/>
-    <p:sldId id="434" r:id="rId38"/>
-    <p:sldId id="433" r:id="rId39"/>
-    <p:sldId id="432" r:id="rId40"/>
-    <p:sldId id="435" r:id="rId41"/>
-    <p:sldId id="440" r:id="rId42"/>
-    <p:sldId id="441" r:id="rId43"/>
-    <p:sldId id="439" r:id="rId44"/>
-    <p:sldId id="444" r:id="rId45"/>
-    <p:sldId id="453" r:id="rId46"/>
-    <p:sldId id="443" r:id="rId47"/>
-    <p:sldId id="445" r:id="rId48"/>
-    <p:sldId id="454" r:id="rId49"/>
-    <p:sldId id="448" r:id="rId50"/>
   </p:sldIdLst>
   <p:sldSz cx="9144000" cy="6858000" type="screen4x3"/>
   <p:notesSz cx="6858000" cy="9144000"/>
@@ -9115,2044 +9095,6 @@
 </p:sld>
 </file>
 
-<file path=ppt/slides/slide30.xml><?xml version="1.0" encoding="utf-8"?>
-<p:sld xmlns:a="http://schemas.openxmlformats.org/drawingml/2006/main" xmlns:r="http://schemas.openxmlformats.org/officeDocument/2006/relationships" xmlns:p="http://schemas.openxmlformats.org/presentationml/2006/main">
-  <p:cSld>
-    <p:spTree>
-      <p:nvGrpSpPr>
-        <p:cNvPr id="1" name=""/>
-        <p:cNvGrpSpPr/>
-        <p:nvPr/>
-      </p:nvGrpSpPr>
-      <p:grpSpPr>
-        <a:xfrm>
-          <a:off x="0" y="0"/>
-          <a:ext cx="0" cy="0"/>
-          <a:chOff x="0" y="0"/>
-          <a:chExt cx="0" cy="0"/>
-        </a:xfrm>
-      </p:grpSpPr>
-      <p:sp>
-        <p:nvSpPr>
-          <p:cNvPr id="2" name="Title 1"/>
-          <p:cNvSpPr>
-            <a:spLocks noGrp="1"/>
-          </p:cNvSpPr>
-          <p:nvPr>
-            <p:ph type="title"/>
-          </p:nvPr>
-        </p:nvSpPr>
-        <p:spPr/>
-        <p:txBody>
-          <a:bodyPr/>
-          <a:lstStyle/>
-          <a:p>
-            <a:r>
-              <a:rPr lang="en-US" dirty="0" smtClean="0"/>
-              <a:t>handling errors in python</a:t>
-            </a:r>
-            <a:endParaRPr lang="en-US" dirty="0"/>
-          </a:p>
-        </p:txBody>
-      </p:sp>
-      <p:sp>
-        <p:nvSpPr>
-          <p:cNvPr id="3" name="Content Placeholder 2"/>
-          <p:cNvSpPr>
-            <a:spLocks noGrp="1"/>
-          </p:cNvSpPr>
-          <p:nvPr>
-            <p:ph idx="1"/>
-          </p:nvPr>
-        </p:nvSpPr>
-        <p:spPr/>
-        <p:txBody>
-          <a:bodyPr/>
-          <a:lstStyle/>
-          <a:p>
-            <a:pPr marL="457200" indent="-457200">
-              <a:buFont typeface="Arial"/>
-              <a:buChar char="•"/>
-            </a:pPr>
-            <a:r>
-              <a:rPr lang="en-US" dirty="0" smtClean="0"/>
-              <a:t>Error messages in Python are informative!</a:t>
-            </a:r>
-          </a:p>
-          <a:p>
-            <a:pPr marL="914400" lvl="1" indent="-457200">
-              <a:buFont typeface="Arial"/>
-              <a:buChar char="•"/>
-            </a:pPr>
-            <a:r>
-              <a:rPr lang="en-US" dirty="0" smtClean="0"/>
-              <a:t>See attached error </a:t>
-            </a:r>
-            <a:r>
-              <a:rPr lang="en-US" dirty="0" err="1" smtClean="0"/>
-              <a:t>cheatsheet</a:t>
-            </a:r>
-            <a:endParaRPr lang="en-US" dirty="0"/>
-          </a:p>
-        </p:txBody>
-      </p:sp>
-    </p:spTree>
-    <p:extLst>
-      <p:ext uri="{BB962C8B-B14F-4D97-AF65-F5344CB8AC3E}">
-        <p14:creationId xmlns:p14="http://schemas.microsoft.com/office/powerpoint/2010/main" val="2968906052"/>
-      </p:ext>
-    </p:extLst>
-  </p:cSld>
-  <p:clrMapOvr>
-    <a:masterClrMapping/>
-  </p:clrMapOvr>
-</p:sld>
-</file>
-
-<file path=ppt/slides/slide31.xml><?xml version="1.0" encoding="utf-8"?>
-<p:sld xmlns:a="http://schemas.openxmlformats.org/drawingml/2006/main" xmlns:r="http://schemas.openxmlformats.org/officeDocument/2006/relationships" xmlns:p="http://schemas.openxmlformats.org/presentationml/2006/main">
-  <p:cSld>
-    <p:spTree>
-      <p:nvGrpSpPr>
-        <p:cNvPr id="1" name=""/>
-        <p:cNvGrpSpPr/>
-        <p:nvPr/>
-      </p:nvGrpSpPr>
-      <p:grpSpPr>
-        <a:xfrm>
-          <a:off x="0" y="0"/>
-          <a:ext cx="0" cy="0"/>
-          <a:chOff x="0" y="0"/>
-          <a:chExt cx="0" cy="0"/>
-        </a:xfrm>
-      </p:grpSpPr>
-      <p:sp>
-        <p:nvSpPr>
-          <p:cNvPr id="2" name="Title 1"/>
-          <p:cNvSpPr>
-            <a:spLocks noGrp="1"/>
-          </p:cNvSpPr>
-          <p:nvPr>
-            <p:ph type="title"/>
-          </p:nvPr>
-        </p:nvSpPr>
-        <p:spPr/>
-        <p:txBody>
-          <a:bodyPr/>
-          <a:lstStyle/>
-          <a:p>
-            <a:r>
-              <a:rPr lang="en-US" dirty="0" smtClean="0"/>
-              <a:t>reading and writing files in python</a:t>
-            </a:r>
-            <a:endParaRPr lang="en-US" dirty="0"/>
-          </a:p>
-        </p:txBody>
-      </p:sp>
-      <p:sp>
-        <p:nvSpPr>
-          <p:cNvPr id="3" name="Content Placeholder 2"/>
-          <p:cNvSpPr>
-            <a:spLocks noGrp="1"/>
-          </p:cNvSpPr>
-          <p:nvPr>
-            <p:ph idx="1"/>
-          </p:nvPr>
-        </p:nvSpPr>
-        <p:spPr/>
-        <p:txBody>
-          <a:bodyPr/>
-          <a:lstStyle/>
-          <a:p>
-            <a:pPr marL="457200" indent="-457200">
-              <a:buFont typeface="Arial"/>
-              <a:buChar char="•"/>
-            </a:pPr>
-            <a:r>
-              <a:rPr lang="en-US" dirty="0" smtClean="0"/>
-              <a:t>This is where Python really shines!</a:t>
-            </a:r>
-            <a:endParaRPr lang="en-US" dirty="0"/>
-          </a:p>
-        </p:txBody>
-      </p:sp>
-    </p:spTree>
-    <p:extLst>
-      <p:ext uri="{BB962C8B-B14F-4D97-AF65-F5344CB8AC3E}">
-        <p14:creationId xmlns:p14="http://schemas.microsoft.com/office/powerpoint/2010/main" val="2255359814"/>
-      </p:ext>
-    </p:extLst>
-  </p:cSld>
-  <p:clrMapOvr>
-    <a:masterClrMapping/>
-  </p:clrMapOvr>
-</p:sld>
-</file>
-
-<file path=ppt/slides/slide32.xml><?xml version="1.0" encoding="utf-8"?>
-<p:sld xmlns:a="http://schemas.openxmlformats.org/drawingml/2006/main" xmlns:r="http://schemas.openxmlformats.org/officeDocument/2006/relationships" xmlns:p="http://schemas.openxmlformats.org/presentationml/2006/main">
-  <p:cSld>
-    <p:spTree>
-      <p:nvGrpSpPr>
-        <p:cNvPr id="1" name=""/>
-        <p:cNvGrpSpPr/>
-        <p:nvPr/>
-      </p:nvGrpSpPr>
-      <p:grpSpPr>
-        <a:xfrm>
-          <a:off x="0" y="0"/>
-          <a:ext cx="0" cy="0"/>
-          <a:chOff x="0" y="0"/>
-          <a:chExt cx="0" cy="0"/>
-        </a:xfrm>
-      </p:grpSpPr>
-      <p:sp>
-        <p:nvSpPr>
-          <p:cNvPr id="2" name="Title 1"/>
-          <p:cNvSpPr>
-            <a:spLocks noGrp="1"/>
-          </p:cNvSpPr>
-          <p:nvPr>
-            <p:ph type="title"/>
-          </p:nvPr>
-        </p:nvSpPr>
-        <p:spPr/>
-        <p:txBody>
-          <a:bodyPr/>
-          <a:lstStyle/>
-          <a:p>
-            <a:r>
-              <a:rPr lang="en-US" dirty="0" smtClean="0"/>
-              <a:t>reading and writing files in python</a:t>
-            </a:r>
-            <a:endParaRPr lang="en-US" dirty="0"/>
-          </a:p>
-        </p:txBody>
-      </p:sp>
-      <p:sp>
-        <p:nvSpPr>
-          <p:cNvPr id="3" name="Content Placeholder 2"/>
-          <p:cNvSpPr>
-            <a:spLocks noGrp="1"/>
-          </p:cNvSpPr>
-          <p:nvPr>
-            <p:ph idx="1"/>
-          </p:nvPr>
-        </p:nvSpPr>
-        <p:spPr/>
-        <p:txBody>
-          <a:bodyPr/>
-          <a:lstStyle/>
-          <a:p>
-            <a:pPr marL="457200" indent="-457200">
-              <a:buFont typeface="Arial"/>
-              <a:buChar char="•"/>
-            </a:pPr>
-            <a:r>
-              <a:rPr lang="en-US" dirty="0" smtClean="0"/>
-              <a:t>Python does not deal with files directly</a:t>
-            </a:r>
-          </a:p>
-          <a:p>
-            <a:pPr marL="914400" lvl="1" indent="-457200">
-              <a:buFont typeface="Arial"/>
-              <a:buChar char="•"/>
-            </a:pPr>
-            <a:r>
-              <a:rPr lang="en-US" dirty="0" smtClean="0"/>
-              <a:t>We interact with files via special variables, called </a:t>
-            </a:r>
-            <a:r>
-              <a:rPr lang="en-US" b="1" dirty="0" smtClean="0"/>
-              <a:t>handles</a:t>
-            </a:r>
-          </a:p>
-        </p:txBody>
-      </p:sp>
-    </p:spTree>
-    <p:extLst>
-      <p:ext uri="{BB962C8B-B14F-4D97-AF65-F5344CB8AC3E}">
-        <p14:creationId xmlns:p14="http://schemas.microsoft.com/office/powerpoint/2010/main" val="2214607217"/>
-      </p:ext>
-    </p:extLst>
-  </p:cSld>
-  <p:clrMapOvr>
-    <a:masterClrMapping/>
-  </p:clrMapOvr>
-</p:sld>
-</file>
-
-<file path=ppt/slides/slide33.xml><?xml version="1.0" encoding="utf-8"?>
-<p:sld xmlns:a="http://schemas.openxmlformats.org/drawingml/2006/main" xmlns:r="http://schemas.openxmlformats.org/officeDocument/2006/relationships" xmlns:p="http://schemas.openxmlformats.org/presentationml/2006/main">
-  <p:cSld>
-    <p:spTree>
-      <p:nvGrpSpPr>
-        <p:cNvPr id="1" name=""/>
-        <p:cNvGrpSpPr/>
-        <p:nvPr/>
-      </p:nvGrpSpPr>
-      <p:grpSpPr>
-        <a:xfrm>
-          <a:off x="0" y="0"/>
-          <a:ext cx="0" cy="0"/>
-          <a:chOff x="0" y="0"/>
-          <a:chExt cx="0" cy="0"/>
-        </a:xfrm>
-      </p:grpSpPr>
-      <p:sp>
-        <p:nvSpPr>
-          <p:cNvPr id="2" name="Title 1"/>
-          <p:cNvSpPr>
-            <a:spLocks noGrp="1"/>
-          </p:cNvSpPr>
-          <p:nvPr>
-            <p:ph type="title"/>
-          </p:nvPr>
-        </p:nvSpPr>
-        <p:spPr/>
-        <p:txBody>
-          <a:bodyPr/>
-          <a:lstStyle/>
-          <a:p>
-            <a:r>
-              <a:rPr lang="en-US" dirty="0" smtClean="0"/>
-              <a:t>reading and writing files in python</a:t>
-            </a:r>
-            <a:endParaRPr lang="en-US" dirty="0"/>
-          </a:p>
-        </p:txBody>
-      </p:sp>
-      <p:sp>
-        <p:nvSpPr>
-          <p:cNvPr id="3" name="Content Placeholder 2"/>
-          <p:cNvSpPr>
-            <a:spLocks noGrp="1"/>
-          </p:cNvSpPr>
-          <p:nvPr>
-            <p:ph idx="1"/>
-          </p:nvPr>
-        </p:nvSpPr>
-        <p:spPr/>
-        <p:txBody>
-          <a:bodyPr/>
-          <a:lstStyle/>
-          <a:p>
-            <a:pPr marL="457200" indent="-457200">
-              <a:buFont typeface="Arial"/>
-              <a:buChar char="•"/>
-            </a:pPr>
-            <a:r>
-              <a:rPr lang="en-US" dirty="0" smtClean="0"/>
-              <a:t>Python does not deal with files directly</a:t>
-            </a:r>
-          </a:p>
-          <a:p>
-            <a:pPr marL="914400" lvl="1" indent="-457200">
-              <a:buFont typeface="Arial"/>
-              <a:buChar char="•"/>
-            </a:pPr>
-            <a:r>
-              <a:rPr lang="en-US" dirty="0" smtClean="0"/>
-              <a:t>We interact with files via special variables, called </a:t>
-            </a:r>
-            <a:r>
-              <a:rPr lang="en-US" b="1" dirty="0" smtClean="0"/>
-              <a:t>handles</a:t>
-            </a:r>
-          </a:p>
-          <a:p>
-            <a:pPr marL="914400" lvl="1" indent="-457200">
-              <a:buFont typeface="Arial"/>
-              <a:buChar char="•"/>
-            </a:pPr>
-            <a:endParaRPr lang="en-US" b="1" dirty="0"/>
-          </a:p>
-          <a:p>
-            <a:pPr marL="457200" indent="-457200">
-              <a:buFont typeface="Arial"/>
-              <a:buChar char="•"/>
-            </a:pPr>
-            <a:r>
-              <a:rPr lang="en-US" dirty="0" smtClean="0"/>
-              <a:t>Interact with files in 3 main </a:t>
-            </a:r>
-            <a:r>
-              <a:rPr lang="en-US" i="1" dirty="0" smtClean="0"/>
-              <a:t>modes</a:t>
-            </a:r>
-            <a:r>
-              <a:rPr lang="en-US" dirty="0" smtClean="0"/>
-              <a:t>:</a:t>
-            </a:r>
-          </a:p>
-          <a:p>
-            <a:pPr marL="914400" lvl="1" indent="-457200">
-              <a:buFont typeface="Arial"/>
-              <a:buChar char="•"/>
-            </a:pPr>
-            <a:r>
-              <a:rPr lang="en-US" dirty="0" smtClean="0"/>
-              <a:t>Read-only (</a:t>
-            </a:r>
-            <a:r>
-              <a:rPr lang="en-US" dirty="0" smtClean="0">
-                <a:latin typeface="Monaco"/>
-                <a:cs typeface="Monaco"/>
-              </a:rPr>
-              <a:t>"r"</a:t>
-            </a:r>
-            <a:r>
-              <a:rPr lang="en-US" dirty="0" smtClean="0"/>
-              <a:t>)</a:t>
-            </a:r>
-          </a:p>
-          <a:p>
-            <a:pPr marL="914400" lvl="1" indent="-457200">
-              <a:buFont typeface="Arial"/>
-              <a:buChar char="•"/>
-            </a:pPr>
-            <a:r>
-              <a:rPr lang="en-US" dirty="0" smtClean="0"/>
-              <a:t>Write-only (</a:t>
-            </a:r>
-            <a:r>
-              <a:rPr lang="en-US" dirty="0" smtClean="0">
-                <a:latin typeface="Monaco"/>
-                <a:cs typeface="Monaco"/>
-              </a:rPr>
-              <a:t>"w"</a:t>
-            </a:r>
-            <a:r>
-              <a:rPr lang="en-US" dirty="0" smtClean="0"/>
-              <a:t>)</a:t>
-            </a:r>
-          </a:p>
-          <a:p>
-            <a:pPr marL="914400" lvl="1" indent="-457200">
-              <a:buFont typeface="Arial"/>
-              <a:buChar char="•"/>
-            </a:pPr>
-            <a:r>
-              <a:rPr lang="en-US" dirty="0" smtClean="0"/>
-              <a:t>Append (</a:t>
-            </a:r>
-            <a:r>
-              <a:rPr lang="en-US" dirty="0" smtClean="0">
-                <a:latin typeface="Monaco"/>
-                <a:cs typeface="Monaco"/>
-              </a:rPr>
-              <a:t>"a"</a:t>
-            </a:r>
-            <a:r>
-              <a:rPr lang="en-US" dirty="0" smtClean="0"/>
-              <a:t>)</a:t>
-            </a:r>
-          </a:p>
-        </p:txBody>
-      </p:sp>
-    </p:spTree>
-    <p:extLst>
-      <p:ext uri="{BB962C8B-B14F-4D97-AF65-F5344CB8AC3E}">
-        <p14:creationId xmlns:p14="http://schemas.microsoft.com/office/powerpoint/2010/main" val="4002232914"/>
-      </p:ext>
-    </p:extLst>
-  </p:cSld>
-  <p:clrMapOvr>
-    <a:masterClrMapping/>
-  </p:clrMapOvr>
-</p:sld>
-</file>
-
-<file path=ppt/slides/slide34.xml><?xml version="1.0" encoding="utf-8"?>
-<p:sld xmlns:a="http://schemas.openxmlformats.org/drawingml/2006/main" xmlns:r="http://schemas.openxmlformats.org/officeDocument/2006/relationships" xmlns:p="http://schemas.openxmlformats.org/presentationml/2006/main">
-  <p:cSld>
-    <p:spTree>
-      <p:nvGrpSpPr>
-        <p:cNvPr id="1" name=""/>
-        <p:cNvGrpSpPr/>
-        <p:nvPr/>
-      </p:nvGrpSpPr>
-      <p:grpSpPr>
-        <a:xfrm>
-          <a:off x="0" y="0"/>
-          <a:ext cx="0" cy="0"/>
-          <a:chOff x="0" y="0"/>
-          <a:chExt cx="0" cy="0"/>
-        </a:xfrm>
-      </p:grpSpPr>
-      <p:sp>
-        <p:nvSpPr>
-          <p:cNvPr id="2" name="Title 1"/>
-          <p:cNvSpPr>
-            <a:spLocks noGrp="1"/>
-          </p:cNvSpPr>
-          <p:nvPr>
-            <p:ph type="title"/>
-          </p:nvPr>
-        </p:nvSpPr>
-        <p:spPr/>
-        <p:txBody>
-          <a:bodyPr/>
-          <a:lstStyle/>
-          <a:p>
-            <a:r>
-              <a:rPr lang="en-US" dirty="0" smtClean="0"/>
-              <a:t>opening files for reading</a:t>
-            </a:r>
-            <a:endParaRPr lang="en-US" dirty="0"/>
-          </a:p>
-        </p:txBody>
-      </p:sp>
-      <p:sp>
-        <p:nvSpPr>
-          <p:cNvPr id="4" name="TextBox 3"/>
-          <p:cNvSpPr txBox="1"/>
-          <p:nvPr/>
-        </p:nvSpPr>
-        <p:spPr>
-          <a:xfrm>
-            <a:off x="457199" y="1727554"/>
-            <a:ext cx="8338444" cy="3416320"/>
-          </a:xfrm>
-          <a:prstGeom prst="rect">
-            <a:avLst/>
-          </a:prstGeom>
-          <a:noFill/>
-        </p:spPr>
-        <p:txBody>
-          <a:bodyPr wrap="square" rtlCol="0">
-            <a:spAutoFit/>
-          </a:bodyPr>
-          <a:lstStyle/>
-          <a:p>
-            <a:r>
-              <a:rPr lang="en-US" dirty="0" smtClean="0">
-                <a:latin typeface="Monaco"/>
-                <a:cs typeface="Monaco"/>
-              </a:rPr>
-              <a:t># Name of file to open</a:t>
-            </a:r>
-          </a:p>
-          <a:p>
-            <a:r>
-              <a:rPr lang="en-US" dirty="0" smtClean="0">
-                <a:latin typeface="Monaco"/>
-                <a:cs typeface="Monaco"/>
-              </a:rPr>
-              <a:t>filename = "my_file_with_important_stuff.txt"</a:t>
-            </a:r>
-          </a:p>
-          <a:p>
-            <a:endParaRPr lang="en-US" dirty="0">
-              <a:latin typeface="Monaco"/>
-              <a:cs typeface="Monaco"/>
-            </a:endParaRPr>
-          </a:p>
-          <a:p>
-            <a:r>
-              <a:rPr lang="en-US" dirty="0" smtClean="0">
-                <a:latin typeface="Monaco"/>
-                <a:cs typeface="Monaco"/>
-              </a:rPr>
-              <a:t># Define handle with the </a:t>
-            </a:r>
-            <a:r>
-              <a:rPr lang="en-US" i="1" dirty="0" smtClean="0">
-                <a:latin typeface="Monaco"/>
-                <a:cs typeface="Monaco"/>
-              </a:rPr>
-              <a:t>.open() </a:t>
-            </a:r>
-            <a:r>
-              <a:rPr lang="en-US" dirty="0" smtClean="0">
-                <a:latin typeface="Monaco"/>
-                <a:cs typeface="Monaco"/>
-              </a:rPr>
-              <a:t>function</a:t>
-            </a:r>
-          </a:p>
-          <a:p>
-            <a:r>
-              <a:rPr lang="en-US" dirty="0" smtClean="0">
-                <a:latin typeface="Monaco"/>
-                <a:cs typeface="Monaco"/>
-              </a:rPr>
-              <a:t>file_handle = </a:t>
-            </a:r>
-            <a:r>
-              <a:rPr lang="en-US" dirty="0" smtClean="0">
-                <a:solidFill>
-                  <a:srgbClr val="DC5924"/>
-                </a:solidFill>
-                <a:latin typeface="Monaco"/>
-                <a:cs typeface="Monaco"/>
-              </a:rPr>
-              <a:t>open</a:t>
-            </a:r>
-            <a:r>
-              <a:rPr lang="en-US" dirty="0" smtClean="0">
-                <a:latin typeface="Monaco"/>
-                <a:cs typeface="Monaco"/>
-              </a:rPr>
-              <a:t>(filename, "r")  # two arguments</a:t>
-            </a:r>
-          </a:p>
-          <a:p>
-            <a:endParaRPr lang="en-US" dirty="0">
-              <a:latin typeface="Monaco"/>
-              <a:cs typeface="Monaco"/>
-            </a:endParaRPr>
-          </a:p>
-          <a:p>
-            <a:r>
-              <a:rPr lang="en-US" dirty="0" smtClean="0">
-                <a:latin typeface="Monaco"/>
-                <a:cs typeface="Monaco"/>
-              </a:rPr>
-              <a:t># Read the file contents with the </a:t>
-            </a:r>
-            <a:r>
-              <a:rPr lang="en-US" i="1" dirty="0" smtClean="0">
-                <a:latin typeface="Monaco"/>
-                <a:cs typeface="Monaco"/>
-              </a:rPr>
-              <a:t>.read()</a:t>
-            </a:r>
-            <a:r>
-              <a:rPr lang="en-US" dirty="0">
-                <a:latin typeface="Monaco"/>
-                <a:cs typeface="Monaco"/>
-              </a:rPr>
-              <a:t> </a:t>
-            </a:r>
-            <a:r>
-              <a:rPr lang="en-US" dirty="0" smtClean="0">
-                <a:latin typeface="Monaco"/>
-                <a:cs typeface="Monaco"/>
-              </a:rPr>
-              <a:t>method</a:t>
-            </a:r>
-          </a:p>
-          <a:p>
-            <a:r>
-              <a:rPr lang="en-US" dirty="0" smtClean="0">
-                <a:latin typeface="Monaco"/>
-                <a:cs typeface="Monaco"/>
-              </a:rPr>
-              <a:t>file_contents = file_handle</a:t>
-            </a:r>
-            <a:r>
-              <a:rPr lang="en-US" dirty="0" smtClean="0">
-                <a:solidFill>
-                  <a:schemeClr val="accent5"/>
-                </a:solidFill>
-                <a:latin typeface="Monaco"/>
-                <a:cs typeface="Monaco"/>
-              </a:rPr>
-              <a:t>.read()</a:t>
-            </a:r>
-          </a:p>
-          <a:p>
-            <a:endParaRPr lang="en-US" dirty="0">
-              <a:latin typeface="Monaco"/>
-              <a:cs typeface="Monaco"/>
-            </a:endParaRPr>
-          </a:p>
-          <a:p>
-            <a:r>
-              <a:rPr lang="en-US" dirty="0" smtClean="0">
-                <a:latin typeface="Monaco"/>
-                <a:cs typeface="Monaco"/>
-              </a:rPr>
-              <a:t># Close the file when done with the </a:t>
-            </a:r>
-            <a:r>
-              <a:rPr lang="en-US" i="1" dirty="0" smtClean="0">
-                <a:latin typeface="Monaco"/>
-                <a:cs typeface="Monaco"/>
-              </a:rPr>
-              <a:t>.close()</a:t>
-            </a:r>
-            <a:r>
-              <a:rPr lang="en-US" dirty="0" smtClean="0">
-                <a:latin typeface="Monaco"/>
-                <a:cs typeface="Monaco"/>
-              </a:rPr>
-              <a:t> method (!!!)</a:t>
-            </a:r>
-          </a:p>
-          <a:p>
-            <a:r>
-              <a:rPr lang="en-US" dirty="0" smtClean="0">
-                <a:latin typeface="Monaco"/>
-                <a:cs typeface="Monaco"/>
-              </a:rPr>
-              <a:t>file_handle</a:t>
-            </a:r>
-            <a:r>
-              <a:rPr lang="en-US" dirty="0" smtClean="0">
-                <a:solidFill>
-                  <a:srgbClr val="DC5924"/>
-                </a:solidFill>
-                <a:latin typeface="Monaco"/>
-                <a:cs typeface="Monaco"/>
-              </a:rPr>
-              <a:t>.close()</a:t>
-            </a:r>
-          </a:p>
-          <a:p>
-            <a:endParaRPr lang="en-US" dirty="0" smtClean="0">
-              <a:latin typeface="Monaco"/>
-              <a:cs typeface="Monaco"/>
-            </a:endParaRPr>
-          </a:p>
-        </p:txBody>
-      </p:sp>
-    </p:spTree>
-    <p:extLst>
-      <p:ext uri="{BB962C8B-B14F-4D97-AF65-F5344CB8AC3E}">
-        <p14:creationId xmlns:p14="http://schemas.microsoft.com/office/powerpoint/2010/main" val="4238855717"/>
-      </p:ext>
-    </p:extLst>
-  </p:cSld>
-  <p:clrMapOvr>
-    <a:masterClrMapping/>
-  </p:clrMapOvr>
-</p:sld>
-</file>
-
-<file path=ppt/slides/slide35.xml><?xml version="1.0" encoding="utf-8"?>
-<p:sld xmlns:a="http://schemas.openxmlformats.org/drawingml/2006/main" xmlns:r="http://schemas.openxmlformats.org/officeDocument/2006/relationships" xmlns:p="http://schemas.openxmlformats.org/presentationml/2006/main">
-  <p:cSld>
-    <p:spTree>
-      <p:nvGrpSpPr>
-        <p:cNvPr id="1" name=""/>
-        <p:cNvGrpSpPr/>
-        <p:nvPr/>
-      </p:nvGrpSpPr>
-      <p:grpSpPr>
-        <a:xfrm>
-          <a:off x="0" y="0"/>
-          <a:ext cx="0" cy="0"/>
-          <a:chOff x="0" y="0"/>
-          <a:chExt cx="0" cy="0"/>
-        </a:xfrm>
-      </p:grpSpPr>
-      <p:sp>
-        <p:nvSpPr>
-          <p:cNvPr id="2" name="Title 1"/>
-          <p:cNvSpPr>
-            <a:spLocks noGrp="1"/>
-          </p:cNvSpPr>
-          <p:nvPr>
-            <p:ph type="title"/>
-          </p:nvPr>
-        </p:nvSpPr>
-        <p:spPr/>
-        <p:txBody>
-          <a:bodyPr/>
-          <a:lstStyle/>
-          <a:p>
-            <a:r>
-              <a:rPr lang="en-US" dirty="0" smtClean="0"/>
-              <a:t>opening files for reading</a:t>
-            </a:r>
-            <a:endParaRPr lang="en-US" dirty="0"/>
-          </a:p>
-        </p:txBody>
-      </p:sp>
-      <p:sp>
-        <p:nvSpPr>
-          <p:cNvPr id="4" name="TextBox 3"/>
-          <p:cNvSpPr txBox="1"/>
-          <p:nvPr/>
-        </p:nvSpPr>
-        <p:spPr>
-          <a:xfrm>
-            <a:off x="457199" y="1727554"/>
-            <a:ext cx="8338444" cy="3416320"/>
-          </a:xfrm>
-          <a:prstGeom prst="rect">
-            <a:avLst/>
-          </a:prstGeom>
-          <a:noFill/>
-        </p:spPr>
-        <p:txBody>
-          <a:bodyPr wrap="square" rtlCol="0">
-            <a:spAutoFit/>
-          </a:bodyPr>
-          <a:lstStyle/>
-          <a:p>
-            <a:r>
-              <a:rPr lang="en-US" dirty="0" smtClean="0">
-                <a:latin typeface="Monaco"/>
-                <a:cs typeface="Monaco"/>
-              </a:rPr>
-              <a:t># Name of file to open</a:t>
-            </a:r>
-          </a:p>
-          <a:p>
-            <a:r>
-              <a:rPr lang="en-US" dirty="0" smtClean="0">
-                <a:latin typeface="Monaco"/>
-                <a:cs typeface="Monaco"/>
-              </a:rPr>
-              <a:t>filename = "my_file_with_important_stuff.txt"</a:t>
-            </a:r>
-          </a:p>
-          <a:p>
-            <a:endParaRPr lang="en-US" dirty="0">
-              <a:latin typeface="Monaco"/>
-              <a:cs typeface="Monaco"/>
-            </a:endParaRPr>
-          </a:p>
-          <a:p>
-            <a:r>
-              <a:rPr lang="en-US" dirty="0" smtClean="0">
-                <a:latin typeface="Monaco"/>
-                <a:cs typeface="Monaco"/>
-              </a:rPr>
-              <a:t># Define handle with the </a:t>
-            </a:r>
-            <a:r>
-              <a:rPr lang="en-US" i="1" dirty="0" smtClean="0">
-                <a:latin typeface="Monaco"/>
-                <a:cs typeface="Monaco"/>
-              </a:rPr>
-              <a:t>.open() </a:t>
-            </a:r>
-            <a:r>
-              <a:rPr lang="en-US" dirty="0" smtClean="0">
-                <a:latin typeface="Monaco"/>
-                <a:cs typeface="Monaco"/>
-              </a:rPr>
-              <a:t>function</a:t>
-            </a:r>
-          </a:p>
-          <a:p>
-            <a:r>
-              <a:rPr lang="en-US" dirty="0" smtClean="0">
-                <a:latin typeface="Monaco"/>
-                <a:cs typeface="Monaco"/>
-              </a:rPr>
-              <a:t>file_handle = </a:t>
-            </a:r>
-            <a:r>
-              <a:rPr lang="en-US" dirty="0" smtClean="0">
-                <a:solidFill>
-                  <a:srgbClr val="DC5924"/>
-                </a:solidFill>
-                <a:latin typeface="Monaco"/>
-                <a:cs typeface="Monaco"/>
-              </a:rPr>
-              <a:t>open</a:t>
-            </a:r>
-            <a:r>
-              <a:rPr lang="en-US" dirty="0" smtClean="0">
-                <a:latin typeface="Monaco"/>
-                <a:cs typeface="Monaco"/>
-              </a:rPr>
-              <a:t>(filename, "r")  # two arguments</a:t>
-            </a:r>
-          </a:p>
-          <a:p>
-            <a:endParaRPr lang="en-US" dirty="0">
-              <a:latin typeface="Monaco"/>
-              <a:cs typeface="Monaco"/>
-            </a:endParaRPr>
-          </a:p>
-          <a:p>
-            <a:r>
-              <a:rPr lang="en-US" dirty="0" smtClean="0">
-                <a:latin typeface="Monaco"/>
-                <a:cs typeface="Monaco"/>
-              </a:rPr>
-              <a:t># Read the file contents with the </a:t>
-            </a:r>
-            <a:r>
-              <a:rPr lang="en-US" i="1" dirty="0" smtClean="0">
-                <a:latin typeface="Monaco"/>
-                <a:cs typeface="Monaco"/>
-              </a:rPr>
-              <a:t>.read()</a:t>
-            </a:r>
-            <a:r>
-              <a:rPr lang="en-US" dirty="0">
-                <a:latin typeface="Monaco"/>
-                <a:cs typeface="Monaco"/>
-              </a:rPr>
-              <a:t> </a:t>
-            </a:r>
-            <a:r>
-              <a:rPr lang="en-US" dirty="0" smtClean="0">
-                <a:latin typeface="Monaco"/>
-                <a:cs typeface="Monaco"/>
-              </a:rPr>
-              <a:t>method</a:t>
-            </a:r>
-          </a:p>
-          <a:p>
-            <a:r>
-              <a:rPr lang="en-US" dirty="0" smtClean="0">
-                <a:latin typeface="Monaco"/>
-                <a:cs typeface="Monaco"/>
-              </a:rPr>
-              <a:t>file_contents = file_handle</a:t>
-            </a:r>
-            <a:r>
-              <a:rPr lang="en-US" dirty="0" smtClean="0">
-                <a:solidFill>
-                  <a:schemeClr val="accent5"/>
-                </a:solidFill>
-                <a:latin typeface="Monaco"/>
-                <a:cs typeface="Monaco"/>
-              </a:rPr>
-              <a:t>.read()</a:t>
-            </a:r>
-          </a:p>
-          <a:p>
-            <a:endParaRPr lang="en-US" dirty="0">
-              <a:latin typeface="Monaco"/>
-              <a:cs typeface="Monaco"/>
-            </a:endParaRPr>
-          </a:p>
-          <a:p>
-            <a:r>
-              <a:rPr lang="en-US" dirty="0" smtClean="0">
-                <a:latin typeface="Monaco"/>
-                <a:cs typeface="Monaco"/>
-              </a:rPr>
-              <a:t># Close the file when done with the </a:t>
-            </a:r>
-            <a:r>
-              <a:rPr lang="en-US" i="1" dirty="0" smtClean="0">
-                <a:latin typeface="Monaco"/>
-                <a:cs typeface="Monaco"/>
-              </a:rPr>
-              <a:t>.close()</a:t>
-            </a:r>
-            <a:r>
-              <a:rPr lang="en-US" dirty="0" smtClean="0">
-                <a:latin typeface="Monaco"/>
-                <a:cs typeface="Monaco"/>
-              </a:rPr>
-              <a:t> method (!!!)</a:t>
-            </a:r>
-          </a:p>
-          <a:p>
-            <a:r>
-              <a:rPr lang="en-US" dirty="0" smtClean="0">
-                <a:latin typeface="Monaco"/>
-                <a:cs typeface="Monaco"/>
-              </a:rPr>
-              <a:t>file_handle</a:t>
-            </a:r>
-            <a:r>
-              <a:rPr lang="en-US" dirty="0" smtClean="0">
-                <a:solidFill>
-                  <a:srgbClr val="DC5924"/>
-                </a:solidFill>
-                <a:latin typeface="Monaco"/>
-                <a:cs typeface="Monaco"/>
-              </a:rPr>
-              <a:t>.close()</a:t>
-            </a:r>
-          </a:p>
-          <a:p>
-            <a:endParaRPr lang="en-US" dirty="0" smtClean="0">
-              <a:latin typeface="Monaco"/>
-              <a:cs typeface="Monaco"/>
-            </a:endParaRPr>
-          </a:p>
-        </p:txBody>
-      </p:sp>
-      <p:sp>
-        <p:nvSpPr>
-          <p:cNvPr id="5" name="Rectangle 4"/>
-          <p:cNvSpPr/>
-          <p:nvPr/>
-        </p:nvSpPr>
-        <p:spPr>
-          <a:xfrm>
-            <a:off x="513420" y="3705247"/>
-            <a:ext cx="1865885" cy="272062"/>
-          </a:xfrm>
-          <a:prstGeom prst="rect">
-            <a:avLst/>
-          </a:prstGeom>
-          <a:noFill/>
-          <a:ln w="38100" cmpd="sng">
-            <a:solidFill>
-              <a:schemeClr val="accent2"/>
-            </a:solidFill>
-          </a:ln>
-          <a:effectLst/>
-        </p:spPr>
-        <p:style>
-          <a:lnRef idx="1">
-            <a:schemeClr val="accent1"/>
-          </a:lnRef>
-          <a:fillRef idx="3">
-            <a:schemeClr val="accent1"/>
-          </a:fillRef>
-          <a:effectRef idx="2">
-            <a:schemeClr val="accent1"/>
-          </a:effectRef>
-          <a:fontRef idx="minor">
-            <a:schemeClr val="lt1"/>
-          </a:fontRef>
-        </p:style>
-        <p:txBody>
-          <a:bodyPr rtlCol="0" anchor="ctr"/>
-          <a:lstStyle/>
-          <a:p>
-            <a:pPr algn="ctr"/>
-            <a:endParaRPr lang="en-US"/>
-          </a:p>
-        </p:txBody>
-      </p:sp>
-    </p:spTree>
-    <p:extLst>
-      <p:ext uri="{BB962C8B-B14F-4D97-AF65-F5344CB8AC3E}">
-        <p14:creationId xmlns:p14="http://schemas.microsoft.com/office/powerpoint/2010/main" val="4238855717"/>
-      </p:ext>
-    </p:extLst>
-  </p:cSld>
-  <p:clrMapOvr>
-    <a:masterClrMapping/>
-  </p:clrMapOvr>
-</p:sld>
-</file>
-
-<file path=ppt/slides/slide36.xml><?xml version="1.0" encoding="utf-8"?>
-<p:sld xmlns:a="http://schemas.openxmlformats.org/drawingml/2006/main" xmlns:r="http://schemas.openxmlformats.org/officeDocument/2006/relationships" xmlns:p="http://schemas.openxmlformats.org/presentationml/2006/main">
-  <p:cSld>
-    <p:spTree>
-      <p:nvGrpSpPr>
-        <p:cNvPr id="1" name=""/>
-        <p:cNvGrpSpPr/>
-        <p:nvPr/>
-      </p:nvGrpSpPr>
-      <p:grpSpPr>
-        <a:xfrm>
-          <a:off x="0" y="0"/>
-          <a:ext cx="0" cy="0"/>
-          <a:chOff x="0" y="0"/>
-          <a:chExt cx="0" cy="0"/>
-        </a:xfrm>
-      </p:grpSpPr>
-      <p:sp>
-        <p:nvSpPr>
-          <p:cNvPr id="2" name="Title 1"/>
-          <p:cNvSpPr>
-            <a:spLocks noGrp="1"/>
-          </p:cNvSpPr>
-          <p:nvPr>
-            <p:ph type="title"/>
-          </p:nvPr>
-        </p:nvSpPr>
-        <p:spPr/>
-        <p:txBody>
-          <a:bodyPr/>
-          <a:lstStyle/>
-          <a:p>
-            <a:r>
-              <a:rPr lang="en-US" dirty="0" smtClean="0"/>
-              <a:t>opening files for reading</a:t>
-            </a:r>
-            <a:endParaRPr lang="en-US" dirty="0"/>
-          </a:p>
-        </p:txBody>
-      </p:sp>
-      <p:sp>
-        <p:nvSpPr>
-          <p:cNvPr id="4" name="TextBox 3"/>
-          <p:cNvSpPr txBox="1"/>
-          <p:nvPr/>
-        </p:nvSpPr>
-        <p:spPr>
-          <a:xfrm>
-            <a:off x="457199" y="1727554"/>
-            <a:ext cx="8338444" cy="5078314"/>
-          </a:xfrm>
-          <a:prstGeom prst="rect">
-            <a:avLst/>
-          </a:prstGeom>
-          <a:noFill/>
-        </p:spPr>
-        <p:txBody>
-          <a:bodyPr wrap="square" rtlCol="0">
-            <a:spAutoFit/>
-          </a:bodyPr>
-          <a:lstStyle/>
-          <a:p>
-            <a:r>
-              <a:rPr lang="en-US" dirty="0" smtClean="0">
-                <a:latin typeface="Monaco"/>
-                <a:cs typeface="Monaco"/>
-              </a:rPr>
-              <a:t># Name of file to open</a:t>
-            </a:r>
-          </a:p>
-          <a:p>
-            <a:r>
-              <a:rPr lang="en-US" dirty="0" smtClean="0">
-                <a:latin typeface="Monaco"/>
-                <a:cs typeface="Monaco"/>
-              </a:rPr>
-              <a:t>filename = "my_file_with_important_stuff.txt"</a:t>
-            </a:r>
-          </a:p>
-          <a:p>
-            <a:endParaRPr lang="en-US" dirty="0">
-              <a:latin typeface="Monaco"/>
-              <a:cs typeface="Monaco"/>
-            </a:endParaRPr>
-          </a:p>
-          <a:p>
-            <a:r>
-              <a:rPr lang="en-US" dirty="0" smtClean="0">
-                <a:latin typeface="Monaco"/>
-                <a:cs typeface="Monaco"/>
-              </a:rPr>
-              <a:t># Define handle with the </a:t>
-            </a:r>
-            <a:r>
-              <a:rPr lang="en-US" i="1" dirty="0" smtClean="0">
-                <a:latin typeface="Monaco"/>
-                <a:cs typeface="Monaco"/>
-              </a:rPr>
-              <a:t>.open() </a:t>
-            </a:r>
-            <a:r>
-              <a:rPr lang="en-US" dirty="0" smtClean="0">
-                <a:latin typeface="Monaco"/>
-                <a:cs typeface="Monaco"/>
-              </a:rPr>
-              <a:t>function</a:t>
-            </a:r>
-          </a:p>
-          <a:p>
-            <a:r>
-              <a:rPr lang="en-US" dirty="0" smtClean="0">
-                <a:latin typeface="Monaco"/>
-                <a:cs typeface="Monaco"/>
-              </a:rPr>
-              <a:t>file_handle = </a:t>
-            </a:r>
-            <a:r>
-              <a:rPr lang="en-US" dirty="0" smtClean="0">
-                <a:solidFill>
-                  <a:srgbClr val="DC5924"/>
-                </a:solidFill>
-                <a:latin typeface="Monaco"/>
-                <a:cs typeface="Monaco"/>
-              </a:rPr>
-              <a:t>open</a:t>
-            </a:r>
-            <a:r>
-              <a:rPr lang="en-US" dirty="0" smtClean="0">
-                <a:latin typeface="Monaco"/>
-                <a:cs typeface="Monaco"/>
-              </a:rPr>
-              <a:t>(filename, "r")  # two arguments</a:t>
-            </a:r>
-          </a:p>
-          <a:p>
-            <a:endParaRPr lang="en-US" dirty="0">
-              <a:latin typeface="Monaco"/>
-              <a:cs typeface="Monaco"/>
-            </a:endParaRPr>
-          </a:p>
-          <a:p>
-            <a:r>
-              <a:rPr lang="en-US" dirty="0" smtClean="0">
-                <a:latin typeface="Monaco"/>
-                <a:cs typeface="Monaco"/>
-              </a:rPr>
-              <a:t># Read the file contents with the </a:t>
-            </a:r>
-            <a:r>
-              <a:rPr lang="en-US" i="1" dirty="0" smtClean="0">
-                <a:latin typeface="Monaco"/>
-                <a:cs typeface="Monaco"/>
-              </a:rPr>
-              <a:t>.read()</a:t>
-            </a:r>
-            <a:r>
-              <a:rPr lang="en-US" dirty="0">
-                <a:latin typeface="Monaco"/>
-                <a:cs typeface="Monaco"/>
-              </a:rPr>
-              <a:t> </a:t>
-            </a:r>
-            <a:r>
-              <a:rPr lang="en-US" dirty="0" smtClean="0">
-                <a:latin typeface="Monaco"/>
-                <a:cs typeface="Monaco"/>
-              </a:rPr>
-              <a:t>method</a:t>
-            </a:r>
-          </a:p>
-          <a:p>
-            <a:r>
-              <a:rPr lang="en-US" dirty="0" smtClean="0">
-                <a:latin typeface="Monaco"/>
-                <a:cs typeface="Monaco"/>
-              </a:rPr>
-              <a:t>file_contents = file_handle</a:t>
-            </a:r>
-            <a:r>
-              <a:rPr lang="en-US" dirty="0" smtClean="0">
-                <a:solidFill>
-                  <a:schemeClr val="accent5"/>
-                </a:solidFill>
-                <a:latin typeface="Monaco"/>
-                <a:cs typeface="Monaco"/>
-              </a:rPr>
-              <a:t>.read()</a:t>
-            </a:r>
-          </a:p>
-          <a:p>
-            <a:endParaRPr lang="en-US" dirty="0">
-              <a:latin typeface="Monaco"/>
-              <a:cs typeface="Monaco"/>
-            </a:endParaRPr>
-          </a:p>
-          <a:p>
-            <a:r>
-              <a:rPr lang="en-US" dirty="0" smtClean="0">
-                <a:latin typeface="Monaco"/>
-                <a:cs typeface="Monaco"/>
-              </a:rPr>
-              <a:t># Close the file when done with the </a:t>
-            </a:r>
-            <a:r>
-              <a:rPr lang="en-US" i="1" dirty="0" smtClean="0">
-                <a:latin typeface="Monaco"/>
-                <a:cs typeface="Monaco"/>
-              </a:rPr>
-              <a:t>.close()</a:t>
-            </a:r>
-            <a:r>
-              <a:rPr lang="en-US" dirty="0" smtClean="0">
-                <a:latin typeface="Monaco"/>
-                <a:cs typeface="Monaco"/>
-              </a:rPr>
-              <a:t> method (!!!)</a:t>
-            </a:r>
-          </a:p>
-          <a:p>
-            <a:r>
-              <a:rPr lang="en-US" dirty="0" smtClean="0">
-                <a:latin typeface="Monaco"/>
-                <a:cs typeface="Monaco"/>
-              </a:rPr>
-              <a:t>file_handle</a:t>
-            </a:r>
-            <a:r>
-              <a:rPr lang="en-US" dirty="0" smtClean="0">
-                <a:solidFill>
-                  <a:srgbClr val="DC5924"/>
-                </a:solidFill>
-                <a:latin typeface="Monaco"/>
-                <a:cs typeface="Monaco"/>
-              </a:rPr>
-              <a:t>.close()</a:t>
-            </a:r>
-          </a:p>
-          <a:p>
-            <a:endParaRPr lang="en-US" dirty="0">
-              <a:latin typeface="Monaco"/>
-              <a:cs typeface="Monaco"/>
-            </a:endParaRPr>
-          </a:p>
-          <a:p>
-            <a:r>
-              <a:rPr lang="en-US" dirty="0" smtClean="0">
-                <a:latin typeface="Monaco"/>
-                <a:cs typeface="Monaco"/>
-              </a:rPr>
-              <a:t>print file_contents</a:t>
-            </a:r>
-          </a:p>
-          <a:p>
-            <a:r>
-              <a:rPr lang="en-US" dirty="0">
-                <a:solidFill>
-                  <a:srgbClr val="A6A6A6"/>
-                </a:solidFill>
-                <a:latin typeface="Monaco"/>
-                <a:cs typeface="Monaco"/>
-              </a:rPr>
-              <a:t>	</a:t>
-            </a:r>
-            <a:r>
-              <a:rPr lang="en-US" dirty="0" smtClean="0">
-                <a:solidFill>
-                  <a:srgbClr val="A6A6A6"/>
-                </a:solidFill>
-                <a:latin typeface="Monaco"/>
-                <a:cs typeface="Monaco"/>
-              </a:rPr>
-              <a:t>Line 1 of file.</a:t>
-            </a:r>
-            <a:endParaRPr lang="en-US" dirty="0">
-              <a:solidFill>
-                <a:srgbClr val="A6A6A6"/>
-              </a:solidFill>
-              <a:latin typeface="Monaco"/>
-              <a:cs typeface="Monaco"/>
-            </a:endParaRPr>
-          </a:p>
-          <a:p>
-            <a:r>
-              <a:rPr lang="en-US" dirty="0">
-                <a:solidFill>
-                  <a:srgbClr val="A6A6A6"/>
-                </a:solidFill>
-                <a:latin typeface="Monaco"/>
-                <a:cs typeface="Monaco"/>
-              </a:rPr>
-              <a:t>	Line </a:t>
-            </a:r>
-            <a:r>
-              <a:rPr lang="en-US" dirty="0" smtClean="0">
-                <a:solidFill>
-                  <a:srgbClr val="A6A6A6"/>
-                </a:solidFill>
-                <a:latin typeface="Monaco"/>
-                <a:cs typeface="Monaco"/>
-              </a:rPr>
-              <a:t>2 </a:t>
-            </a:r>
-            <a:r>
-              <a:rPr lang="en-US" dirty="0">
-                <a:solidFill>
-                  <a:srgbClr val="A6A6A6"/>
-                </a:solidFill>
-                <a:latin typeface="Monaco"/>
-                <a:cs typeface="Monaco"/>
-              </a:rPr>
-              <a:t>of file.</a:t>
-            </a:r>
-          </a:p>
-          <a:p>
-            <a:r>
-              <a:rPr lang="en-US" dirty="0">
-                <a:solidFill>
-                  <a:srgbClr val="A6A6A6"/>
-                </a:solidFill>
-                <a:latin typeface="Monaco"/>
-                <a:cs typeface="Monaco"/>
-              </a:rPr>
-              <a:t>	Line </a:t>
-            </a:r>
-            <a:r>
-              <a:rPr lang="en-US" dirty="0" smtClean="0">
-                <a:solidFill>
-                  <a:srgbClr val="A6A6A6"/>
-                </a:solidFill>
-                <a:latin typeface="Monaco"/>
-                <a:cs typeface="Monaco"/>
-              </a:rPr>
-              <a:t>3 </a:t>
-            </a:r>
-            <a:r>
-              <a:rPr lang="en-US" dirty="0">
-                <a:solidFill>
-                  <a:srgbClr val="A6A6A6"/>
-                </a:solidFill>
-                <a:latin typeface="Monaco"/>
-                <a:cs typeface="Monaco"/>
-              </a:rPr>
-              <a:t>of file.</a:t>
-            </a:r>
-          </a:p>
-          <a:p>
-            <a:r>
-              <a:rPr lang="en-US" dirty="0" smtClean="0">
-                <a:solidFill>
-                  <a:srgbClr val="A6A6A6"/>
-                </a:solidFill>
-                <a:latin typeface="Monaco"/>
-                <a:cs typeface="Monaco"/>
-              </a:rPr>
-              <a:t>	...</a:t>
-            </a:r>
-            <a:endParaRPr lang="en-US" dirty="0">
-              <a:solidFill>
-                <a:srgbClr val="A6A6A6"/>
-              </a:solidFill>
-              <a:latin typeface="Monaco"/>
-              <a:cs typeface="Monaco"/>
-            </a:endParaRPr>
-          </a:p>
-          <a:p>
-            <a:endParaRPr lang="en-US" dirty="0" smtClean="0">
-              <a:latin typeface="Monaco"/>
-              <a:cs typeface="Monaco"/>
-            </a:endParaRPr>
-          </a:p>
-        </p:txBody>
-      </p:sp>
-      <p:sp>
-        <p:nvSpPr>
-          <p:cNvPr id="5" name="Rectangle 4"/>
-          <p:cNvSpPr/>
-          <p:nvPr/>
-        </p:nvSpPr>
-        <p:spPr>
-          <a:xfrm>
-            <a:off x="513420" y="3705247"/>
-            <a:ext cx="1865885" cy="272062"/>
-          </a:xfrm>
-          <a:prstGeom prst="rect">
-            <a:avLst/>
-          </a:prstGeom>
-          <a:noFill/>
-          <a:ln w="38100" cmpd="sng">
-            <a:solidFill>
-              <a:schemeClr val="accent2"/>
-            </a:solidFill>
-          </a:ln>
-          <a:effectLst/>
-        </p:spPr>
-        <p:style>
-          <a:lnRef idx="1">
-            <a:schemeClr val="accent1"/>
-          </a:lnRef>
-          <a:fillRef idx="3">
-            <a:schemeClr val="accent1"/>
-          </a:fillRef>
-          <a:effectRef idx="2">
-            <a:schemeClr val="accent1"/>
-          </a:effectRef>
-          <a:fontRef idx="minor">
-            <a:schemeClr val="lt1"/>
-          </a:fontRef>
-        </p:style>
-        <p:txBody>
-          <a:bodyPr rtlCol="0" anchor="ctr"/>
-          <a:lstStyle/>
-          <a:p>
-            <a:pPr algn="ctr"/>
-            <a:endParaRPr lang="en-US"/>
-          </a:p>
-        </p:txBody>
-      </p:sp>
-      <p:sp>
-        <p:nvSpPr>
-          <p:cNvPr id="7" name="Right Brace 6"/>
-          <p:cNvSpPr/>
-          <p:nvPr/>
-        </p:nvSpPr>
-        <p:spPr>
-          <a:xfrm>
-            <a:off x="3031751" y="5362152"/>
-            <a:ext cx="437205" cy="1117848"/>
-          </a:xfrm>
-          <a:prstGeom prst="rightBrace">
-            <a:avLst>
-              <a:gd name="adj1" fmla="val 17856"/>
-              <a:gd name="adj2" fmla="val 50000"/>
-            </a:avLst>
-          </a:prstGeom>
-          <a:ln>
-            <a:solidFill>
-              <a:srgbClr val="F5C201"/>
-            </a:solidFill>
-          </a:ln>
-        </p:spPr>
-        <p:style>
-          <a:lnRef idx="2">
-            <a:schemeClr val="accent1"/>
-          </a:lnRef>
-          <a:fillRef idx="0">
-            <a:schemeClr val="accent1"/>
-          </a:fillRef>
-          <a:effectRef idx="1">
-            <a:schemeClr val="accent1"/>
-          </a:effectRef>
-          <a:fontRef idx="minor">
-            <a:schemeClr val="tx1"/>
-          </a:fontRef>
-        </p:style>
-        <p:txBody>
-          <a:bodyPr rtlCol="0" anchor="ctr"/>
-          <a:lstStyle/>
-          <a:p>
-            <a:pPr algn="ctr"/>
-            <a:endParaRPr lang="en-US"/>
-          </a:p>
-        </p:txBody>
-      </p:sp>
-      <p:sp>
-        <p:nvSpPr>
-          <p:cNvPr id="8" name="TextBox 7"/>
-          <p:cNvSpPr txBox="1"/>
-          <p:nvPr/>
-        </p:nvSpPr>
-        <p:spPr>
-          <a:xfrm>
-            <a:off x="3468956" y="5745948"/>
-            <a:ext cx="4375855" cy="338554"/>
-          </a:xfrm>
-          <a:prstGeom prst="rect">
-            <a:avLst/>
-          </a:prstGeom>
-          <a:noFill/>
-        </p:spPr>
-        <p:txBody>
-          <a:bodyPr wrap="square" rtlCol="0">
-            <a:spAutoFit/>
-          </a:bodyPr>
-          <a:lstStyle/>
-          <a:p>
-            <a:r>
-              <a:rPr lang="en-US" sz="1600" dirty="0" smtClean="0">
-                <a:solidFill>
-                  <a:srgbClr val="DC5924"/>
-                </a:solidFill>
-              </a:rPr>
-              <a:t>The entire body of the file, as a </a:t>
-            </a:r>
-            <a:r>
-              <a:rPr lang="en-US" sz="1600" b="1" dirty="0" smtClean="0">
-                <a:solidFill>
-                  <a:srgbClr val="DC5924"/>
-                </a:solidFill>
-              </a:rPr>
-              <a:t>single string</a:t>
-            </a:r>
-            <a:r>
-              <a:rPr lang="en-US" sz="1600" dirty="0" smtClean="0">
-                <a:solidFill>
-                  <a:srgbClr val="DC5924"/>
-                </a:solidFill>
-              </a:rPr>
-              <a:t>!</a:t>
-            </a:r>
-            <a:endParaRPr lang="en-US" sz="1600" dirty="0">
-              <a:solidFill>
-                <a:srgbClr val="DC5924"/>
-              </a:solidFill>
-            </a:endParaRPr>
-          </a:p>
-        </p:txBody>
-      </p:sp>
-    </p:spTree>
-    <p:extLst>
-      <p:ext uri="{BB962C8B-B14F-4D97-AF65-F5344CB8AC3E}">
-        <p14:creationId xmlns:p14="http://schemas.microsoft.com/office/powerpoint/2010/main" val="4238855717"/>
-      </p:ext>
-    </p:extLst>
-  </p:cSld>
-  <p:clrMapOvr>
-    <a:masterClrMapping/>
-  </p:clrMapOvr>
-</p:sld>
-</file>
-
-<file path=ppt/slides/slide37.xml><?xml version="1.0" encoding="utf-8"?>
-<p:sld xmlns:a="http://schemas.openxmlformats.org/drawingml/2006/main" xmlns:r="http://schemas.openxmlformats.org/officeDocument/2006/relationships" xmlns:p="http://schemas.openxmlformats.org/presentationml/2006/main">
-  <p:cSld>
-    <p:spTree>
-      <p:nvGrpSpPr>
-        <p:cNvPr id="1" name=""/>
-        <p:cNvGrpSpPr/>
-        <p:nvPr/>
-      </p:nvGrpSpPr>
-      <p:grpSpPr>
-        <a:xfrm>
-          <a:off x="0" y="0"/>
-          <a:ext cx="0" cy="0"/>
-          <a:chOff x="0" y="0"/>
-          <a:chExt cx="0" cy="0"/>
-        </a:xfrm>
-      </p:grpSpPr>
-      <p:sp>
-        <p:nvSpPr>
-          <p:cNvPr id="2" name="Title 1"/>
-          <p:cNvSpPr>
-            <a:spLocks noGrp="1"/>
-          </p:cNvSpPr>
-          <p:nvPr>
-            <p:ph type="title"/>
-          </p:nvPr>
-        </p:nvSpPr>
-        <p:spPr/>
-        <p:txBody>
-          <a:bodyPr/>
-          <a:lstStyle/>
-          <a:p>
-            <a:r>
-              <a:rPr lang="en-US" dirty="0" smtClean="0"/>
-              <a:t>looping over lines in a file</a:t>
-            </a:r>
-            <a:endParaRPr lang="en-US" dirty="0"/>
-          </a:p>
-        </p:txBody>
-      </p:sp>
-      <p:sp>
-        <p:nvSpPr>
-          <p:cNvPr id="4" name="TextBox 3"/>
-          <p:cNvSpPr txBox="1"/>
-          <p:nvPr/>
-        </p:nvSpPr>
-        <p:spPr>
-          <a:xfrm>
-            <a:off x="457199" y="1558432"/>
-            <a:ext cx="8338444" cy="1754327"/>
-          </a:xfrm>
-          <a:prstGeom prst="rect">
-            <a:avLst/>
-          </a:prstGeom>
-          <a:noFill/>
-        </p:spPr>
-        <p:txBody>
-          <a:bodyPr wrap="square" rtlCol="0">
-            <a:spAutoFit/>
-          </a:bodyPr>
-          <a:lstStyle/>
-          <a:p>
-            <a:r>
-              <a:rPr lang="en-US" dirty="0" smtClean="0">
-                <a:latin typeface="Monaco"/>
-                <a:cs typeface="Monaco"/>
-              </a:rPr>
-              <a:t>filename = "my_file_with_important_stuff.txt"</a:t>
-            </a:r>
-          </a:p>
-          <a:p>
-            <a:endParaRPr lang="en-US" dirty="0">
-              <a:latin typeface="Monaco"/>
-              <a:cs typeface="Monaco"/>
-            </a:endParaRPr>
-          </a:p>
-          <a:p>
-            <a:r>
-              <a:rPr lang="en-US" dirty="0" smtClean="0">
-                <a:latin typeface="Monaco"/>
-                <a:cs typeface="Monaco"/>
-              </a:rPr>
-              <a:t>file_handle = open(filename, "r")</a:t>
-            </a:r>
-          </a:p>
-          <a:p>
-            <a:r>
-              <a:rPr lang="en-US" dirty="0" smtClean="0">
-                <a:latin typeface="Monaco"/>
-                <a:cs typeface="Monaco"/>
-              </a:rPr>
-              <a:t>file_contents = file_handle.read()</a:t>
-            </a:r>
-          </a:p>
-          <a:p>
-            <a:r>
-              <a:rPr lang="en-US" dirty="0" smtClean="0">
-                <a:latin typeface="Monaco"/>
-                <a:cs typeface="Monaco"/>
-              </a:rPr>
-              <a:t>file_handle.close()</a:t>
-            </a:r>
-          </a:p>
-          <a:p>
-            <a:endParaRPr lang="en-US" dirty="0" smtClean="0">
-              <a:latin typeface="Monaco"/>
-              <a:cs typeface="Monaco"/>
-            </a:endParaRPr>
-          </a:p>
-        </p:txBody>
-      </p:sp>
-    </p:spTree>
-    <p:extLst>
-      <p:ext uri="{BB962C8B-B14F-4D97-AF65-F5344CB8AC3E}">
-        <p14:creationId xmlns:p14="http://schemas.microsoft.com/office/powerpoint/2010/main" val="2180765356"/>
-      </p:ext>
-    </p:extLst>
-  </p:cSld>
-  <p:clrMapOvr>
-    <a:masterClrMapping/>
-  </p:clrMapOvr>
-</p:sld>
-</file>
-
-<file path=ppt/slides/slide38.xml><?xml version="1.0" encoding="utf-8"?>
-<p:sld xmlns:a="http://schemas.openxmlformats.org/drawingml/2006/main" xmlns:r="http://schemas.openxmlformats.org/officeDocument/2006/relationships" xmlns:p="http://schemas.openxmlformats.org/presentationml/2006/main">
-  <p:cSld>
-    <p:spTree>
-      <p:nvGrpSpPr>
-        <p:cNvPr id="1" name=""/>
-        <p:cNvGrpSpPr/>
-        <p:nvPr/>
-      </p:nvGrpSpPr>
-      <p:grpSpPr>
-        <a:xfrm>
-          <a:off x="0" y="0"/>
-          <a:ext cx="0" cy="0"/>
-          <a:chOff x="0" y="0"/>
-          <a:chExt cx="0" cy="0"/>
-        </a:xfrm>
-      </p:grpSpPr>
-      <p:sp>
-        <p:nvSpPr>
-          <p:cNvPr id="2" name="Title 1"/>
-          <p:cNvSpPr>
-            <a:spLocks noGrp="1"/>
-          </p:cNvSpPr>
-          <p:nvPr>
-            <p:ph type="title"/>
-          </p:nvPr>
-        </p:nvSpPr>
-        <p:spPr/>
-        <p:txBody>
-          <a:bodyPr/>
-          <a:lstStyle/>
-          <a:p>
-            <a:r>
-              <a:rPr lang="en-US" dirty="0" smtClean="0"/>
-              <a:t>looping over lines in a file</a:t>
-            </a:r>
-            <a:endParaRPr lang="en-US" dirty="0"/>
-          </a:p>
-        </p:txBody>
-      </p:sp>
-      <p:sp>
-        <p:nvSpPr>
-          <p:cNvPr id="4" name="TextBox 3"/>
-          <p:cNvSpPr txBox="1"/>
-          <p:nvPr/>
-        </p:nvSpPr>
-        <p:spPr>
-          <a:xfrm>
-            <a:off x="457199" y="1558432"/>
-            <a:ext cx="8338444" cy="2585323"/>
-          </a:xfrm>
-          <a:prstGeom prst="rect">
-            <a:avLst/>
-          </a:prstGeom>
-          <a:noFill/>
-        </p:spPr>
-        <p:txBody>
-          <a:bodyPr wrap="square" rtlCol="0">
-            <a:spAutoFit/>
-          </a:bodyPr>
-          <a:lstStyle/>
-          <a:p>
-            <a:r>
-              <a:rPr lang="en-US" dirty="0" smtClean="0">
-                <a:latin typeface="Monaco"/>
-                <a:cs typeface="Monaco"/>
-              </a:rPr>
-              <a:t>filename = "my_file_with_important_stuff.txt"</a:t>
-            </a:r>
-          </a:p>
-          <a:p>
-            <a:endParaRPr lang="en-US" dirty="0">
-              <a:latin typeface="Monaco"/>
-              <a:cs typeface="Monaco"/>
-            </a:endParaRPr>
-          </a:p>
-          <a:p>
-            <a:r>
-              <a:rPr lang="en-US" dirty="0" smtClean="0">
-                <a:latin typeface="Monaco"/>
-                <a:cs typeface="Monaco"/>
-              </a:rPr>
-              <a:t>file_handle = open(filename, "r")</a:t>
-            </a:r>
-          </a:p>
-          <a:p>
-            <a:r>
-              <a:rPr lang="en-US" dirty="0" smtClean="0">
-                <a:latin typeface="Monaco"/>
-                <a:cs typeface="Monaco"/>
-              </a:rPr>
-              <a:t>file_contents = file_handle.read()</a:t>
-            </a:r>
-          </a:p>
-          <a:p>
-            <a:r>
-              <a:rPr lang="en-US" dirty="0" smtClean="0">
-                <a:latin typeface="Monaco"/>
-                <a:cs typeface="Monaco"/>
-              </a:rPr>
-              <a:t>file_handle.close()</a:t>
-            </a:r>
-          </a:p>
-          <a:p>
-            <a:endParaRPr lang="en-US" dirty="0" smtClean="0">
-              <a:latin typeface="Monaco"/>
-              <a:cs typeface="Monaco"/>
-            </a:endParaRPr>
-          </a:p>
-          <a:p>
-            <a:r>
-              <a:rPr lang="en-US" dirty="0" smtClean="0">
-                <a:latin typeface="Monaco"/>
-                <a:cs typeface="Monaco"/>
-              </a:rPr>
-              <a:t># We can convert file_contents to a list using </a:t>
-            </a:r>
-            <a:r>
-              <a:rPr lang="en-US" i="1" dirty="0" smtClean="0">
-                <a:latin typeface="Monaco"/>
-                <a:cs typeface="Monaco"/>
-              </a:rPr>
-              <a:t>.split()</a:t>
-            </a:r>
-            <a:endParaRPr lang="en-US" i="1" dirty="0">
-              <a:latin typeface="Monaco"/>
-              <a:cs typeface="Monaco"/>
-            </a:endParaRPr>
-          </a:p>
-          <a:p>
-            <a:r>
-              <a:rPr lang="en-US" dirty="0" smtClean="0">
-                <a:latin typeface="Monaco"/>
-                <a:cs typeface="Monaco"/>
-              </a:rPr>
-              <a:t>file_contents_list = file_contents.split(</a:t>
-            </a:r>
-            <a:r>
-              <a:rPr lang="en-US" dirty="0" smtClean="0">
-                <a:solidFill>
-                  <a:schemeClr val="accent5"/>
-                </a:solidFill>
-                <a:latin typeface="Monaco"/>
-                <a:cs typeface="Monaco"/>
-              </a:rPr>
-              <a:t>"\n"</a:t>
-            </a:r>
-            <a:r>
-              <a:rPr lang="en-US" dirty="0" smtClean="0">
-                <a:latin typeface="Monaco"/>
-                <a:cs typeface="Monaco"/>
-              </a:rPr>
-              <a:t>)  # or \r</a:t>
-            </a:r>
-          </a:p>
-          <a:p>
-            <a:endParaRPr lang="en-US" dirty="0" smtClean="0">
-              <a:latin typeface="Monaco"/>
-              <a:cs typeface="Monaco"/>
-            </a:endParaRPr>
-          </a:p>
-        </p:txBody>
-      </p:sp>
-    </p:spTree>
-    <p:extLst>
-      <p:ext uri="{BB962C8B-B14F-4D97-AF65-F5344CB8AC3E}">
-        <p14:creationId xmlns:p14="http://schemas.microsoft.com/office/powerpoint/2010/main" val="2180765356"/>
-      </p:ext>
-    </p:extLst>
-  </p:cSld>
-  <p:clrMapOvr>
-    <a:masterClrMapping/>
-  </p:clrMapOvr>
-</p:sld>
-</file>
-
-<file path=ppt/slides/slide39.xml><?xml version="1.0" encoding="utf-8"?>
-<p:sld xmlns:a="http://schemas.openxmlformats.org/drawingml/2006/main" xmlns:r="http://schemas.openxmlformats.org/officeDocument/2006/relationships" xmlns:p="http://schemas.openxmlformats.org/presentationml/2006/main">
-  <p:cSld>
-    <p:spTree>
-      <p:nvGrpSpPr>
-        <p:cNvPr id="1" name=""/>
-        <p:cNvGrpSpPr/>
-        <p:nvPr/>
-      </p:nvGrpSpPr>
-      <p:grpSpPr>
-        <a:xfrm>
-          <a:off x="0" y="0"/>
-          <a:ext cx="0" cy="0"/>
-          <a:chOff x="0" y="0"/>
-          <a:chExt cx="0" cy="0"/>
-        </a:xfrm>
-      </p:grpSpPr>
-      <p:sp>
-        <p:nvSpPr>
-          <p:cNvPr id="2" name="Title 1"/>
-          <p:cNvSpPr>
-            <a:spLocks noGrp="1"/>
-          </p:cNvSpPr>
-          <p:nvPr>
-            <p:ph type="title"/>
-          </p:nvPr>
-        </p:nvSpPr>
-        <p:spPr/>
-        <p:txBody>
-          <a:bodyPr/>
-          <a:lstStyle/>
-          <a:p>
-            <a:r>
-              <a:rPr lang="en-US" dirty="0" smtClean="0"/>
-              <a:t>looping over lines in a file</a:t>
-            </a:r>
-            <a:endParaRPr lang="en-US" dirty="0"/>
-          </a:p>
-        </p:txBody>
-      </p:sp>
-      <p:sp>
-        <p:nvSpPr>
-          <p:cNvPr id="4" name="TextBox 3"/>
-          <p:cNvSpPr txBox="1"/>
-          <p:nvPr/>
-        </p:nvSpPr>
-        <p:spPr>
-          <a:xfrm>
-            <a:off x="457199" y="1558432"/>
-            <a:ext cx="8338444" cy="2862323"/>
-          </a:xfrm>
-          <a:prstGeom prst="rect">
-            <a:avLst/>
-          </a:prstGeom>
-          <a:noFill/>
-        </p:spPr>
-        <p:txBody>
-          <a:bodyPr wrap="square" rtlCol="0">
-            <a:spAutoFit/>
-          </a:bodyPr>
-          <a:lstStyle/>
-          <a:p>
-            <a:r>
-              <a:rPr lang="en-US" dirty="0" smtClean="0">
-                <a:latin typeface="Monaco"/>
-                <a:cs typeface="Monaco"/>
-              </a:rPr>
-              <a:t># Better option: use the </a:t>
-            </a:r>
-            <a:r>
-              <a:rPr lang="en-US" i="1" dirty="0" smtClean="0">
-                <a:latin typeface="Monaco"/>
-                <a:cs typeface="Monaco"/>
-              </a:rPr>
-              <a:t>.readlines() </a:t>
-            </a:r>
-            <a:r>
-              <a:rPr lang="en-US" dirty="0" smtClean="0">
-                <a:latin typeface="Monaco"/>
-                <a:cs typeface="Monaco"/>
-              </a:rPr>
-              <a:t>method</a:t>
-            </a:r>
-          </a:p>
-          <a:p>
-            <a:endParaRPr lang="en-US" dirty="0" smtClean="0">
-              <a:latin typeface="Monaco"/>
-              <a:cs typeface="Monaco"/>
-            </a:endParaRPr>
-          </a:p>
-          <a:p>
-            <a:r>
-              <a:rPr lang="en-US" dirty="0">
-                <a:latin typeface="Monaco"/>
-                <a:cs typeface="Monaco"/>
-              </a:rPr>
-              <a:t>file_handle = open(filename, "r")</a:t>
-            </a:r>
-          </a:p>
-          <a:p>
-            <a:r>
-              <a:rPr lang="en-US" dirty="0" smtClean="0">
-                <a:latin typeface="Monaco"/>
-                <a:cs typeface="Monaco"/>
-              </a:rPr>
-              <a:t>file_lines = file_handle</a:t>
-            </a:r>
-            <a:r>
-              <a:rPr lang="en-US" dirty="0" smtClean="0">
-                <a:solidFill>
-                  <a:srgbClr val="DC5924"/>
-                </a:solidFill>
-                <a:latin typeface="Monaco"/>
-                <a:cs typeface="Monaco"/>
-              </a:rPr>
-              <a:t>.readlines()</a:t>
-            </a:r>
-          </a:p>
-          <a:p>
-            <a:r>
-              <a:rPr lang="en-US" dirty="0" smtClean="0">
-                <a:latin typeface="Monaco"/>
-                <a:cs typeface="Monaco"/>
-              </a:rPr>
-              <a:t>file_handle.close</a:t>
-            </a:r>
-            <a:r>
-              <a:rPr lang="en-US" dirty="0">
-                <a:latin typeface="Monaco"/>
-                <a:cs typeface="Monaco"/>
-              </a:rPr>
-              <a:t>()</a:t>
-            </a:r>
-          </a:p>
-          <a:p>
-            <a:endParaRPr lang="en-US" dirty="0" smtClean="0">
-              <a:latin typeface="Monaco"/>
-              <a:cs typeface="Monaco"/>
-            </a:endParaRPr>
-          </a:p>
-          <a:p>
-            <a:r>
-              <a:rPr lang="en-US" dirty="0" smtClean="0">
-                <a:latin typeface="Monaco"/>
-                <a:cs typeface="Monaco"/>
-              </a:rPr>
-              <a:t># file_lines is a list</a:t>
-            </a:r>
-          </a:p>
-          <a:p>
-            <a:r>
-              <a:rPr lang="en-US" dirty="0" smtClean="0">
-                <a:latin typeface="Monaco"/>
-                <a:cs typeface="Monaco"/>
-              </a:rPr>
-              <a:t>print file_lines</a:t>
-            </a:r>
-          </a:p>
-          <a:p>
-            <a:r>
-              <a:rPr lang="en-US" dirty="0">
-                <a:solidFill>
-                  <a:schemeClr val="bg1">
-                    <a:lumMod val="65000"/>
-                  </a:schemeClr>
-                </a:solidFill>
-                <a:latin typeface="Monaco"/>
-                <a:cs typeface="Monaco"/>
-              </a:rPr>
-              <a:t>	</a:t>
-            </a:r>
-            <a:r>
-              <a:rPr lang="en-US" dirty="0" smtClean="0">
-                <a:solidFill>
-                  <a:schemeClr val="bg1">
-                    <a:lumMod val="65000"/>
-                  </a:schemeClr>
-                </a:solidFill>
-                <a:latin typeface="Monaco"/>
-                <a:cs typeface="Monaco"/>
-              </a:rPr>
-              <a:t>["Line 1 of file.\n", "Line 2 of file.\n", "Line 3 of 	file.\n", ...]</a:t>
-            </a:r>
-          </a:p>
-        </p:txBody>
-      </p:sp>
-    </p:spTree>
-    <p:extLst>
-      <p:ext uri="{BB962C8B-B14F-4D97-AF65-F5344CB8AC3E}">
-        <p14:creationId xmlns:p14="http://schemas.microsoft.com/office/powerpoint/2010/main" val="3885851086"/>
-      </p:ext>
-    </p:extLst>
-  </p:cSld>
-  <p:clrMapOvr>
-    <a:masterClrMapping/>
-  </p:clrMapOvr>
-</p:sld>
-</file>
-
 <file path=ppt/slides/slide4.xml><?xml version="1.0" encoding="utf-8"?>
 <p:sld xmlns:a="http://schemas.openxmlformats.org/drawingml/2006/main" xmlns:r="http://schemas.openxmlformats.org/officeDocument/2006/relationships" xmlns:p="http://schemas.openxmlformats.org/presentationml/2006/main">
   <p:cSld>
@@ -11253,2575 +9195,6 @@
     <p:extLst>
       <p:ext uri="{BB962C8B-B14F-4D97-AF65-F5344CB8AC3E}">
         <p14:creationId xmlns:p14="http://schemas.microsoft.com/office/powerpoint/2010/main" val="1999038628"/>
-      </p:ext>
-    </p:extLst>
-  </p:cSld>
-  <p:clrMapOvr>
-    <a:masterClrMapping/>
-  </p:clrMapOvr>
-</p:sld>
-</file>
-
-<file path=ppt/slides/slide40.xml><?xml version="1.0" encoding="utf-8"?>
-<p:sld xmlns:a="http://schemas.openxmlformats.org/drawingml/2006/main" xmlns:r="http://schemas.openxmlformats.org/officeDocument/2006/relationships" xmlns:p="http://schemas.openxmlformats.org/presentationml/2006/main">
-  <p:cSld>
-    <p:spTree>
-      <p:nvGrpSpPr>
-        <p:cNvPr id="1" name=""/>
-        <p:cNvGrpSpPr/>
-        <p:nvPr/>
-      </p:nvGrpSpPr>
-      <p:grpSpPr>
-        <a:xfrm>
-          <a:off x="0" y="0"/>
-          <a:ext cx="0" cy="0"/>
-          <a:chOff x="0" y="0"/>
-          <a:chExt cx="0" cy="0"/>
-        </a:xfrm>
-      </p:grpSpPr>
-      <p:sp>
-        <p:nvSpPr>
-          <p:cNvPr id="2" name="Title 1"/>
-          <p:cNvSpPr>
-            <a:spLocks noGrp="1"/>
-          </p:cNvSpPr>
-          <p:nvPr>
-            <p:ph type="title"/>
-          </p:nvPr>
-        </p:nvSpPr>
-        <p:spPr/>
-        <p:txBody>
-          <a:bodyPr/>
-          <a:lstStyle/>
-          <a:p>
-            <a:r>
-              <a:rPr lang="en-US" dirty="0" smtClean="0"/>
-              <a:t>looping over lines in a file</a:t>
-            </a:r>
-            <a:endParaRPr lang="en-US" dirty="0"/>
-          </a:p>
-        </p:txBody>
-      </p:sp>
-      <p:sp>
-        <p:nvSpPr>
-          <p:cNvPr id="4" name="TextBox 3"/>
-          <p:cNvSpPr txBox="1"/>
-          <p:nvPr/>
-        </p:nvSpPr>
-        <p:spPr>
-          <a:xfrm>
-            <a:off x="457199" y="1558432"/>
-            <a:ext cx="8338444" cy="5355313"/>
-          </a:xfrm>
-          <a:prstGeom prst="rect">
-            <a:avLst/>
-          </a:prstGeom>
-          <a:noFill/>
-        </p:spPr>
-        <p:txBody>
-          <a:bodyPr wrap="square" rtlCol="0">
-            <a:spAutoFit/>
-          </a:bodyPr>
-          <a:lstStyle/>
-          <a:p>
-            <a:r>
-              <a:rPr lang="en-US" dirty="0">
-                <a:latin typeface="Monaco"/>
-                <a:cs typeface="Monaco"/>
-              </a:rPr>
-              <a:t># Better option: use the </a:t>
-            </a:r>
-            <a:r>
-              <a:rPr lang="en-US" i="1" dirty="0">
-                <a:latin typeface="Monaco"/>
-                <a:cs typeface="Monaco"/>
-              </a:rPr>
-              <a:t>.readlines() </a:t>
-            </a:r>
-            <a:r>
-              <a:rPr lang="en-US" dirty="0">
-                <a:latin typeface="Monaco"/>
-                <a:cs typeface="Monaco"/>
-              </a:rPr>
-              <a:t>method</a:t>
-            </a:r>
-          </a:p>
-          <a:p>
-            <a:endParaRPr lang="en-US" dirty="0">
-              <a:latin typeface="Monaco"/>
-              <a:cs typeface="Monaco"/>
-            </a:endParaRPr>
-          </a:p>
-          <a:p>
-            <a:r>
-              <a:rPr lang="en-US" dirty="0">
-                <a:latin typeface="Monaco"/>
-                <a:cs typeface="Monaco"/>
-              </a:rPr>
-              <a:t>file_handle = open(filename, "r")</a:t>
-            </a:r>
-          </a:p>
-          <a:p>
-            <a:r>
-              <a:rPr lang="en-US" dirty="0" smtClean="0">
-                <a:latin typeface="Monaco"/>
-                <a:cs typeface="Monaco"/>
-              </a:rPr>
-              <a:t>file_lines = file_handle</a:t>
-            </a:r>
-            <a:r>
-              <a:rPr lang="en-US" dirty="0" smtClean="0">
-                <a:solidFill>
-                  <a:srgbClr val="DC5924"/>
-                </a:solidFill>
-                <a:latin typeface="Monaco"/>
-                <a:cs typeface="Monaco"/>
-              </a:rPr>
-              <a:t>.readlines()</a:t>
-            </a:r>
-          </a:p>
-          <a:p>
-            <a:r>
-              <a:rPr lang="en-US" dirty="0" smtClean="0">
-                <a:latin typeface="Monaco"/>
-                <a:cs typeface="Monaco"/>
-              </a:rPr>
-              <a:t>file_handle.close</a:t>
-            </a:r>
-            <a:r>
-              <a:rPr lang="en-US" dirty="0">
-                <a:latin typeface="Monaco"/>
-                <a:cs typeface="Monaco"/>
-              </a:rPr>
-              <a:t>()</a:t>
-            </a:r>
-          </a:p>
-          <a:p>
-            <a:endParaRPr lang="en-US" dirty="0" smtClean="0">
-              <a:latin typeface="Monaco"/>
-              <a:cs typeface="Monaco"/>
-            </a:endParaRPr>
-          </a:p>
-          <a:p>
-            <a:r>
-              <a:rPr lang="en-US" dirty="0">
-                <a:latin typeface="Monaco"/>
-                <a:cs typeface="Monaco"/>
-              </a:rPr>
-              <a:t># file_lines is a </a:t>
-            </a:r>
-            <a:r>
-              <a:rPr lang="en-US" dirty="0" smtClean="0">
-                <a:latin typeface="Monaco"/>
-                <a:cs typeface="Monaco"/>
-              </a:rPr>
-              <a:t>list</a:t>
-            </a:r>
-          </a:p>
-          <a:p>
-            <a:r>
-              <a:rPr lang="en-US" dirty="0" smtClean="0">
-                <a:latin typeface="Monaco"/>
-                <a:cs typeface="Monaco"/>
-              </a:rPr>
-              <a:t>print file_lines</a:t>
-            </a:r>
-          </a:p>
-          <a:p>
-            <a:r>
-              <a:rPr lang="en-US" dirty="0">
-                <a:solidFill>
-                  <a:schemeClr val="bg1">
-                    <a:lumMod val="65000"/>
-                  </a:schemeClr>
-                </a:solidFill>
-                <a:latin typeface="Monaco"/>
-                <a:cs typeface="Monaco"/>
-              </a:rPr>
-              <a:t>	</a:t>
-            </a:r>
-            <a:r>
-              <a:rPr lang="en-US" dirty="0" smtClean="0">
-                <a:solidFill>
-                  <a:schemeClr val="bg1">
-                    <a:lumMod val="65000"/>
-                  </a:schemeClr>
-                </a:solidFill>
-                <a:latin typeface="Monaco"/>
-                <a:cs typeface="Monaco"/>
-              </a:rPr>
-              <a:t>["Line 1 of file.\n", "Line 2 of file.\n", "Line 3 of 	file.\n", ...]</a:t>
-            </a:r>
-          </a:p>
-          <a:p>
-            <a:endParaRPr lang="en-US" dirty="0">
-              <a:solidFill>
-                <a:schemeClr val="bg1">
-                  <a:lumMod val="65000"/>
-                </a:schemeClr>
-              </a:solidFill>
-              <a:latin typeface="Monaco"/>
-              <a:cs typeface="Monaco"/>
-            </a:endParaRPr>
-          </a:p>
-          <a:p>
-            <a:r>
-              <a:rPr lang="en-US" dirty="0" smtClean="0">
-                <a:latin typeface="Monaco"/>
-                <a:cs typeface="Monaco"/>
-              </a:rPr>
-              <a:t>for line in file_lines:</a:t>
-            </a:r>
-          </a:p>
-          <a:p>
-            <a:r>
-              <a:rPr lang="en-US" dirty="0">
-                <a:latin typeface="Monaco"/>
-                <a:cs typeface="Monaco"/>
-              </a:rPr>
-              <a:t>	</a:t>
-            </a:r>
-            <a:r>
-              <a:rPr lang="en-US" dirty="0" smtClean="0">
-                <a:latin typeface="Monaco"/>
-                <a:cs typeface="Monaco"/>
-              </a:rPr>
-              <a:t>print line</a:t>
-            </a:r>
-            <a:endParaRPr lang="en-US" dirty="0">
-              <a:latin typeface="Monaco"/>
-              <a:cs typeface="Monaco"/>
-            </a:endParaRPr>
-          </a:p>
-          <a:p>
-            <a:endParaRPr lang="en-US" dirty="0" smtClean="0">
-              <a:latin typeface="Monaco"/>
-              <a:cs typeface="Monaco"/>
-            </a:endParaRPr>
-          </a:p>
-          <a:p>
-            <a:r>
-              <a:rPr lang="en-US" dirty="0" smtClean="0">
-                <a:solidFill>
-                  <a:srgbClr val="A6A6A6"/>
-                </a:solidFill>
-                <a:latin typeface="Monaco"/>
-                <a:cs typeface="Monaco"/>
-              </a:rPr>
-              <a:t>	Line </a:t>
-            </a:r>
-            <a:r>
-              <a:rPr lang="en-US" dirty="0">
-                <a:solidFill>
-                  <a:srgbClr val="A6A6A6"/>
-                </a:solidFill>
-                <a:latin typeface="Monaco"/>
-                <a:cs typeface="Monaco"/>
-              </a:rPr>
-              <a:t>1 of file.</a:t>
-            </a:r>
-          </a:p>
-          <a:p>
-            <a:r>
-              <a:rPr lang="en-US" dirty="0">
-                <a:solidFill>
-                  <a:srgbClr val="A6A6A6"/>
-                </a:solidFill>
-                <a:latin typeface="Monaco"/>
-                <a:cs typeface="Monaco"/>
-              </a:rPr>
-              <a:t>	Line 2 of file.</a:t>
-            </a:r>
-          </a:p>
-          <a:p>
-            <a:r>
-              <a:rPr lang="en-US" dirty="0">
-                <a:solidFill>
-                  <a:srgbClr val="A6A6A6"/>
-                </a:solidFill>
-                <a:latin typeface="Monaco"/>
-                <a:cs typeface="Monaco"/>
-              </a:rPr>
-              <a:t>	Line 3 of file.</a:t>
-            </a:r>
-          </a:p>
-          <a:p>
-            <a:r>
-              <a:rPr lang="en-US" dirty="0">
-                <a:solidFill>
-                  <a:srgbClr val="A6A6A6"/>
-                </a:solidFill>
-                <a:latin typeface="Monaco"/>
-                <a:cs typeface="Monaco"/>
-              </a:rPr>
-              <a:t>	...</a:t>
-            </a:r>
-          </a:p>
-          <a:p>
-            <a:endParaRPr lang="en-US" dirty="0" smtClean="0">
-              <a:latin typeface="Monaco"/>
-              <a:cs typeface="Monaco"/>
-            </a:endParaRPr>
-          </a:p>
-        </p:txBody>
-      </p:sp>
-    </p:spTree>
-    <p:extLst>
-      <p:ext uri="{BB962C8B-B14F-4D97-AF65-F5344CB8AC3E}">
-        <p14:creationId xmlns:p14="http://schemas.microsoft.com/office/powerpoint/2010/main" val="224946888"/>
-      </p:ext>
-    </p:extLst>
-  </p:cSld>
-  <p:clrMapOvr>
-    <a:masterClrMapping/>
-  </p:clrMapOvr>
-</p:sld>
-</file>
-
-<file path=ppt/slides/slide41.xml><?xml version="1.0" encoding="utf-8"?>
-<p:sld xmlns:a="http://schemas.openxmlformats.org/drawingml/2006/main" xmlns:r="http://schemas.openxmlformats.org/officeDocument/2006/relationships" xmlns:p="http://schemas.openxmlformats.org/presentationml/2006/main">
-  <p:cSld>
-    <p:spTree>
-      <p:nvGrpSpPr>
-        <p:cNvPr id="1" name=""/>
-        <p:cNvGrpSpPr/>
-        <p:nvPr/>
-      </p:nvGrpSpPr>
-      <p:grpSpPr>
-        <a:xfrm>
-          <a:off x="0" y="0"/>
-          <a:ext cx="0" cy="0"/>
-          <a:chOff x="0" y="0"/>
-          <a:chExt cx="0" cy="0"/>
-        </a:xfrm>
-      </p:grpSpPr>
-      <p:sp>
-        <p:nvSpPr>
-          <p:cNvPr id="2" name="Title 1"/>
-          <p:cNvSpPr>
-            <a:spLocks noGrp="1"/>
-          </p:cNvSpPr>
-          <p:nvPr>
-            <p:ph type="title"/>
-          </p:nvPr>
-        </p:nvSpPr>
-        <p:spPr/>
-        <p:txBody>
-          <a:bodyPr/>
-          <a:lstStyle/>
-          <a:p>
-            <a:r>
-              <a:rPr lang="en-US" dirty="0" smtClean="0"/>
-              <a:t>opening files for writing</a:t>
-            </a:r>
-            <a:endParaRPr lang="en-US" dirty="0"/>
-          </a:p>
-        </p:txBody>
-      </p:sp>
-      <p:sp>
-        <p:nvSpPr>
-          <p:cNvPr id="4" name="TextBox 3"/>
-          <p:cNvSpPr txBox="1"/>
-          <p:nvPr/>
-        </p:nvSpPr>
-        <p:spPr>
-          <a:xfrm>
-            <a:off x="457199" y="1727554"/>
-            <a:ext cx="8338444" cy="3693319"/>
-          </a:xfrm>
-          <a:prstGeom prst="rect">
-            <a:avLst/>
-          </a:prstGeom>
-          <a:noFill/>
-        </p:spPr>
-        <p:txBody>
-          <a:bodyPr wrap="square" rtlCol="0">
-            <a:spAutoFit/>
-          </a:bodyPr>
-          <a:lstStyle/>
-          <a:p>
-            <a:r>
-              <a:rPr lang="en-US" dirty="0" smtClean="0">
-                <a:latin typeface="Monaco"/>
-                <a:cs typeface="Monaco"/>
-              </a:rPr>
-              <a:t># Name of file to open</a:t>
-            </a:r>
-          </a:p>
-          <a:p>
-            <a:r>
-              <a:rPr lang="en-US" dirty="0" smtClean="0">
-                <a:latin typeface="Monaco"/>
-                <a:cs typeface="Monaco"/>
-              </a:rPr>
-              <a:t>filename = "my_file_to_write_to.txt"</a:t>
-            </a:r>
-          </a:p>
-          <a:p>
-            <a:endParaRPr lang="en-US" dirty="0">
-              <a:latin typeface="Monaco"/>
-              <a:cs typeface="Monaco"/>
-            </a:endParaRPr>
-          </a:p>
-          <a:p>
-            <a:r>
-              <a:rPr lang="en-US" dirty="0" smtClean="0">
-                <a:latin typeface="Monaco"/>
-                <a:cs typeface="Monaco"/>
-              </a:rPr>
-              <a:t># Define handle with the </a:t>
-            </a:r>
-            <a:r>
-              <a:rPr lang="en-US" i="1" dirty="0" smtClean="0">
-                <a:latin typeface="Monaco"/>
-                <a:cs typeface="Monaco"/>
-              </a:rPr>
-              <a:t>.open() </a:t>
-            </a:r>
-            <a:r>
-              <a:rPr lang="en-US" dirty="0" smtClean="0">
-                <a:latin typeface="Monaco"/>
-                <a:cs typeface="Monaco"/>
-              </a:rPr>
-              <a:t>function</a:t>
-            </a:r>
-          </a:p>
-          <a:p>
-            <a:r>
-              <a:rPr lang="en-US" dirty="0" smtClean="0">
-                <a:latin typeface="Monaco"/>
-                <a:cs typeface="Monaco"/>
-              </a:rPr>
-              <a:t>file_handle = </a:t>
-            </a:r>
-            <a:r>
-              <a:rPr lang="en-US" dirty="0" smtClean="0">
-                <a:solidFill>
-                  <a:srgbClr val="DC5924"/>
-                </a:solidFill>
-                <a:latin typeface="Monaco"/>
-                <a:cs typeface="Monaco"/>
-              </a:rPr>
-              <a:t>open</a:t>
-            </a:r>
-            <a:r>
-              <a:rPr lang="en-US" dirty="0" smtClean="0">
-                <a:latin typeface="Monaco"/>
-                <a:cs typeface="Monaco"/>
-              </a:rPr>
-              <a:t>(filename, </a:t>
-            </a:r>
-            <a:r>
-              <a:rPr lang="en-US" dirty="0" smtClean="0">
-                <a:solidFill>
-                  <a:srgbClr val="DC5924"/>
-                </a:solidFill>
-                <a:latin typeface="Monaco"/>
-                <a:cs typeface="Monaco"/>
-              </a:rPr>
-              <a:t>"w"</a:t>
-            </a:r>
-            <a:r>
-              <a:rPr lang="en-US" dirty="0" smtClean="0">
-                <a:latin typeface="Monaco"/>
-                <a:cs typeface="Monaco"/>
-              </a:rPr>
-              <a:t>)  # note the mode!</a:t>
-            </a:r>
-          </a:p>
-          <a:p>
-            <a:endParaRPr lang="en-US" dirty="0">
-              <a:latin typeface="Monaco"/>
-              <a:cs typeface="Monaco"/>
-            </a:endParaRPr>
-          </a:p>
-          <a:p>
-            <a:r>
-              <a:rPr lang="en-US" dirty="0" smtClean="0">
-                <a:latin typeface="Monaco"/>
-                <a:cs typeface="Monaco"/>
-              </a:rPr>
-              <a:t># Write to the file with the </a:t>
-            </a:r>
-            <a:r>
-              <a:rPr lang="en-US" i="1" dirty="0" smtClean="0">
-                <a:latin typeface="Monaco"/>
-                <a:cs typeface="Monaco"/>
-              </a:rPr>
-              <a:t>.write()</a:t>
-            </a:r>
-            <a:r>
-              <a:rPr lang="en-US" dirty="0">
-                <a:latin typeface="Monaco"/>
-                <a:cs typeface="Monaco"/>
-              </a:rPr>
-              <a:t> </a:t>
-            </a:r>
-            <a:r>
-              <a:rPr lang="en-US" dirty="0" smtClean="0">
-                <a:latin typeface="Monaco"/>
-                <a:cs typeface="Monaco"/>
-              </a:rPr>
-              <a:t>method</a:t>
-            </a:r>
-          </a:p>
-          <a:p>
-            <a:r>
-              <a:rPr lang="en-US" dirty="0" smtClean="0">
-                <a:latin typeface="Monaco"/>
-                <a:cs typeface="Monaco"/>
-              </a:rPr>
-              <a:t>file_handle</a:t>
-            </a:r>
-            <a:r>
-              <a:rPr lang="en-US" dirty="0" smtClean="0">
-                <a:solidFill>
-                  <a:schemeClr val="accent5"/>
-                </a:solidFill>
-                <a:latin typeface="Monaco"/>
-                <a:cs typeface="Monaco"/>
-              </a:rPr>
-              <a:t>.write(</a:t>
-            </a:r>
-            <a:r>
-              <a:rPr lang="en-US" dirty="0" smtClean="0">
-                <a:latin typeface="Monaco"/>
-                <a:cs typeface="Monaco"/>
-              </a:rPr>
-              <a:t>"Line 1 of the file.\n"</a:t>
-            </a:r>
-            <a:r>
-              <a:rPr lang="en-US" dirty="0" smtClean="0">
-                <a:solidFill>
-                  <a:schemeClr val="accent5"/>
-                </a:solidFill>
-                <a:latin typeface="Monaco"/>
-                <a:cs typeface="Monaco"/>
-              </a:rPr>
-              <a:t>)</a:t>
-            </a:r>
-          </a:p>
-          <a:p>
-            <a:r>
-              <a:rPr lang="en-US" dirty="0">
-                <a:latin typeface="Monaco"/>
-                <a:cs typeface="Monaco"/>
-              </a:rPr>
-              <a:t>file_handle</a:t>
-            </a:r>
-            <a:r>
-              <a:rPr lang="en-US" dirty="0">
-                <a:solidFill>
-                  <a:schemeClr val="accent5"/>
-                </a:solidFill>
-                <a:latin typeface="Monaco"/>
-                <a:cs typeface="Monaco"/>
-              </a:rPr>
-              <a:t>.write(</a:t>
-            </a:r>
-            <a:r>
-              <a:rPr lang="en-US" dirty="0">
-                <a:latin typeface="Monaco"/>
-                <a:cs typeface="Monaco"/>
-              </a:rPr>
-              <a:t>"Line </a:t>
-            </a:r>
-            <a:r>
-              <a:rPr lang="en-US" dirty="0" smtClean="0">
-                <a:latin typeface="Monaco"/>
-                <a:cs typeface="Monaco"/>
-              </a:rPr>
-              <a:t>2 </a:t>
-            </a:r>
-            <a:r>
-              <a:rPr lang="en-US" dirty="0">
-                <a:latin typeface="Monaco"/>
-                <a:cs typeface="Monaco"/>
-              </a:rPr>
-              <a:t>of the file.\n"</a:t>
-            </a:r>
-            <a:r>
-              <a:rPr lang="en-US" dirty="0">
-                <a:solidFill>
-                  <a:schemeClr val="accent5"/>
-                </a:solidFill>
-                <a:latin typeface="Monaco"/>
-                <a:cs typeface="Monaco"/>
-              </a:rPr>
-              <a:t>)</a:t>
-            </a:r>
-          </a:p>
-          <a:p>
-            <a:endParaRPr lang="en-US" dirty="0">
-              <a:latin typeface="Monaco"/>
-              <a:cs typeface="Monaco"/>
-            </a:endParaRPr>
-          </a:p>
-          <a:p>
-            <a:r>
-              <a:rPr lang="en-US" dirty="0" smtClean="0">
-                <a:latin typeface="Monaco"/>
-                <a:cs typeface="Monaco"/>
-              </a:rPr>
-              <a:t># Close the file when done with the </a:t>
-            </a:r>
-            <a:r>
-              <a:rPr lang="en-US" i="1" dirty="0" smtClean="0">
-                <a:latin typeface="Monaco"/>
-                <a:cs typeface="Monaco"/>
-              </a:rPr>
-              <a:t>.close()</a:t>
-            </a:r>
-            <a:r>
-              <a:rPr lang="en-US" dirty="0" smtClean="0">
-                <a:latin typeface="Monaco"/>
-                <a:cs typeface="Monaco"/>
-              </a:rPr>
-              <a:t> method (!!!)</a:t>
-            </a:r>
-          </a:p>
-          <a:p>
-            <a:r>
-              <a:rPr lang="en-US" dirty="0" smtClean="0">
-                <a:latin typeface="Monaco"/>
-                <a:cs typeface="Monaco"/>
-              </a:rPr>
-              <a:t>file_handle</a:t>
-            </a:r>
-            <a:r>
-              <a:rPr lang="en-US" dirty="0" smtClean="0">
-                <a:solidFill>
-                  <a:srgbClr val="DC5924"/>
-                </a:solidFill>
-                <a:latin typeface="Monaco"/>
-                <a:cs typeface="Monaco"/>
-              </a:rPr>
-              <a:t>.close()</a:t>
-            </a:r>
-          </a:p>
-          <a:p>
-            <a:endParaRPr lang="en-US" dirty="0" smtClean="0">
-              <a:latin typeface="Monaco"/>
-              <a:cs typeface="Monaco"/>
-            </a:endParaRPr>
-          </a:p>
-        </p:txBody>
-      </p:sp>
-    </p:spTree>
-    <p:extLst>
-      <p:ext uri="{BB962C8B-B14F-4D97-AF65-F5344CB8AC3E}">
-        <p14:creationId xmlns:p14="http://schemas.microsoft.com/office/powerpoint/2010/main" val="3188144275"/>
-      </p:ext>
-    </p:extLst>
-  </p:cSld>
-  <p:clrMapOvr>
-    <a:masterClrMapping/>
-  </p:clrMapOvr>
-</p:sld>
-</file>
-
-<file path=ppt/slides/slide42.xml><?xml version="1.0" encoding="utf-8"?>
-<p:sld xmlns:a="http://schemas.openxmlformats.org/drawingml/2006/main" xmlns:r="http://schemas.openxmlformats.org/officeDocument/2006/relationships" xmlns:p="http://schemas.openxmlformats.org/presentationml/2006/main">
-  <p:cSld>
-    <p:spTree>
-      <p:nvGrpSpPr>
-        <p:cNvPr id="1" name=""/>
-        <p:cNvGrpSpPr/>
-        <p:nvPr/>
-      </p:nvGrpSpPr>
-      <p:grpSpPr>
-        <a:xfrm>
-          <a:off x="0" y="0"/>
-          <a:ext cx="0" cy="0"/>
-          <a:chOff x="0" y="0"/>
-          <a:chExt cx="0" cy="0"/>
-        </a:xfrm>
-      </p:grpSpPr>
-      <p:sp>
-        <p:nvSpPr>
-          <p:cNvPr id="2" name="Title 1"/>
-          <p:cNvSpPr>
-            <a:spLocks noGrp="1"/>
-          </p:cNvSpPr>
-          <p:nvPr>
-            <p:ph type="title"/>
-          </p:nvPr>
-        </p:nvSpPr>
-        <p:spPr/>
-        <p:txBody>
-          <a:bodyPr/>
-          <a:lstStyle/>
-          <a:p>
-            <a:r>
-              <a:rPr lang="en-US" dirty="0" smtClean="0"/>
-              <a:t>opening files for writing</a:t>
-            </a:r>
-            <a:endParaRPr lang="en-US" dirty="0"/>
-          </a:p>
-        </p:txBody>
-      </p:sp>
-      <p:sp>
-        <p:nvSpPr>
-          <p:cNvPr id="4" name="TextBox 3"/>
-          <p:cNvSpPr txBox="1"/>
-          <p:nvPr/>
-        </p:nvSpPr>
-        <p:spPr>
-          <a:xfrm>
-            <a:off x="457199" y="1727554"/>
-            <a:ext cx="8338444" cy="3693319"/>
-          </a:xfrm>
-          <a:prstGeom prst="rect">
-            <a:avLst/>
-          </a:prstGeom>
-          <a:noFill/>
-        </p:spPr>
-        <p:txBody>
-          <a:bodyPr wrap="square" rtlCol="0">
-            <a:spAutoFit/>
-          </a:bodyPr>
-          <a:lstStyle/>
-          <a:p>
-            <a:r>
-              <a:rPr lang="en-US" dirty="0" smtClean="0">
-                <a:latin typeface="Monaco"/>
-                <a:cs typeface="Monaco"/>
-              </a:rPr>
-              <a:t># Name of file to open</a:t>
-            </a:r>
-          </a:p>
-          <a:p>
-            <a:r>
-              <a:rPr lang="en-US" dirty="0" smtClean="0">
-                <a:latin typeface="Monaco"/>
-                <a:cs typeface="Monaco"/>
-              </a:rPr>
-              <a:t>filename = "my_file_to_write_to.txt"</a:t>
-            </a:r>
-          </a:p>
-          <a:p>
-            <a:endParaRPr lang="en-US" dirty="0">
-              <a:latin typeface="Monaco"/>
-              <a:cs typeface="Monaco"/>
-            </a:endParaRPr>
-          </a:p>
-          <a:p>
-            <a:r>
-              <a:rPr lang="en-US" dirty="0" smtClean="0">
-                <a:latin typeface="Monaco"/>
-                <a:cs typeface="Monaco"/>
-              </a:rPr>
-              <a:t># Define handle with the </a:t>
-            </a:r>
-            <a:r>
-              <a:rPr lang="en-US" i="1" dirty="0" smtClean="0">
-                <a:latin typeface="Monaco"/>
-                <a:cs typeface="Monaco"/>
-              </a:rPr>
-              <a:t>.open() </a:t>
-            </a:r>
-            <a:r>
-              <a:rPr lang="en-US" dirty="0" smtClean="0">
-                <a:latin typeface="Monaco"/>
-                <a:cs typeface="Monaco"/>
-              </a:rPr>
-              <a:t>function</a:t>
-            </a:r>
-          </a:p>
-          <a:p>
-            <a:r>
-              <a:rPr lang="en-US" dirty="0" smtClean="0">
-                <a:latin typeface="Monaco"/>
-                <a:cs typeface="Monaco"/>
-              </a:rPr>
-              <a:t>file_handle = </a:t>
-            </a:r>
-            <a:r>
-              <a:rPr lang="en-US" dirty="0" smtClean="0">
-                <a:solidFill>
-                  <a:srgbClr val="DC5924"/>
-                </a:solidFill>
-                <a:latin typeface="Monaco"/>
-                <a:cs typeface="Monaco"/>
-              </a:rPr>
-              <a:t>open</a:t>
-            </a:r>
-            <a:r>
-              <a:rPr lang="en-US" dirty="0" smtClean="0">
-                <a:latin typeface="Monaco"/>
-                <a:cs typeface="Monaco"/>
-              </a:rPr>
-              <a:t>(filename, </a:t>
-            </a:r>
-            <a:r>
-              <a:rPr lang="en-US" dirty="0" smtClean="0">
-                <a:solidFill>
-                  <a:srgbClr val="DC5924"/>
-                </a:solidFill>
-                <a:latin typeface="Monaco"/>
-                <a:cs typeface="Monaco"/>
-              </a:rPr>
-              <a:t>"w"</a:t>
-            </a:r>
-            <a:r>
-              <a:rPr lang="en-US" dirty="0" smtClean="0">
-                <a:latin typeface="Monaco"/>
-                <a:cs typeface="Monaco"/>
-              </a:rPr>
-              <a:t>)  # note the mode!</a:t>
-            </a:r>
-          </a:p>
-          <a:p>
-            <a:endParaRPr lang="en-US" dirty="0">
-              <a:latin typeface="Monaco"/>
-              <a:cs typeface="Monaco"/>
-            </a:endParaRPr>
-          </a:p>
-          <a:p>
-            <a:r>
-              <a:rPr lang="en-US" dirty="0" smtClean="0">
-                <a:latin typeface="Monaco"/>
-                <a:cs typeface="Monaco"/>
-              </a:rPr>
-              <a:t># Write to the file with the </a:t>
-            </a:r>
-            <a:r>
-              <a:rPr lang="en-US" i="1" dirty="0" smtClean="0">
-                <a:latin typeface="Monaco"/>
-                <a:cs typeface="Monaco"/>
-              </a:rPr>
-              <a:t>.write()</a:t>
-            </a:r>
-            <a:r>
-              <a:rPr lang="en-US" dirty="0">
-                <a:latin typeface="Monaco"/>
-                <a:cs typeface="Monaco"/>
-              </a:rPr>
-              <a:t> </a:t>
-            </a:r>
-            <a:r>
-              <a:rPr lang="en-US" dirty="0" smtClean="0">
-                <a:latin typeface="Monaco"/>
-                <a:cs typeface="Monaco"/>
-              </a:rPr>
-              <a:t>method</a:t>
-            </a:r>
-          </a:p>
-          <a:p>
-            <a:r>
-              <a:rPr lang="en-US" dirty="0" smtClean="0">
-                <a:latin typeface="Monaco"/>
-                <a:cs typeface="Monaco"/>
-              </a:rPr>
-              <a:t>file_handle</a:t>
-            </a:r>
-            <a:r>
-              <a:rPr lang="en-US" dirty="0" smtClean="0">
-                <a:solidFill>
-                  <a:schemeClr val="accent5"/>
-                </a:solidFill>
-                <a:latin typeface="Monaco"/>
-                <a:cs typeface="Monaco"/>
-              </a:rPr>
-              <a:t>.write(</a:t>
-            </a:r>
-            <a:r>
-              <a:rPr lang="en-US" dirty="0" smtClean="0">
-                <a:latin typeface="Monaco"/>
-                <a:cs typeface="Monaco"/>
-              </a:rPr>
-              <a:t>"Line 1 of the file.\n"</a:t>
-            </a:r>
-            <a:r>
-              <a:rPr lang="en-US" dirty="0" smtClean="0">
-                <a:solidFill>
-                  <a:schemeClr val="accent5"/>
-                </a:solidFill>
-                <a:latin typeface="Monaco"/>
-                <a:cs typeface="Monaco"/>
-              </a:rPr>
-              <a:t>)</a:t>
-            </a:r>
-          </a:p>
-          <a:p>
-            <a:r>
-              <a:rPr lang="en-US" dirty="0">
-                <a:latin typeface="Monaco"/>
-                <a:cs typeface="Monaco"/>
-              </a:rPr>
-              <a:t>file_handle</a:t>
-            </a:r>
-            <a:r>
-              <a:rPr lang="en-US" dirty="0">
-                <a:solidFill>
-                  <a:schemeClr val="accent5"/>
-                </a:solidFill>
-                <a:latin typeface="Monaco"/>
-                <a:cs typeface="Monaco"/>
-              </a:rPr>
-              <a:t>.write(</a:t>
-            </a:r>
-            <a:r>
-              <a:rPr lang="en-US" dirty="0">
-                <a:latin typeface="Monaco"/>
-                <a:cs typeface="Monaco"/>
-              </a:rPr>
-              <a:t>"Line </a:t>
-            </a:r>
-            <a:r>
-              <a:rPr lang="en-US" dirty="0" smtClean="0">
-                <a:latin typeface="Monaco"/>
-                <a:cs typeface="Monaco"/>
-              </a:rPr>
-              <a:t>2 </a:t>
-            </a:r>
-            <a:r>
-              <a:rPr lang="en-US" dirty="0">
-                <a:latin typeface="Monaco"/>
-                <a:cs typeface="Monaco"/>
-              </a:rPr>
-              <a:t>of the file.\n"</a:t>
-            </a:r>
-            <a:r>
-              <a:rPr lang="en-US" dirty="0">
-                <a:solidFill>
-                  <a:schemeClr val="accent5"/>
-                </a:solidFill>
-                <a:latin typeface="Monaco"/>
-                <a:cs typeface="Monaco"/>
-              </a:rPr>
-              <a:t>)</a:t>
-            </a:r>
-          </a:p>
-          <a:p>
-            <a:endParaRPr lang="en-US" dirty="0">
-              <a:latin typeface="Monaco"/>
-              <a:cs typeface="Monaco"/>
-            </a:endParaRPr>
-          </a:p>
-          <a:p>
-            <a:r>
-              <a:rPr lang="en-US" dirty="0" smtClean="0">
-                <a:latin typeface="Monaco"/>
-                <a:cs typeface="Monaco"/>
-              </a:rPr>
-              <a:t># Close the file when done with the </a:t>
-            </a:r>
-            <a:r>
-              <a:rPr lang="en-US" i="1" dirty="0" smtClean="0">
-                <a:latin typeface="Monaco"/>
-                <a:cs typeface="Monaco"/>
-              </a:rPr>
-              <a:t>.close()</a:t>
-            </a:r>
-            <a:r>
-              <a:rPr lang="en-US" dirty="0" smtClean="0">
-                <a:latin typeface="Monaco"/>
-                <a:cs typeface="Monaco"/>
-              </a:rPr>
-              <a:t> method (!!!)</a:t>
-            </a:r>
-          </a:p>
-          <a:p>
-            <a:r>
-              <a:rPr lang="en-US" dirty="0" smtClean="0">
-                <a:latin typeface="Monaco"/>
-                <a:cs typeface="Monaco"/>
-              </a:rPr>
-              <a:t>file_handle</a:t>
-            </a:r>
-            <a:r>
-              <a:rPr lang="en-US" dirty="0" smtClean="0">
-                <a:solidFill>
-                  <a:srgbClr val="DC5924"/>
-                </a:solidFill>
-                <a:latin typeface="Monaco"/>
-                <a:cs typeface="Monaco"/>
-              </a:rPr>
-              <a:t>.close()</a:t>
-            </a:r>
-          </a:p>
-          <a:p>
-            <a:endParaRPr lang="en-US" dirty="0" smtClean="0">
-              <a:latin typeface="Monaco"/>
-              <a:cs typeface="Monaco"/>
-            </a:endParaRPr>
-          </a:p>
-        </p:txBody>
-      </p:sp>
-      <p:sp>
-        <p:nvSpPr>
-          <p:cNvPr id="5" name="TextBox 4"/>
-          <p:cNvSpPr txBox="1"/>
-          <p:nvPr/>
-        </p:nvSpPr>
-        <p:spPr>
-          <a:xfrm>
-            <a:off x="1002201" y="5745948"/>
-            <a:ext cx="7309152" cy="400110"/>
-          </a:xfrm>
-          <a:prstGeom prst="rect">
-            <a:avLst/>
-          </a:prstGeom>
-          <a:noFill/>
-        </p:spPr>
-        <p:txBody>
-          <a:bodyPr wrap="square" rtlCol="0">
-            <a:spAutoFit/>
-          </a:bodyPr>
-          <a:lstStyle/>
-          <a:p>
-            <a:r>
-              <a:rPr lang="en-US" sz="2000" dirty="0" smtClean="0">
-                <a:solidFill>
-                  <a:srgbClr val="DC5924"/>
-                </a:solidFill>
-              </a:rPr>
-              <a:t>CAUTION: writing to file </a:t>
-            </a:r>
-            <a:r>
-              <a:rPr lang="en-US" sz="2000" b="1" dirty="0" smtClean="0">
-                <a:solidFill>
-                  <a:srgbClr val="DC5924"/>
-                </a:solidFill>
-              </a:rPr>
-              <a:t>overwrites</a:t>
-            </a:r>
-            <a:r>
-              <a:rPr lang="en-US" sz="2000" i="1" dirty="0" smtClean="0">
-                <a:solidFill>
-                  <a:srgbClr val="DC5924"/>
-                </a:solidFill>
-              </a:rPr>
-              <a:t> </a:t>
-            </a:r>
-            <a:r>
-              <a:rPr lang="en-US" sz="2000" dirty="0" smtClean="0">
-                <a:solidFill>
-                  <a:srgbClr val="DC5924"/>
-                </a:solidFill>
-              </a:rPr>
-              <a:t>the file, if it exists already.</a:t>
-            </a:r>
-            <a:endParaRPr lang="en-US" sz="2000" dirty="0">
-              <a:solidFill>
-                <a:srgbClr val="DC5924"/>
-              </a:solidFill>
-            </a:endParaRPr>
-          </a:p>
-        </p:txBody>
-      </p:sp>
-    </p:spTree>
-    <p:extLst>
-      <p:ext uri="{BB962C8B-B14F-4D97-AF65-F5344CB8AC3E}">
-        <p14:creationId xmlns:p14="http://schemas.microsoft.com/office/powerpoint/2010/main" val="1100124502"/>
-      </p:ext>
-    </p:extLst>
-  </p:cSld>
-  <p:clrMapOvr>
-    <a:masterClrMapping/>
-  </p:clrMapOvr>
-</p:sld>
-</file>
-
-<file path=ppt/slides/slide43.xml><?xml version="1.0" encoding="utf-8"?>
-<p:sld xmlns:a="http://schemas.openxmlformats.org/drawingml/2006/main" xmlns:r="http://schemas.openxmlformats.org/officeDocument/2006/relationships" xmlns:p="http://schemas.openxmlformats.org/presentationml/2006/main">
-  <p:cSld>
-    <p:spTree>
-      <p:nvGrpSpPr>
-        <p:cNvPr id="1" name=""/>
-        <p:cNvGrpSpPr/>
-        <p:nvPr/>
-      </p:nvGrpSpPr>
-      <p:grpSpPr>
-        <a:xfrm>
-          <a:off x="0" y="0"/>
-          <a:ext cx="0" cy="0"/>
-          <a:chOff x="0" y="0"/>
-          <a:chExt cx="0" cy="0"/>
-        </a:xfrm>
-      </p:grpSpPr>
-      <p:sp>
-        <p:nvSpPr>
-          <p:cNvPr id="2" name="Title 1"/>
-          <p:cNvSpPr>
-            <a:spLocks noGrp="1"/>
-          </p:cNvSpPr>
-          <p:nvPr>
-            <p:ph type="title"/>
-          </p:nvPr>
-        </p:nvSpPr>
-        <p:spPr/>
-        <p:txBody>
-          <a:bodyPr/>
-          <a:lstStyle/>
-          <a:p>
-            <a:r>
-              <a:rPr lang="en-US" dirty="0" smtClean="0"/>
-              <a:t>Add to an existing file with append-mode</a:t>
-            </a:r>
-            <a:endParaRPr lang="en-US" dirty="0"/>
-          </a:p>
-        </p:txBody>
-      </p:sp>
-      <p:sp>
-        <p:nvSpPr>
-          <p:cNvPr id="5" name="TextBox 4"/>
-          <p:cNvSpPr txBox="1"/>
-          <p:nvPr/>
-        </p:nvSpPr>
-        <p:spPr>
-          <a:xfrm>
-            <a:off x="457199" y="1727554"/>
-            <a:ext cx="8338444" cy="3139321"/>
-          </a:xfrm>
-          <a:prstGeom prst="rect">
-            <a:avLst/>
-          </a:prstGeom>
-          <a:noFill/>
-        </p:spPr>
-        <p:txBody>
-          <a:bodyPr wrap="square" rtlCol="0">
-            <a:spAutoFit/>
-          </a:bodyPr>
-          <a:lstStyle/>
-          <a:p>
-            <a:r>
-              <a:rPr lang="en-US" dirty="0" smtClean="0">
-                <a:latin typeface="Monaco"/>
-                <a:cs typeface="Monaco"/>
-              </a:rPr>
-              <a:t>filename = "</a:t>
-            </a:r>
-            <a:r>
-              <a:rPr lang="en-US" dirty="0" err="1" smtClean="0">
-                <a:latin typeface="Monaco"/>
-                <a:cs typeface="Monaco"/>
-              </a:rPr>
-              <a:t>my_file_to_append_to.txt</a:t>
-            </a:r>
-            <a:r>
-              <a:rPr lang="en-US" dirty="0" smtClean="0">
-                <a:latin typeface="Monaco"/>
-                <a:cs typeface="Monaco"/>
-              </a:rPr>
-              <a:t>"</a:t>
-            </a:r>
-          </a:p>
-          <a:p>
-            <a:endParaRPr lang="en-US" dirty="0">
-              <a:latin typeface="Monaco"/>
-              <a:cs typeface="Monaco"/>
-            </a:endParaRPr>
-          </a:p>
-          <a:p>
-            <a:r>
-              <a:rPr lang="en-US" dirty="0" smtClean="0">
-                <a:latin typeface="Monaco"/>
-                <a:cs typeface="Monaco"/>
-              </a:rPr>
-              <a:t># Define handle with the </a:t>
-            </a:r>
-            <a:r>
-              <a:rPr lang="en-US" i="1" dirty="0" smtClean="0">
-                <a:latin typeface="Monaco"/>
-                <a:cs typeface="Monaco"/>
-              </a:rPr>
-              <a:t>.open() </a:t>
-            </a:r>
-            <a:r>
-              <a:rPr lang="en-US" dirty="0" smtClean="0">
-                <a:latin typeface="Monaco"/>
-                <a:cs typeface="Monaco"/>
-              </a:rPr>
-              <a:t>function</a:t>
-            </a:r>
-          </a:p>
-          <a:p>
-            <a:r>
-              <a:rPr lang="en-US" dirty="0" smtClean="0">
-                <a:latin typeface="Monaco"/>
-                <a:cs typeface="Monaco"/>
-              </a:rPr>
-              <a:t>file_handle = </a:t>
-            </a:r>
-            <a:r>
-              <a:rPr lang="en-US" dirty="0" smtClean="0">
-                <a:solidFill>
-                  <a:srgbClr val="DC5924"/>
-                </a:solidFill>
-                <a:latin typeface="Monaco"/>
-                <a:cs typeface="Monaco"/>
-              </a:rPr>
-              <a:t>open</a:t>
-            </a:r>
-            <a:r>
-              <a:rPr lang="en-US" dirty="0" smtClean="0">
-                <a:latin typeface="Monaco"/>
-                <a:cs typeface="Monaco"/>
-              </a:rPr>
-              <a:t>(filename, </a:t>
-            </a:r>
-            <a:r>
-              <a:rPr lang="en-US" dirty="0" smtClean="0">
-                <a:solidFill>
-                  <a:srgbClr val="DC5924"/>
-                </a:solidFill>
-                <a:latin typeface="Monaco"/>
-                <a:cs typeface="Monaco"/>
-              </a:rPr>
-              <a:t>"a"</a:t>
-            </a:r>
-            <a:r>
-              <a:rPr lang="en-US" dirty="0" smtClean="0">
-                <a:latin typeface="Monaco"/>
-                <a:cs typeface="Monaco"/>
-              </a:rPr>
-              <a:t>)  # note the mode!</a:t>
-            </a:r>
-          </a:p>
-          <a:p>
-            <a:endParaRPr lang="en-US" dirty="0">
-              <a:latin typeface="Monaco"/>
-              <a:cs typeface="Monaco"/>
-            </a:endParaRPr>
-          </a:p>
-          <a:p>
-            <a:r>
-              <a:rPr lang="en-US" dirty="0" smtClean="0">
-                <a:latin typeface="Monaco"/>
-                <a:cs typeface="Monaco"/>
-              </a:rPr>
-              <a:t># Write to the file with the </a:t>
-            </a:r>
-            <a:r>
-              <a:rPr lang="en-US" i="1" dirty="0" smtClean="0">
-                <a:latin typeface="Monaco"/>
-                <a:cs typeface="Monaco"/>
-              </a:rPr>
-              <a:t>.write()</a:t>
-            </a:r>
-            <a:r>
-              <a:rPr lang="en-US" dirty="0">
-                <a:latin typeface="Monaco"/>
-                <a:cs typeface="Monaco"/>
-              </a:rPr>
-              <a:t> </a:t>
-            </a:r>
-            <a:r>
-              <a:rPr lang="en-US" dirty="0" smtClean="0">
-                <a:latin typeface="Monaco"/>
-                <a:cs typeface="Monaco"/>
-              </a:rPr>
-              <a:t>method</a:t>
-            </a:r>
-          </a:p>
-          <a:p>
-            <a:r>
-              <a:rPr lang="en-US" dirty="0" smtClean="0">
-                <a:latin typeface="Monaco"/>
-                <a:cs typeface="Monaco"/>
-              </a:rPr>
-              <a:t>file_handle</a:t>
-            </a:r>
-            <a:r>
-              <a:rPr lang="en-US" dirty="0" smtClean="0">
-                <a:solidFill>
-                  <a:schemeClr val="accent5"/>
-                </a:solidFill>
-                <a:latin typeface="Monaco"/>
-                <a:cs typeface="Monaco"/>
-              </a:rPr>
-              <a:t>.write(</a:t>
-            </a:r>
-            <a:r>
-              <a:rPr lang="en-US" dirty="0" smtClean="0">
-                <a:latin typeface="Monaco"/>
-                <a:cs typeface="Monaco"/>
-              </a:rPr>
-              <a:t>"Adding this line to the file.\n"</a:t>
-            </a:r>
-            <a:r>
-              <a:rPr lang="en-US" dirty="0" smtClean="0">
-                <a:solidFill>
-                  <a:schemeClr val="accent5"/>
-                </a:solidFill>
-                <a:latin typeface="Monaco"/>
-                <a:cs typeface="Monaco"/>
-              </a:rPr>
-              <a:t>)</a:t>
-            </a:r>
-          </a:p>
-          <a:p>
-            <a:endParaRPr lang="en-US" dirty="0">
-              <a:latin typeface="Monaco"/>
-              <a:cs typeface="Monaco"/>
-            </a:endParaRPr>
-          </a:p>
-          <a:p>
-            <a:r>
-              <a:rPr lang="en-US" dirty="0" smtClean="0">
-                <a:latin typeface="Monaco"/>
-                <a:cs typeface="Monaco"/>
-              </a:rPr>
-              <a:t># Close the file when done with the </a:t>
-            </a:r>
-            <a:r>
-              <a:rPr lang="en-US" i="1" dirty="0" smtClean="0">
-                <a:latin typeface="Monaco"/>
-                <a:cs typeface="Monaco"/>
-              </a:rPr>
-              <a:t>.close()</a:t>
-            </a:r>
-            <a:r>
-              <a:rPr lang="en-US" dirty="0" smtClean="0">
-                <a:latin typeface="Monaco"/>
-                <a:cs typeface="Monaco"/>
-              </a:rPr>
-              <a:t> method (!!!)</a:t>
-            </a:r>
-          </a:p>
-          <a:p>
-            <a:r>
-              <a:rPr lang="en-US" dirty="0" smtClean="0">
-                <a:latin typeface="Monaco"/>
-                <a:cs typeface="Monaco"/>
-              </a:rPr>
-              <a:t>file_handle</a:t>
-            </a:r>
-            <a:r>
-              <a:rPr lang="en-US" dirty="0" smtClean="0">
-                <a:solidFill>
-                  <a:srgbClr val="DC5924"/>
-                </a:solidFill>
-                <a:latin typeface="Monaco"/>
-                <a:cs typeface="Monaco"/>
-              </a:rPr>
-              <a:t>.close()</a:t>
-            </a:r>
-          </a:p>
-          <a:p>
-            <a:endParaRPr lang="en-US" dirty="0" smtClean="0">
-              <a:latin typeface="Monaco"/>
-              <a:cs typeface="Monaco"/>
-            </a:endParaRPr>
-          </a:p>
-        </p:txBody>
-      </p:sp>
-    </p:spTree>
-    <p:extLst>
-      <p:ext uri="{BB962C8B-B14F-4D97-AF65-F5344CB8AC3E}">
-        <p14:creationId xmlns:p14="http://schemas.microsoft.com/office/powerpoint/2010/main" val="20011707"/>
-      </p:ext>
-    </p:extLst>
-  </p:cSld>
-  <p:clrMapOvr>
-    <a:masterClrMapping/>
-  </p:clrMapOvr>
-</p:sld>
-</file>
-
-<file path=ppt/slides/slide44.xml><?xml version="1.0" encoding="utf-8"?>
-<p:sld xmlns:a="http://schemas.openxmlformats.org/drawingml/2006/main" xmlns:r="http://schemas.openxmlformats.org/officeDocument/2006/relationships" xmlns:p="http://schemas.openxmlformats.org/presentationml/2006/main">
-  <p:cSld>
-    <p:spTree>
-      <p:nvGrpSpPr>
-        <p:cNvPr id="1" name=""/>
-        <p:cNvGrpSpPr/>
-        <p:nvPr/>
-      </p:nvGrpSpPr>
-      <p:grpSpPr>
-        <a:xfrm>
-          <a:off x="0" y="0"/>
-          <a:ext cx="0" cy="0"/>
-          <a:chOff x="0" y="0"/>
-          <a:chExt cx="0" cy="0"/>
-        </a:xfrm>
-      </p:grpSpPr>
-      <p:sp>
-        <p:nvSpPr>
-          <p:cNvPr id="2" name="Title 1"/>
-          <p:cNvSpPr>
-            <a:spLocks noGrp="1"/>
-          </p:cNvSpPr>
-          <p:nvPr>
-            <p:ph type="title"/>
-          </p:nvPr>
-        </p:nvSpPr>
-        <p:spPr/>
-        <p:txBody>
-          <a:bodyPr/>
-          <a:lstStyle/>
-          <a:p>
-            <a:r>
-              <a:rPr lang="en-US" dirty="0" smtClean="0"/>
-              <a:t>but </a:t>
-            </a:r>
-            <a:r>
-              <a:rPr lang="en-US" dirty="0" err="1" smtClean="0"/>
-              <a:t>stephanie</a:t>
-            </a:r>
-            <a:r>
-              <a:rPr lang="en-US" dirty="0" smtClean="0"/>
-              <a:t>, I'm really lazy!</a:t>
-            </a:r>
-            <a:endParaRPr lang="en-US" dirty="0"/>
-          </a:p>
-        </p:txBody>
-      </p:sp>
-      <p:sp>
-        <p:nvSpPr>
-          <p:cNvPr id="7" name="TextBox 6"/>
-          <p:cNvSpPr txBox="1"/>
-          <p:nvPr/>
-        </p:nvSpPr>
-        <p:spPr>
-          <a:xfrm>
-            <a:off x="457199" y="2009989"/>
-            <a:ext cx="8338444" cy="2123658"/>
-          </a:xfrm>
-          <a:prstGeom prst="rect">
-            <a:avLst/>
-          </a:prstGeom>
-          <a:noFill/>
-        </p:spPr>
-        <p:txBody>
-          <a:bodyPr wrap="square" rtlCol="0">
-            <a:spAutoFit/>
-          </a:bodyPr>
-          <a:lstStyle/>
-          <a:p>
-            <a:r>
-              <a:rPr lang="en-US" sz="2200" dirty="0" smtClean="0">
-                <a:latin typeface="Monaco"/>
-                <a:cs typeface="Monaco"/>
-              </a:rPr>
-              <a:t># Use open and close</a:t>
-            </a:r>
-            <a:endParaRPr lang="en-US" sz="2200" dirty="0">
-              <a:latin typeface="Monaco"/>
-              <a:cs typeface="Monaco"/>
-            </a:endParaRPr>
-          </a:p>
-          <a:p>
-            <a:r>
-              <a:rPr lang="en-US" sz="2200" dirty="0" smtClean="0">
-                <a:latin typeface="Monaco"/>
-                <a:cs typeface="Monaco"/>
-              </a:rPr>
-              <a:t>file_handle = open(filename, "r")</a:t>
-            </a:r>
-          </a:p>
-          <a:p>
-            <a:r>
-              <a:rPr lang="en-US" sz="2200" dirty="0" smtClean="0">
-                <a:latin typeface="Monaco"/>
-                <a:cs typeface="Monaco"/>
-              </a:rPr>
-              <a:t>file_handle.close()</a:t>
-            </a:r>
-          </a:p>
-          <a:p>
-            <a:endParaRPr lang="en-US" sz="2200" dirty="0">
-              <a:latin typeface="Monaco"/>
-              <a:cs typeface="Monaco"/>
-            </a:endParaRPr>
-          </a:p>
-          <a:p>
-            <a:endParaRPr lang="en-US" sz="2200" dirty="0" smtClean="0">
-              <a:latin typeface="Monaco"/>
-              <a:cs typeface="Monaco"/>
-            </a:endParaRPr>
-          </a:p>
-          <a:p>
-            <a:endParaRPr lang="en-US" sz="2200" dirty="0" smtClean="0">
-              <a:latin typeface="Monaco"/>
-              <a:cs typeface="Monaco"/>
-            </a:endParaRPr>
-          </a:p>
-        </p:txBody>
-      </p:sp>
-    </p:spTree>
-    <p:extLst>
-      <p:ext uri="{BB962C8B-B14F-4D97-AF65-F5344CB8AC3E}">
-        <p14:creationId xmlns:p14="http://schemas.microsoft.com/office/powerpoint/2010/main" val="4211985418"/>
-      </p:ext>
-    </p:extLst>
-  </p:cSld>
-  <p:clrMapOvr>
-    <a:masterClrMapping/>
-  </p:clrMapOvr>
-</p:sld>
-</file>
-
-<file path=ppt/slides/slide45.xml><?xml version="1.0" encoding="utf-8"?>
-<p:sld xmlns:a="http://schemas.openxmlformats.org/drawingml/2006/main" xmlns:r="http://schemas.openxmlformats.org/officeDocument/2006/relationships" xmlns:p="http://schemas.openxmlformats.org/presentationml/2006/main">
-  <p:cSld>
-    <p:spTree>
-      <p:nvGrpSpPr>
-        <p:cNvPr id="1" name=""/>
-        <p:cNvGrpSpPr/>
-        <p:nvPr/>
-      </p:nvGrpSpPr>
-      <p:grpSpPr>
-        <a:xfrm>
-          <a:off x="0" y="0"/>
-          <a:ext cx="0" cy="0"/>
-          <a:chOff x="0" y="0"/>
-          <a:chExt cx="0" cy="0"/>
-        </a:xfrm>
-      </p:grpSpPr>
-      <p:sp>
-        <p:nvSpPr>
-          <p:cNvPr id="2" name="Title 1"/>
-          <p:cNvSpPr>
-            <a:spLocks noGrp="1"/>
-          </p:cNvSpPr>
-          <p:nvPr>
-            <p:ph type="title"/>
-          </p:nvPr>
-        </p:nvSpPr>
-        <p:spPr/>
-        <p:txBody>
-          <a:bodyPr/>
-          <a:lstStyle/>
-          <a:p>
-            <a:r>
-              <a:rPr lang="en-US" dirty="0" smtClean="0"/>
-              <a:t>but </a:t>
-            </a:r>
-            <a:r>
-              <a:rPr lang="en-US" dirty="0" err="1" smtClean="0"/>
-              <a:t>stephanie</a:t>
-            </a:r>
-            <a:r>
-              <a:rPr lang="en-US" dirty="0" smtClean="0"/>
-              <a:t>, I'm really lazy!</a:t>
-            </a:r>
-            <a:endParaRPr lang="en-US" dirty="0"/>
-          </a:p>
-        </p:txBody>
-      </p:sp>
-      <p:sp>
-        <p:nvSpPr>
-          <p:cNvPr id="7" name="TextBox 6"/>
-          <p:cNvSpPr txBox="1"/>
-          <p:nvPr/>
-        </p:nvSpPr>
-        <p:spPr>
-          <a:xfrm>
-            <a:off x="457199" y="2009989"/>
-            <a:ext cx="8338444" cy="3477875"/>
-          </a:xfrm>
-          <a:prstGeom prst="rect">
-            <a:avLst/>
-          </a:prstGeom>
-          <a:noFill/>
-        </p:spPr>
-        <p:txBody>
-          <a:bodyPr wrap="square" rtlCol="0">
-            <a:spAutoFit/>
-          </a:bodyPr>
-          <a:lstStyle/>
-          <a:p>
-            <a:r>
-              <a:rPr lang="en-US" sz="2200" dirty="0" smtClean="0">
-                <a:latin typeface="Monaco"/>
-                <a:cs typeface="Monaco"/>
-              </a:rPr>
-              <a:t># Use open and close</a:t>
-            </a:r>
-            <a:endParaRPr lang="en-US" sz="2200" dirty="0">
-              <a:latin typeface="Monaco"/>
-              <a:cs typeface="Monaco"/>
-            </a:endParaRPr>
-          </a:p>
-          <a:p>
-            <a:r>
-              <a:rPr lang="en-US" sz="2200" dirty="0" smtClean="0">
-                <a:latin typeface="Monaco"/>
-                <a:cs typeface="Monaco"/>
-              </a:rPr>
-              <a:t>file_handle = open(filename, "r")</a:t>
-            </a:r>
-          </a:p>
-          <a:p>
-            <a:r>
-              <a:rPr lang="en-US" sz="2200" dirty="0" smtClean="0">
-                <a:latin typeface="Monaco"/>
-                <a:cs typeface="Monaco"/>
-              </a:rPr>
-              <a:t>file_handle.close()</a:t>
-            </a:r>
-          </a:p>
-          <a:p>
-            <a:endParaRPr lang="en-US" sz="2200" dirty="0">
-              <a:latin typeface="Monaco"/>
-              <a:cs typeface="Monaco"/>
-            </a:endParaRPr>
-          </a:p>
-          <a:p>
-            <a:endParaRPr lang="en-US" sz="2200" dirty="0" smtClean="0">
-              <a:latin typeface="Monaco"/>
-              <a:cs typeface="Monaco"/>
-            </a:endParaRPr>
-          </a:p>
-          <a:p>
-            <a:endParaRPr lang="en-US" sz="2200" dirty="0" smtClean="0">
-              <a:latin typeface="Monaco"/>
-              <a:cs typeface="Monaco"/>
-            </a:endParaRPr>
-          </a:p>
-          <a:p>
-            <a:r>
-              <a:rPr lang="en-US" sz="2200" dirty="0" smtClean="0">
-                <a:latin typeface="Monaco"/>
-                <a:cs typeface="Monaco"/>
-              </a:rPr>
-              <a:t># Use </a:t>
-            </a:r>
-            <a:r>
-              <a:rPr lang="en-US" sz="2200" i="1" dirty="0" smtClean="0">
-                <a:solidFill>
-                  <a:srgbClr val="DC5924"/>
-                </a:solidFill>
-                <a:latin typeface="Monaco"/>
-                <a:cs typeface="Monaco"/>
-              </a:rPr>
-              <a:t>with</a:t>
-            </a:r>
-            <a:r>
-              <a:rPr lang="en-US" sz="2200" i="1" dirty="0" smtClean="0">
-                <a:latin typeface="Monaco"/>
-                <a:cs typeface="Monaco"/>
-              </a:rPr>
-              <a:t> control-flow </a:t>
-            </a:r>
-            <a:r>
-              <a:rPr lang="en-US" sz="2200" dirty="0" smtClean="0">
-                <a:latin typeface="Monaco"/>
-                <a:cs typeface="Monaco"/>
-              </a:rPr>
-              <a:t>(no need for close!)</a:t>
-            </a:r>
-          </a:p>
-          <a:p>
-            <a:r>
-              <a:rPr lang="en-US" sz="2200" dirty="0" smtClean="0">
-                <a:solidFill>
-                  <a:schemeClr val="accent5"/>
-                </a:solidFill>
-                <a:latin typeface="Monaco"/>
-                <a:cs typeface="Monaco"/>
-              </a:rPr>
-              <a:t>with</a:t>
-            </a:r>
-            <a:r>
-              <a:rPr lang="en-US" sz="2200" dirty="0" smtClean="0">
-                <a:latin typeface="Monaco"/>
-                <a:cs typeface="Monaco"/>
-              </a:rPr>
-              <a:t> open(filename, "r") </a:t>
-            </a:r>
-            <a:r>
-              <a:rPr lang="en-US" sz="2200" dirty="0" smtClean="0">
-                <a:solidFill>
-                  <a:schemeClr val="accent5"/>
-                </a:solidFill>
-                <a:latin typeface="Monaco"/>
-                <a:cs typeface="Monaco"/>
-              </a:rPr>
-              <a:t>as</a:t>
-            </a:r>
-            <a:r>
-              <a:rPr lang="en-US" sz="2200" dirty="0" smtClean="0">
-                <a:latin typeface="Monaco"/>
-                <a:cs typeface="Monaco"/>
-              </a:rPr>
-              <a:t> file_handle:</a:t>
-            </a:r>
-          </a:p>
-          <a:p>
-            <a:r>
-              <a:rPr lang="en-US" sz="2200" dirty="0" smtClean="0">
-                <a:latin typeface="Monaco"/>
-                <a:cs typeface="Monaco"/>
-              </a:rPr>
-              <a:t>	# do stuff to file_handle</a:t>
-            </a:r>
-          </a:p>
-          <a:p>
-            <a:endParaRPr lang="en-US" sz="2200" dirty="0" smtClean="0">
-              <a:latin typeface="Monaco"/>
-              <a:cs typeface="Monaco"/>
-            </a:endParaRPr>
-          </a:p>
-        </p:txBody>
-      </p:sp>
-    </p:spTree>
-    <p:extLst>
-      <p:ext uri="{BB962C8B-B14F-4D97-AF65-F5344CB8AC3E}">
-        <p14:creationId xmlns:p14="http://schemas.microsoft.com/office/powerpoint/2010/main" val="352099116"/>
-      </p:ext>
-    </p:extLst>
-  </p:cSld>
-  <p:clrMapOvr>
-    <a:masterClrMapping/>
-  </p:clrMapOvr>
-</p:sld>
-</file>
-
-<file path=ppt/slides/slide46.xml><?xml version="1.0" encoding="utf-8"?>
-<p:sld xmlns:a="http://schemas.openxmlformats.org/drawingml/2006/main" xmlns:r="http://schemas.openxmlformats.org/officeDocument/2006/relationships" xmlns:p="http://schemas.openxmlformats.org/presentationml/2006/main">
-  <p:cSld>
-    <p:spTree>
-      <p:nvGrpSpPr>
-        <p:cNvPr id="1" name=""/>
-        <p:cNvGrpSpPr/>
-        <p:nvPr/>
-      </p:nvGrpSpPr>
-      <p:grpSpPr>
-        <a:xfrm>
-          <a:off x="0" y="0"/>
-          <a:ext cx="0" cy="0"/>
-          <a:chOff x="0" y="0"/>
-          <a:chExt cx="0" cy="0"/>
-        </a:xfrm>
-      </p:grpSpPr>
-      <p:sp>
-        <p:nvSpPr>
-          <p:cNvPr id="2" name="Title 1"/>
-          <p:cNvSpPr>
-            <a:spLocks noGrp="1"/>
-          </p:cNvSpPr>
-          <p:nvPr>
-            <p:ph type="title"/>
-          </p:nvPr>
-        </p:nvSpPr>
-        <p:spPr/>
-        <p:txBody>
-          <a:bodyPr/>
-          <a:lstStyle/>
-          <a:p>
-            <a:r>
-              <a:rPr lang="en-US" dirty="0" smtClean="0"/>
-              <a:t>but </a:t>
-            </a:r>
-            <a:r>
-              <a:rPr lang="en-US" dirty="0" err="1" smtClean="0"/>
-              <a:t>stephanie</a:t>
-            </a:r>
-            <a:r>
-              <a:rPr lang="en-US" dirty="0" smtClean="0"/>
-              <a:t>, I'm really lazy!</a:t>
-            </a:r>
-            <a:endParaRPr lang="en-US" dirty="0"/>
-          </a:p>
-        </p:txBody>
-      </p:sp>
-      <p:sp>
-        <p:nvSpPr>
-          <p:cNvPr id="7" name="TextBox 6"/>
-          <p:cNvSpPr txBox="1"/>
-          <p:nvPr/>
-        </p:nvSpPr>
-        <p:spPr>
-          <a:xfrm>
-            <a:off x="457199" y="2009989"/>
-            <a:ext cx="8338444" cy="3477875"/>
-          </a:xfrm>
-          <a:prstGeom prst="rect">
-            <a:avLst/>
-          </a:prstGeom>
-          <a:noFill/>
-        </p:spPr>
-        <p:txBody>
-          <a:bodyPr wrap="square" rtlCol="0">
-            <a:spAutoFit/>
-          </a:bodyPr>
-          <a:lstStyle/>
-          <a:p>
-            <a:r>
-              <a:rPr lang="en-US" sz="2200" dirty="0" smtClean="0">
-                <a:latin typeface="Monaco"/>
-                <a:cs typeface="Monaco"/>
-              </a:rPr>
-              <a:t># Use open and close</a:t>
-            </a:r>
-            <a:endParaRPr lang="en-US" sz="2200" dirty="0">
-              <a:latin typeface="Monaco"/>
-              <a:cs typeface="Monaco"/>
-            </a:endParaRPr>
-          </a:p>
-          <a:p>
-            <a:r>
-              <a:rPr lang="en-US" sz="2200" dirty="0" smtClean="0">
-                <a:latin typeface="Monaco"/>
-                <a:cs typeface="Monaco"/>
-              </a:rPr>
-              <a:t>file_handle = open(filename, "r")</a:t>
-            </a:r>
-          </a:p>
-          <a:p>
-            <a:r>
-              <a:rPr lang="en-US" sz="2200" dirty="0" smtClean="0">
-                <a:latin typeface="Monaco"/>
-                <a:cs typeface="Monaco"/>
-              </a:rPr>
-              <a:t>file_handle.close()</a:t>
-            </a:r>
-          </a:p>
-          <a:p>
-            <a:endParaRPr lang="en-US" sz="2200" dirty="0">
-              <a:latin typeface="Monaco"/>
-              <a:cs typeface="Monaco"/>
-            </a:endParaRPr>
-          </a:p>
-          <a:p>
-            <a:endParaRPr lang="en-US" sz="2200" dirty="0" smtClean="0">
-              <a:latin typeface="Monaco"/>
-              <a:cs typeface="Monaco"/>
-            </a:endParaRPr>
-          </a:p>
-          <a:p>
-            <a:endParaRPr lang="en-US" sz="2200" dirty="0" smtClean="0">
-              <a:latin typeface="Monaco"/>
-              <a:cs typeface="Monaco"/>
-            </a:endParaRPr>
-          </a:p>
-          <a:p>
-            <a:r>
-              <a:rPr lang="en-US" sz="2200" dirty="0" smtClean="0">
-                <a:latin typeface="Monaco"/>
-                <a:cs typeface="Monaco"/>
-              </a:rPr>
-              <a:t># Use </a:t>
-            </a:r>
-            <a:r>
-              <a:rPr lang="en-US" sz="2200" i="1" dirty="0" smtClean="0">
-                <a:solidFill>
-                  <a:srgbClr val="DC5924"/>
-                </a:solidFill>
-                <a:latin typeface="Monaco"/>
-                <a:cs typeface="Monaco"/>
-              </a:rPr>
-              <a:t>with</a:t>
-            </a:r>
-            <a:r>
-              <a:rPr lang="en-US" sz="2200" i="1" dirty="0" smtClean="0">
-                <a:latin typeface="Monaco"/>
-                <a:cs typeface="Monaco"/>
-              </a:rPr>
-              <a:t> control-flow </a:t>
-            </a:r>
-            <a:r>
-              <a:rPr lang="en-US" sz="2200" dirty="0" smtClean="0">
-                <a:latin typeface="Monaco"/>
-                <a:cs typeface="Monaco"/>
-              </a:rPr>
-              <a:t>(no need for close!)</a:t>
-            </a:r>
-          </a:p>
-          <a:p>
-            <a:r>
-              <a:rPr lang="en-US" sz="2200" dirty="0" smtClean="0">
-                <a:solidFill>
-                  <a:schemeClr val="accent5"/>
-                </a:solidFill>
-                <a:latin typeface="Monaco"/>
-                <a:cs typeface="Monaco"/>
-              </a:rPr>
-              <a:t>with</a:t>
-            </a:r>
-            <a:r>
-              <a:rPr lang="en-US" sz="2200" dirty="0" smtClean="0">
-                <a:latin typeface="Monaco"/>
-                <a:cs typeface="Monaco"/>
-              </a:rPr>
-              <a:t> open(filename, "r") </a:t>
-            </a:r>
-            <a:r>
-              <a:rPr lang="en-US" sz="2200" dirty="0" smtClean="0">
-                <a:solidFill>
-                  <a:schemeClr val="accent5"/>
-                </a:solidFill>
-                <a:latin typeface="Monaco"/>
-                <a:cs typeface="Monaco"/>
-              </a:rPr>
-              <a:t>as</a:t>
-            </a:r>
-            <a:r>
-              <a:rPr lang="en-US" sz="2200" dirty="0" smtClean="0">
-                <a:latin typeface="Monaco"/>
-                <a:cs typeface="Monaco"/>
-              </a:rPr>
-              <a:t> file_handle:</a:t>
-            </a:r>
-          </a:p>
-          <a:p>
-            <a:r>
-              <a:rPr lang="en-US" sz="2200" dirty="0" smtClean="0">
-                <a:latin typeface="Monaco"/>
-                <a:cs typeface="Monaco"/>
-              </a:rPr>
-              <a:t>	# do stuff to file_handle</a:t>
-            </a:r>
-          </a:p>
-          <a:p>
-            <a:endParaRPr lang="en-US" sz="2200" dirty="0" smtClean="0">
-              <a:latin typeface="Monaco"/>
-              <a:cs typeface="Monaco"/>
-            </a:endParaRPr>
-          </a:p>
-        </p:txBody>
-      </p:sp>
-      <p:sp>
-        <p:nvSpPr>
-          <p:cNvPr id="8" name="Rectangle 7"/>
-          <p:cNvSpPr/>
-          <p:nvPr/>
-        </p:nvSpPr>
-        <p:spPr>
-          <a:xfrm>
-            <a:off x="581850" y="4729844"/>
-            <a:ext cx="374620" cy="348665"/>
-          </a:xfrm>
-          <a:prstGeom prst="rect">
-            <a:avLst/>
-          </a:prstGeom>
-          <a:noFill/>
-          <a:ln w="28575" cmpd="sng">
-            <a:solidFill>
-              <a:schemeClr val="accent2"/>
-            </a:solidFill>
-          </a:ln>
-          <a:effectLst/>
-        </p:spPr>
-        <p:style>
-          <a:lnRef idx="1">
-            <a:schemeClr val="accent1"/>
-          </a:lnRef>
-          <a:fillRef idx="3">
-            <a:schemeClr val="accent1"/>
-          </a:fillRef>
-          <a:effectRef idx="2">
-            <a:schemeClr val="accent1"/>
-          </a:effectRef>
-          <a:fontRef idx="minor">
-            <a:schemeClr val="lt1"/>
-          </a:fontRef>
-        </p:style>
-        <p:txBody>
-          <a:bodyPr rtlCol="0" anchor="ctr"/>
-          <a:lstStyle/>
-          <a:p>
-            <a:pPr algn="ctr"/>
-            <a:endParaRPr lang="en-US"/>
-          </a:p>
-        </p:txBody>
-      </p:sp>
-      <p:sp>
-        <p:nvSpPr>
-          <p:cNvPr id="9" name="Rectangle 8"/>
-          <p:cNvSpPr/>
-          <p:nvPr/>
-        </p:nvSpPr>
-        <p:spPr>
-          <a:xfrm>
-            <a:off x="7099104" y="4467907"/>
-            <a:ext cx="170141" cy="261937"/>
-          </a:xfrm>
-          <a:prstGeom prst="rect">
-            <a:avLst/>
-          </a:prstGeom>
-          <a:noFill/>
-          <a:ln w="28575" cmpd="sng">
-            <a:solidFill>
-              <a:schemeClr val="accent2"/>
-            </a:solidFill>
-          </a:ln>
-          <a:effectLst/>
-        </p:spPr>
-        <p:style>
-          <a:lnRef idx="1">
-            <a:schemeClr val="accent1"/>
-          </a:lnRef>
-          <a:fillRef idx="3">
-            <a:schemeClr val="accent1"/>
-          </a:fillRef>
-          <a:effectRef idx="2">
-            <a:schemeClr val="accent1"/>
-          </a:effectRef>
-          <a:fontRef idx="minor">
-            <a:schemeClr val="lt1"/>
-          </a:fontRef>
-        </p:style>
-        <p:txBody>
-          <a:bodyPr rtlCol="0" anchor="ctr"/>
-          <a:lstStyle/>
-          <a:p>
-            <a:pPr algn="ctr"/>
-            <a:endParaRPr lang="en-US"/>
-          </a:p>
-        </p:txBody>
-      </p:sp>
-    </p:spTree>
-    <p:extLst>
-      <p:ext uri="{BB962C8B-B14F-4D97-AF65-F5344CB8AC3E}">
-        <p14:creationId xmlns:p14="http://schemas.microsoft.com/office/powerpoint/2010/main" val="1850674196"/>
-      </p:ext>
-    </p:extLst>
-  </p:cSld>
-  <p:clrMapOvr>
-    <a:masterClrMapping/>
-  </p:clrMapOvr>
-</p:sld>
-</file>
-
-<file path=ppt/slides/slide47.xml><?xml version="1.0" encoding="utf-8"?>
-<p:sld xmlns:a="http://schemas.openxmlformats.org/drawingml/2006/main" xmlns:r="http://schemas.openxmlformats.org/officeDocument/2006/relationships" xmlns:p="http://schemas.openxmlformats.org/presentationml/2006/main">
-  <p:cSld>
-    <p:spTree>
-      <p:nvGrpSpPr>
-        <p:cNvPr id="1" name=""/>
-        <p:cNvGrpSpPr/>
-        <p:nvPr/>
-      </p:nvGrpSpPr>
-      <p:grpSpPr>
-        <a:xfrm>
-          <a:off x="0" y="0"/>
-          <a:ext cx="0" cy="0"/>
-          <a:chOff x="0" y="0"/>
-          <a:chExt cx="0" cy="0"/>
-        </a:xfrm>
-      </p:grpSpPr>
-      <p:sp>
-        <p:nvSpPr>
-          <p:cNvPr id="2" name="Title 1"/>
-          <p:cNvSpPr>
-            <a:spLocks noGrp="1"/>
-          </p:cNvSpPr>
-          <p:nvPr>
-            <p:ph type="title"/>
-          </p:nvPr>
-        </p:nvSpPr>
-        <p:spPr/>
-        <p:txBody>
-          <a:bodyPr/>
-          <a:lstStyle/>
-          <a:p>
-            <a:r>
-              <a:rPr lang="en-US" dirty="0" smtClean="0"/>
-              <a:t>remember file paths!!</a:t>
-            </a:r>
-            <a:endParaRPr lang="en-US" dirty="0"/>
-          </a:p>
-        </p:txBody>
-      </p:sp>
-      <p:sp>
-        <p:nvSpPr>
-          <p:cNvPr id="4" name="TextBox 3"/>
-          <p:cNvSpPr txBox="1"/>
-          <p:nvPr/>
-        </p:nvSpPr>
-        <p:spPr>
-          <a:xfrm>
-            <a:off x="457199" y="1558432"/>
-            <a:ext cx="8338444" cy="2585323"/>
-          </a:xfrm>
-          <a:prstGeom prst="rect">
-            <a:avLst/>
-          </a:prstGeom>
-          <a:noFill/>
-        </p:spPr>
-        <p:txBody>
-          <a:bodyPr wrap="square" rtlCol="0">
-            <a:spAutoFit/>
-          </a:bodyPr>
-          <a:lstStyle/>
-          <a:p>
-            <a:endParaRPr lang="en-US" dirty="0" smtClean="0">
-              <a:latin typeface="Monaco"/>
-              <a:cs typeface="Monaco"/>
-            </a:endParaRPr>
-          </a:p>
-          <a:p>
-            <a:endParaRPr lang="en-US" dirty="0">
-              <a:latin typeface="Monaco"/>
-              <a:cs typeface="Monaco"/>
-            </a:endParaRPr>
-          </a:p>
-          <a:p>
-            <a:endParaRPr lang="en-US" dirty="0" smtClean="0">
-              <a:latin typeface="Monaco"/>
-              <a:cs typeface="Monaco"/>
-            </a:endParaRPr>
-          </a:p>
-          <a:p>
-            <a:r>
-              <a:rPr lang="en-US" dirty="0" smtClean="0">
-                <a:latin typeface="Monaco"/>
-                <a:cs typeface="Monaco"/>
-              </a:rPr>
-              <a:t>filename = "</a:t>
-            </a:r>
-            <a:r>
-              <a:rPr lang="en-US" dirty="0" err="1" smtClean="0">
-                <a:latin typeface="Monaco"/>
-                <a:cs typeface="Monaco"/>
-              </a:rPr>
-              <a:t>my_file.txt</a:t>
-            </a:r>
-            <a:r>
-              <a:rPr lang="en-US" dirty="0" smtClean="0">
-                <a:latin typeface="Monaco"/>
-                <a:cs typeface="Monaco"/>
-              </a:rPr>
-              <a:t>"</a:t>
-            </a:r>
-          </a:p>
-          <a:p>
-            <a:endParaRPr lang="en-US" dirty="0">
-              <a:latin typeface="Monaco"/>
-              <a:cs typeface="Monaco"/>
-            </a:endParaRPr>
-          </a:p>
-          <a:p>
-            <a:r>
-              <a:rPr lang="en-US" dirty="0" smtClean="0">
-                <a:latin typeface="Monaco"/>
-                <a:cs typeface="Monaco"/>
-              </a:rPr>
-              <a:t>file_handle = open(filename, "r")</a:t>
-            </a:r>
-          </a:p>
-          <a:p>
-            <a:r>
-              <a:rPr lang="en-US" dirty="0" smtClean="0">
-                <a:solidFill>
-                  <a:schemeClr val="tx2"/>
-                </a:solidFill>
-                <a:latin typeface="Monaco"/>
-                <a:cs typeface="Monaco"/>
-              </a:rPr>
-              <a:t>	</a:t>
-            </a:r>
-            <a:r>
-              <a:rPr lang="en-US" dirty="0" err="1" smtClean="0">
-                <a:solidFill>
-                  <a:schemeClr val="tx2"/>
-                </a:solidFill>
-                <a:latin typeface="Monaco"/>
-                <a:cs typeface="Monaco"/>
-              </a:rPr>
-              <a:t>IOError</a:t>
-            </a:r>
-            <a:r>
-              <a:rPr lang="en-US" dirty="0">
-                <a:solidFill>
-                  <a:schemeClr val="tx2"/>
-                </a:solidFill>
-                <a:latin typeface="Monaco"/>
-                <a:cs typeface="Monaco"/>
-              </a:rPr>
-              <a:t>: [</a:t>
-            </a:r>
-            <a:r>
-              <a:rPr lang="en-US" dirty="0" err="1">
-                <a:solidFill>
-                  <a:schemeClr val="tx2"/>
-                </a:solidFill>
-                <a:latin typeface="Monaco"/>
-                <a:cs typeface="Monaco"/>
-              </a:rPr>
-              <a:t>Errno</a:t>
-            </a:r>
-            <a:r>
-              <a:rPr lang="en-US" dirty="0">
-                <a:solidFill>
-                  <a:schemeClr val="tx2"/>
-                </a:solidFill>
-                <a:latin typeface="Monaco"/>
-                <a:cs typeface="Monaco"/>
-              </a:rPr>
-              <a:t> 2] No such file or directory: '</a:t>
-            </a:r>
-            <a:r>
-              <a:rPr lang="en-US" dirty="0" err="1" smtClean="0">
-                <a:solidFill>
-                  <a:schemeClr val="tx2"/>
-                </a:solidFill>
-                <a:latin typeface="Monaco"/>
-                <a:cs typeface="Monaco"/>
-              </a:rPr>
-              <a:t>my_file.txt</a:t>
-            </a:r>
-            <a:r>
-              <a:rPr lang="en-US" dirty="0">
-                <a:solidFill>
-                  <a:schemeClr val="tx2"/>
-                </a:solidFill>
-                <a:latin typeface="Monaco"/>
-                <a:cs typeface="Monaco"/>
-              </a:rPr>
-              <a:t>'</a:t>
-            </a:r>
-          </a:p>
-          <a:p>
-            <a:endParaRPr lang="en-US" dirty="0" smtClean="0">
-              <a:latin typeface="Monaco"/>
-              <a:cs typeface="Monaco"/>
-            </a:endParaRPr>
-          </a:p>
-        </p:txBody>
-      </p:sp>
-    </p:spTree>
-    <p:extLst>
-      <p:ext uri="{BB962C8B-B14F-4D97-AF65-F5344CB8AC3E}">
-        <p14:creationId xmlns:p14="http://schemas.microsoft.com/office/powerpoint/2010/main" val="437557011"/>
-      </p:ext>
-    </p:extLst>
-  </p:cSld>
-  <p:clrMapOvr>
-    <a:masterClrMapping/>
-  </p:clrMapOvr>
-</p:sld>
-</file>
-
-<file path=ppt/slides/slide48.xml><?xml version="1.0" encoding="utf-8"?>
-<p:sld xmlns:a="http://schemas.openxmlformats.org/drawingml/2006/main" xmlns:r="http://schemas.openxmlformats.org/officeDocument/2006/relationships" xmlns:p="http://schemas.openxmlformats.org/presentationml/2006/main">
-  <p:cSld>
-    <p:spTree>
-      <p:nvGrpSpPr>
-        <p:cNvPr id="1" name=""/>
-        <p:cNvGrpSpPr/>
-        <p:nvPr/>
-      </p:nvGrpSpPr>
-      <p:grpSpPr>
-        <a:xfrm>
-          <a:off x="0" y="0"/>
-          <a:ext cx="0" cy="0"/>
-          <a:chOff x="0" y="0"/>
-          <a:chExt cx="0" cy="0"/>
-        </a:xfrm>
-      </p:grpSpPr>
-      <p:sp>
-        <p:nvSpPr>
-          <p:cNvPr id="2" name="Title 1"/>
-          <p:cNvSpPr>
-            <a:spLocks noGrp="1"/>
-          </p:cNvSpPr>
-          <p:nvPr>
-            <p:ph type="title"/>
-          </p:nvPr>
-        </p:nvSpPr>
-        <p:spPr/>
-        <p:txBody>
-          <a:bodyPr/>
-          <a:lstStyle/>
-          <a:p>
-            <a:r>
-              <a:rPr lang="en-US" dirty="0" smtClean="0"/>
-              <a:t>remember file paths!!</a:t>
-            </a:r>
-            <a:endParaRPr lang="en-US" dirty="0"/>
-          </a:p>
-        </p:txBody>
-      </p:sp>
-      <p:sp>
-        <p:nvSpPr>
-          <p:cNvPr id="4" name="TextBox 3"/>
-          <p:cNvSpPr txBox="1"/>
-          <p:nvPr/>
-        </p:nvSpPr>
-        <p:spPr>
-          <a:xfrm>
-            <a:off x="457199" y="1558432"/>
-            <a:ext cx="8338444" cy="5078314"/>
-          </a:xfrm>
-          <a:prstGeom prst="rect">
-            <a:avLst/>
-          </a:prstGeom>
-          <a:noFill/>
-        </p:spPr>
-        <p:txBody>
-          <a:bodyPr wrap="square" rtlCol="0">
-            <a:spAutoFit/>
-          </a:bodyPr>
-          <a:lstStyle/>
-          <a:p>
-            <a:endParaRPr lang="en-US" dirty="0" smtClean="0">
-              <a:latin typeface="Monaco"/>
-              <a:cs typeface="Monaco"/>
-            </a:endParaRPr>
-          </a:p>
-          <a:p>
-            <a:endParaRPr lang="en-US" dirty="0">
-              <a:latin typeface="Monaco"/>
-              <a:cs typeface="Monaco"/>
-            </a:endParaRPr>
-          </a:p>
-          <a:p>
-            <a:endParaRPr lang="en-US" dirty="0" smtClean="0">
-              <a:latin typeface="Monaco"/>
-              <a:cs typeface="Monaco"/>
-            </a:endParaRPr>
-          </a:p>
-          <a:p>
-            <a:r>
-              <a:rPr lang="en-US" dirty="0" smtClean="0">
-                <a:latin typeface="Monaco"/>
-                <a:cs typeface="Monaco"/>
-              </a:rPr>
-              <a:t>filename = "</a:t>
-            </a:r>
-            <a:r>
-              <a:rPr lang="en-US" dirty="0" err="1" smtClean="0">
-                <a:latin typeface="Monaco"/>
-                <a:cs typeface="Monaco"/>
-              </a:rPr>
-              <a:t>my_file.txt</a:t>
-            </a:r>
-            <a:r>
-              <a:rPr lang="en-US" dirty="0" smtClean="0">
-                <a:latin typeface="Monaco"/>
-                <a:cs typeface="Monaco"/>
-              </a:rPr>
-              <a:t>"</a:t>
-            </a:r>
-          </a:p>
-          <a:p>
-            <a:endParaRPr lang="en-US" dirty="0">
-              <a:latin typeface="Monaco"/>
-              <a:cs typeface="Monaco"/>
-            </a:endParaRPr>
-          </a:p>
-          <a:p>
-            <a:r>
-              <a:rPr lang="en-US" dirty="0" smtClean="0">
-                <a:latin typeface="Monaco"/>
-                <a:cs typeface="Monaco"/>
-              </a:rPr>
-              <a:t>file_handle = open(filename, "r")</a:t>
-            </a:r>
-          </a:p>
-          <a:p>
-            <a:r>
-              <a:rPr lang="en-US" dirty="0" smtClean="0">
-                <a:solidFill>
-                  <a:schemeClr val="tx2"/>
-                </a:solidFill>
-                <a:latin typeface="Monaco"/>
-                <a:cs typeface="Monaco"/>
-              </a:rPr>
-              <a:t>	</a:t>
-            </a:r>
-            <a:r>
-              <a:rPr lang="en-US" dirty="0" err="1" smtClean="0">
-                <a:solidFill>
-                  <a:schemeClr val="tx2"/>
-                </a:solidFill>
-                <a:latin typeface="Monaco"/>
-                <a:cs typeface="Monaco"/>
-              </a:rPr>
-              <a:t>IOError</a:t>
-            </a:r>
-            <a:r>
-              <a:rPr lang="en-US" dirty="0">
-                <a:solidFill>
-                  <a:schemeClr val="tx2"/>
-                </a:solidFill>
-                <a:latin typeface="Monaco"/>
-                <a:cs typeface="Monaco"/>
-              </a:rPr>
-              <a:t>: [</a:t>
-            </a:r>
-            <a:r>
-              <a:rPr lang="en-US" dirty="0" err="1">
-                <a:solidFill>
-                  <a:schemeClr val="tx2"/>
-                </a:solidFill>
-                <a:latin typeface="Monaco"/>
-                <a:cs typeface="Monaco"/>
-              </a:rPr>
-              <a:t>Errno</a:t>
-            </a:r>
-            <a:r>
-              <a:rPr lang="en-US" dirty="0">
-                <a:solidFill>
-                  <a:schemeClr val="tx2"/>
-                </a:solidFill>
-                <a:latin typeface="Monaco"/>
-                <a:cs typeface="Monaco"/>
-              </a:rPr>
-              <a:t> 2] No such file or directory: '</a:t>
-            </a:r>
-            <a:r>
-              <a:rPr lang="en-US" dirty="0" err="1" smtClean="0">
-                <a:solidFill>
-                  <a:schemeClr val="tx2"/>
-                </a:solidFill>
-                <a:latin typeface="Monaco"/>
-                <a:cs typeface="Monaco"/>
-              </a:rPr>
-              <a:t>my_file.txt</a:t>
-            </a:r>
-            <a:r>
-              <a:rPr lang="en-US" dirty="0">
-                <a:solidFill>
-                  <a:schemeClr val="tx2"/>
-                </a:solidFill>
-                <a:latin typeface="Monaco"/>
-                <a:cs typeface="Monaco"/>
-              </a:rPr>
-              <a:t>'</a:t>
-            </a:r>
-          </a:p>
-          <a:p>
-            <a:endParaRPr lang="en-US" dirty="0">
-              <a:solidFill>
-                <a:schemeClr val="tx2"/>
-              </a:solidFill>
-              <a:latin typeface="Monaco"/>
-              <a:cs typeface="Monaco"/>
-            </a:endParaRPr>
-          </a:p>
-          <a:p>
-            <a:endParaRPr lang="en-US" dirty="0">
-              <a:solidFill>
-                <a:schemeClr val="tx2"/>
-              </a:solidFill>
-              <a:latin typeface="Monaco"/>
-              <a:cs typeface="Monaco"/>
-            </a:endParaRPr>
-          </a:p>
-          <a:p>
-            <a:r>
-              <a:rPr lang="en-US" dirty="0">
-                <a:latin typeface="Monaco"/>
-                <a:cs typeface="Monaco"/>
-              </a:rPr>
-              <a:t># Solution: include the full path!</a:t>
-            </a:r>
-          </a:p>
-          <a:p>
-            <a:endParaRPr lang="en-US" dirty="0">
-              <a:latin typeface="Monaco"/>
-              <a:cs typeface="Monaco"/>
-            </a:endParaRPr>
-          </a:p>
-          <a:p>
-            <a:r>
-              <a:rPr lang="en-US" dirty="0">
-                <a:latin typeface="Monaco"/>
-                <a:cs typeface="Monaco"/>
-              </a:rPr>
-              <a:t>filename = "my_file.txt"</a:t>
-            </a:r>
-          </a:p>
-          <a:p>
-            <a:r>
-              <a:rPr lang="en-US" dirty="0">
-                <a:latin typeface="Monaco"/>
-                <a:cs typeface="Monaco"/>
-              </a:rPr>
-              <a:t>path = "/path/to/files/"</a:t>
-            </a:r>
-          </a:p>
-          <a:p>
-            <a:endParaRPr lang="en-US" dirty="0">
-              <a:latin typeface="Monaco"/>
-              <a:cs typeface="Monaco"/>
-            </a:endParaRPr>
-          </a:p>
-          <a:p>
-            <a:r>
-              <a:rPr lang="en-US" dirty="0">
-                <a:latin typeface="Monaco"/>
-                <a:cs typeface="Monaco"/>
-              </a:rPr>
-              <a:t>file_handle = open(path + filename, "r")</a:t>
-            </a:r>
-          </a:p>
-          <a:p>
-            <a:endParaRPr lang="en-US" dirty="0">
-              <a:solidFill>
-                <a:schemeClr val="tx2"/>
-              </a:solidFill>
-              <a:latin typeface="Monaco"/>
-              <a:cs typeface="Monaco"/>
-            </a:endParaRPr>
-          </a:p>
-          <a:p>
-            <a:endParaRPr lang="en-US" dirty="0" smtClean="0">
-              <a:latin typeface="Monaco"/>
-              <a:cs typeface="Monaco"/>
-            </a:endParaRPr>
-          </a:p>
-        </p:txBody>
-      </p:sp>
-    </p:spTree>
-    <p:extLst>
-      <p:ext uri="{BB962C8B-B14F-4D97-AF65-F5344CB8AC3E}">
-        <p14:creationId xmlns:p14="http://schemas.microsoft.com/office/powerpoint/2010/main" val="3417604356"/>
-      </p:ext>
-    </p:extLst>
-  </p:cSld>
-  <p:clrMapOvr>
-    <a:masterClrMapping/>
-  </p:clrMapOvr>
-</p:sld>
-</file>
-
-<file path=ppt/slides/slide49.xml><?xml version="1.0" encoding="utf-8"?>
-<p:sld xmlns:a="http://schemas.openxmlformats.org/drawingml/2006/main" xmlns:r="http://schemas.openxmlformats.org/officeDocument/2006/relationships" xmlns:p="http://schemas.openxmlformats.org/presentationml/2006/main">
-  <p:cSld>
-    <p:spTree>
-      <p:nvGrpSpPr>
-        <p:cNvPr id="1" name=""/>
-        <p:cNvGrpSpPr/>
-        <p:nvPr/>
-      </p:nvGrpSpPr>
-      <p:grpSpPr>
-        <a:xfrm>
-          <a:off x="0" y="0"/>
-          <a:ext cx="0" cy="0"/>
-          <a:chOff x="0" y="0"/>
-          <a:chExt cx="0" cy="0"/>
-        </a:xfrm>
-      </p:grpSpPr>
-      <p:sp>
-        <p:nvSpPr>
-          <p:cNvPr id="2" name="Title 1"/>
-          <p:cNvSpPr>
-            <a:spLocks noGrp="1"/>
-          </p:cNvSpPr>
-          <p:nvPr>
-            <p:ph type="title"/>
-          </p:nvPr>
-        </p:nvSpPr>
-        <p:spPr>
-          <a:xfrm>
-            <a:off x="2230714" y="3087537"/>
-            <a:ext cx="4688183" cy="692215"/>
-          </a:xfrm>
-        </p:spPr>
-        <p:txBody>
-          <a:bodyPr/>
-          <a:lstStyle/>
-          <a:p>
-            <a:r>
-              <a:rPr lang="en-US" dirty="0" smtClean="0"/>
-              <a:t>exercise break</a:t>
-            </a:r>
-            <a:endParaRPr lang="en-US" dirty="0"/>
-          </a:p>
-        </p:txBody>
-      </p:sp>
-    </p:spTree>
-    <p:extLst>
-      <p:ext uri="{BB962C8B-B14F-4D97-AF65-F5344CB8AC3E}">
-        <p14:creationId xmlns:p14="http://schemas.microsoft.com/office/powerpoint/2010/main" val="33043725"/>
       </p:ext>
     </p:extLst>
   </p:cSld>
